--- a/classes/winter_2023/lectures/lecture_09-linear_time_invariant_systems/linear_time_invariant_systems.pptx
+++ b/classes/winter_2023/lectures/lecture_09-linear_time_invariant_systems/linear_time_invariant_systems.pptx
@@ -983,6 +983,111 @@
         </p:txBody>
       </p:sp>
     </p:spTree>
+  </p:cSld>
+  <p:clrMapOvr>
+    <a:masterClrMapping/>
+  </p:clrMapOvr>
+</p:notes>
+</file>
+
+<file path=ppt/notesSlides/notesSlide2.xml><?xml version="1.0" encoding="utf-8"?>
+<p:notes xmlns:a="http://schemas.openxmlformats.org/drawingml/2006/main" xmlns:r="http://schemas.openxmlformats.org/officeDocument/2006/relationships" xmlns:p="http://schemas.openxmlformats.org/presentationml/2006/main">
+  <p:cSld>
+    <p:spTree>
+      <p:nvGrpSpPr>
+        <p:cNvPr id="1" name=""/>
+        <p:cNvGrpSpPr/>
+        <p:nvPr/>
+      </p:nvGrpSpPr>
+      <p:grpSpPr>
+        <a:xfrm>
+          <a:off x="0" y="0"/>
+          <a:ext cx="0" cy="0"/>
+          <a:chOff x="0" y="0"/>
+          <a:chExt cx="0" cy="0"/>
+        </a:xfrm>
+      </p:grpSpPr>
+      <p:sp>
+        <p:nvSpPr>
+          <p:cNvPr id="2" name="Slide Image Placeholder 1"/>
+          <p:cNvSpPr>
+            <a:spLocks noGrp="1" noRot="1" noChangeAspect="1"/>
+          </p:cNvSpPr>
+          <p:nvPr>
+            <p:ph type="sldImg"/>
+          </p:nvPr>
+        </p:nvSpPr>
+        <p:spPr/>
+      </p:sp>
+      <p:sp>
+        <p:nvSpPr>
+          <p:cNvPr id="3" name="Notes Placeholder 2"/>
+          <p:cNvSpPr>
+            <a:spLocks noGrp="1"/>
+          </p:cNvSpPr>
+          <p:nvPr>
+            <p:ph type="body" idx="1"/>
+          </p:nvPr>
+        </p:nvSpPr>
+        <p:spPr/>
+        <p:txBody>
+          <a:bodyPr/>
+          <a:lstStyle/>
+          <a:p>
+            <a:r>
+              <a:rPr lang="en-US" dirty="0"/>
+              <a:t>DC gain for constant amplification: 5</a:t>
+            </a:r>
+          </a:p>
+          <a:p>
+            <a:r>
+              <a:rPr lang="en-US" dirty="0"/>
+              <a:t>DC gain for exponential: 1/a</a:t>
+            </a:r>
+          </a:p>
+          <a:p>
+            <a:r>
+              <a:rPr lang="en-US" dirty="0"/>
+              <a:t>DC gain for filter: 1</a:t>
+            </a:r>
+          </a:p>
+        </p:txBody>
+      </p:sp>
+      <p:sp>
+        <p:nvSpPr>
+          <p:cNvPr id="4" name="Slide Number Placeholder 3"/>
+          <p:cNvSpPr>
+            <a:spLocks noGrp="1"/>
+          </p:cNvSpPr>
+          <p:nvPr>
+            <p:ph type="sldNum" sz="quarter" idx="5"/>
+          </p:nvPr>
+        </p:nvSpPr>
+        <p:spPr/>
+        <p:txBody>
+          <a:bodyPr/>
+          <a:lstStyle/>
+          <a:p>
+            <a:pPr>
+              <a:defRPr/>
+            </a:pPr>
+            <a:fld id="{1E3608CA-DBCA-4E8F-8DAB-6E1AFAF19782}" type="slidenum">
+              <a:rPr lang="en-US" altLang="x-none" smtClean="0"/>
+              <a:pPr>
+                <a:defRPr/>
+              </a:pPr>
+              <a:t>20</a:t>
+            </a:fld>
+            <a:endParaRPr lang="en-US" altLang="x-none"/>
+          </a:p>
+        </p:txBody>
+      </p:sp>
+    </p:spTree>
+    <p:extLst>
+      <p:ext uri="{BB962C8B-B14F-4D97-AF65-F5344CB8AC3E}">
+        <p14:creationId xmlns:p14="http://schemas.microsoft.com/office/powerpoint/2010/main" val="1852542600"/>
+      </p:ext>
+    </p:extLst>
   </p:cSld>
   <p:clrMapOvr>
     <a:masterClrMapping/>
@@ -5931,8 +6036,8 @@
           </a:p>
         </p:txBody>
       </p:sp>
-      <mc:AlternateContent xmlns:mc="http://schemas.openxmlformats.org/markup-compatibility/2006">
-        <mc:Choice xmlns:a14="http://schemas.microsoft.com/office/drawing/2010/main" Requires="a14">
+      <mc:AlternateContent xmlns:mc="http://schemas.openxmlformats.org/markup-compatibility/2006" xmlns:a14="http://schemas.microsoft.com/office/drawing/2010/main">
+        <mc:Choice Requires="a14">
           <p:sp>
             <p:nvSpPr>
               <p:cNvPr id="3" name="Content Placeholder 2">
@@ -6023,7 +6128,7 @@
             </p:txBody>
           </p:sp>
         </mc:Choice>
-        <mc:Fallback>
+        <mc:Fallback xmlns="">
           <p:sp>
             <p:nvSpPr>
               <p:cNvPr id="3" name="Content Placeholder 2">
@@ -6067,8 +6172,8 @@
           </p:sp>
         </mc:Fallback>
       </mc:AlternateContent>
-      <mc:AlternateContent xmlns:mc="http://schemas.openxmlformats.org/markup-compatibility/2006">
-        <mc:Choice xmlns:a14="http://schemas.microsoft.com/office/drawing/2010/main" Requires="a14">
+      <mc:AlternateContent xmlns:mc="http://schemas.openxmlformats.org/markup-compatibility/2006" xmlns:a14="http://schemas.microsoft.com/office/drawing/2010/main">
+        <mc:Choice Requires="a14">
           <p:sp>
             <p:nvSpPr>
               <p:cNvPr id="4" name="TextBox 3">
@@ -6255,7 +6360,7 @@
             </p:txBody>
           </p:sp>
         </mc:Choice>
-        <mc:Fallback>
+        <mc:Fallback xmlns="">
           <p:sp>
             <p:nvSpPr>
               <p:cNvPr id="4" name="TextBox 3">
@@ -7294,6 +7399,13 @@
                                 <a:latin typeface="Cambria Math" panose="02040503050406030204" pitchFamily="18" charset="0"/>
                                 <a:ea typeface="Cambria Math" panose="02040503050406030204" pitchFamily="18" charset="0"/>
                               </a:rPr>
+                              <m:t>−</m:t>
+                            </m:r>
+                            <m:r>
+                              <a:rPr lang="en-US" sz="2800" b="0" i="1" smtClean="0">
+                                <a:latin typeface="Cambria Math" panose="02040503050406030204" pitchFamily="18" charset="0"/>
+                                <a:ea typeface="Cambria Math" panose="02040503050406030204" pitchFamily="18" charset="0"/>
+                              </a:rPr>
                               <m:t>𝑎𝑡</m:t>
                             </m:r>
                           </m:sup>
@@ -7441,8 +7553,8 @@
           </a:p>
         </p:txBody>
       </p:sp>
-      <mc:AlternateContent xmlns:mc="http://schemas.openxmlformats.org/markup-compatibility/2006">
-        <mc:Choice xmlns:a14="http://schemas.microsoft.com/office/drawing/2010/main" Requires="a14">
+      <mc:AlternateContent xmlns:mc="http://schemas.openxmlformats.org/markup-compatibility/2006" xmlns:a14="http://schemas.microsoft.com/office/drawing/2010/main">
+        <mc:Choice Requires="a14">
           <p:sp>
             <p:nvSpPr>
               <p:cNvPr id="6" name="TextBox 5">
@@ -7628,7 +7740,7 @@
             </p:txBody>
           </p:sp>
         </mc:Choice>
-        <mc:Fallback>
+        <mc:Fallback xmlns="">
           <p:sp>
             <p:nvSpPr>
               <p:cNvPr id="6" name="TextBox 5">
@@ -7736,8 +7848,8 @@
           </a:p>
         </p:txBody>
       </p:sp>
-      <mc:AlternateContent xmlns:mc="http://schemas.openxmlformats.org/markup-compatibility/2006">
-        <mc:Choice xmlns:a14="http://schemas.microsoft.com/office/drawing/2010/main" Requires="a14">
+      <mc:AlternateContent xmlns:mc="http://schemas.openxmlformats.org/markup-compatibility/2006" xmlns:a14="http://schemas.microsoft.com/office/drawing/2010/main">
+        <mc:Choice Requires="a14">
           <p:sp>
             <p:nvSpPr>
               <p:cNvPr id="3" name="Content Placeholder 2">
@@ -8271,7 +8383,7 @@
             </p:txBody>
           </p:sp>
         </mc:Choice>
-        <mc:Fallback>
+        <mc:Fallback xmlns="">
           <p:sp>
             <p:nvSpPr>
               <p:cNvPr id="3" name="Content Placeholder 2">
@@ -8350,8 +8462,8 @@
           </a:p>
         </p:txBody>
       </p:sp>
-      <mc:AlternateContent xmlns:mc="http://schemas.openxmlformats.org/markup-compatibility/2006">
-        <mc:Choice xmlns:a14="http://schemas.microsoft.com/office/drawing/2010/main" Requires="a14">
+      <mc:AlternateContent xmlns:mc="http://schemas.openxmlformats.org/markup-compatibility/2006" xmlns:a14="http://schemas.microsoft.com/office/drawing/2010/main">
+        <mc:Choice Requires="a14">
           <p:sp>
             <p:nvSpPr>
               <p:cNvPr id="6" name="TextBox 5">
@@ -8537,7 +8649,7 @@
             </p:txBody>
           </p:sp>
         </mc:Choice>
-        <mc:Fallback>
+        <mc:Fallback xmlns="">
           <p:sp>
             <p:nvSpPr>
               <p:cNvPr id="6" name="TextBox 5">
@@ -8640,8 +8752,8 @@
           </a:p>
         </p:txBody>
       </p:sp>
-      <mc:AlternateContent xmlns:mc="http://schemas.openxmlformats.org/markup-compatibility/2006">
-        <mc:Choice xmlns:a14="http://schemas.microsoft.com/office/drawing/2010/main" Requires="a14">
+      <mc:AlternateContent xmlns:mc="http://schemas.openxmlformats.org/markup-compatibility/2006" xmlns:a14="http://schemas.microsoft.com/office/drawing/2010/main">
+        <mc:Choice Requires="a14">
           <p:sp>
             <p:nvSpPr>
               <p:cNvPr id="3" name="Content Placeholder 2">
@@ -8692,13 +8804,7 @@
                       <a:rPr lang="en-US" b="0" i="1" smtClean="0">
                         <a:latin typeface="Cambria Math" panose="02040503050406030204" pitchFamily="18" charset="0"/>
                       </a:rPr>
-                      <m:t>=5+</m:t>
-                    </m:r>
-                    <m:r>
-                      <a:rPr lang="en-US" b="0" i="1" smtClean="0">
-                        <a:latin typeface="Cambria Math" panose="02040503050406030204" pitchFamily="18" charset="0"/>
-                      </a:rPr>
-                      <m:t>3</m:t>
+                      <m:t>=5+3</m:t>
                     </m:r>
                     <m:sSup>
                       <m:sSupPr>
@@ -8729,13 +8835,7 @@
                       <a:rPr lang="en-US" b="0" i="1" smtClean="0">
                         <a:latin typeface="Cambria Math" panose="02040503050406030204" pitchFamily="18" charset="0"/>
                       </a:rPr>
-                      <m:t>+ </m:t>
-                    </m:r>
-                    <m:r>
-                      <a:rPr lang="en-US" b="0" i="1" smtClean="0">
-                        <a:latin typeface="Cambria Math" panose="02040503050406030204" pitchFamily="18" charset="0"/>
-                      </a:rPr>
-                      <m:t>100</m:t>
+                      <m:t>+ 100</m:t>
                     </m:r>
                     <m:r>
                       <a:rPr lang="en-US" b="0" i="1" smtClean="0">
@@ -9055,7 +9155,7 @@
             </p:txBody>
           </p:sp>
         </mc:Choice>
-        <mc:Fallback>
+        <mc:Fallback xmlns="">
           <p:sp>
             <p:nvSpPr>
               <p:cNvPr id="3" name="Content Placeholder 2">
@@ -9612,6 +9712,13 @@
                           </m:e>
                           <m:sup>
                             <m:r>
+                              <a:rPr lang="en-US" sz="1800" b="0" i="1" smtClean="0">
+                                <a:latin typeface="Cambria Math" panose="02040503050406030204" pitchFamily="18" charset="0"/>
+                                <a:ea typeface="Cambria Math" panose="02040503050406030204" pitchFamily="18" charset="0"/>
+                              </a:rPr>
+                              <m:t>−</m:t>
+                            </m:r>
+                            <m:r>
                               <a:rPr lang="en-US" sz="1800" i="1" smtClean="0">
                                 <a:latin typeface="Cambria Math" panose="02040503050406030204" pitchFamily="18" charset="0"/>
                                 <a:ea typeface="Cambria Math" panose="02040503050406030204" pitchFamily="18" charset="0"/>
@@ -10238,6 +10345,183 @@
   <p:clrMapOvr>
     <a:masterClrMapping/>
   </p:clrMapOvr>
+  <p:timing>
+    <p:tnLst>
+      <p:par>
+        <p:cTn id="1" dur="indefinite" restart="never" nodeType="tmRoot">
+          <p:childTnLst>
+            <p:seq concurrent="1" nextAc="seek">
+              <p:cTn id="2" dur="indefinite" nodeType="mainSeq">
+                <p:childTnLst>
+                  <p:par>
+                    <p:cTn id="3" fill="hold">
+                      <p:stCondLst>
+                        <p:cond delay="indefinite"/>
+                      </p:stCondLst>
+                      <p:childTnLst>
+                        <p:par>
+                          <p:cTn id="4" fill="hold">
+                            <p:stCondLst>
+                              <p:cond delay="0"/>
+                            </p:stCondLst>
+                            <p:childTnLst>
+                              <p:par>
+                                <p:cTn id="5" presetID="1" presetClass="entr" presetSubtype="0" fill="hold" nodeType="clickEffect">
+                                  <p:stCondLst>
+                                    <p:cond delay="0"/>
+                                  </p:stCondLst>
+                                  <p:childTnLst>
+                                    <p:set>
+                                      <p:cBhvr>
+                                        <p:cTn id="6" dur="1" fill="hold">
+                                          <p:stCondLst>
+                                            <p:cond delay="0"/>
+                                          </p:stCondLst>
+                                        </p:cTn>
+                                        <p:tgtEl>
+                                          <p:spTgt spid="3">
+                                            <p:txEl>
+                                              <p:pRg st="1" end="1"/>
+                                            </p:txEl>
+                                          </p:spTgt>
+                                        </p:tgtEl>
+                                        <p:attrNameLst>
+                                          <p:attrName>style.visibility</p:attrName>
+                                        </p:attrNameLst>
+                                      </p:cBhvr>
+                                      <p:to>
+                                        <p:strVal val="visible"/>
+                                      </p:to>
+                                    </p:set>
+                                  </p:childTnLst>
+                                </p:cTn>
+                              </p:par>
+                            </p:childTnLst>
+                          </p:cTn>
+                        </p:par>
+                      </p:childTnLst>
+                    </p:cTn>
+                  </p:par>
+                  <p:par>
+                    <p:cTn id="7" fill="hold">
+                      <p:stCondLst>
+                        <p:cond delay="indefinite"/>
+                      </p:stCondLst>
+                      <p:childTnLst>
+                        <p:par>
+                          <p:cTn id="8" fill="hold">
+                            <p:stCondLst>
+                              <p:cond delay="0"/>
+                            </p:stCondLst>
+                            <p:childTnLst>
+                              <p:par>
+                                <p:cTn id="9" presetID="1" presetClass="entr" presetSubtype="0" fill="hold" nodeType="clickEffect">
+                                  <p:stCondLst>
+                                    <p:cond delay="0"/>
+                                  </p:stCondLst>
+                                  <p:childTnLst>
+                                    <p:set>
+                                      <p:cBhvr>
+                                        <p:cTn id="10" dur="1" fill="hold">
+                                          <p:stCondLst>
+                                            <p:cond delay="0"/>
+                                          </p:stCondLst>
+                                        </p:cTn>
+                                        <p:tgtEl>
+                                          <p:spTgt spid="3">
+                                            <p:txEl>
+                                              <p:pRg st="2" end="2"/>
+                                            </p:txEl>
+                                          </p:spTgt>
+                                        </p:tgtEl>
+                                        <p:attrNameLst>
+                                          <p:attrName>style.visibility</p:attrName>
+                                        </p:attrNameLst>
+                                      </p:cBhvr>
+                                      <p:to>
+                                        <p:strVal val="visible"/>
+                                      </p:to>
+                                    </p:set>
+                                  </p:childTnLst>
+                                </p:cTn>
+                              </p:par>
+                            </p:childTnLst>
+                          </p:cTn>
+                        </p:par>
+                      </p:childTnLst>
+                    </p:cTn>
+                  </p:par>
+                  <p:par>
+                    <p:cTn id="11" fill="hold">
+                      <p:stCondLst>
+                        <p:cond delay="indefinite"/>
+                      </p:stCondLst>
+                      <p:childTnLst>
+                        <p:par>
+                          <p:cTn id="12" fill="hold">
+                            <p:stCondLst>
+                              <p:cond delay="0"/>
+                            </p:stCondLst>
+                            <p:childTnLst>
+                              <p:par>
+                                <p:cTn id="13" presetID="1" presetClass="entr" presetSubtype="0" fill="hold" nodeType="clickEffect">
+                                  <p:stCondLst>
+                                    <p:cond delay="0"/>
+                                  </p:stCondLst>
+                                  <p:childTnLst>
+                                    <p:set>
+                                      <p:cBhvr>
+                                        <p:cTn id="14" dur="1" fill="hold">
+                                          <p:stCondLst>
+                                            <p:cond delay="0"/>
+                                          </p:stCondLst>
+                                        </p:cTn>
+                                        <p:tgtEl>
+                                          <p:spTgt spid="3">
+                                            <p:txEl>
+                                              <p:pRg st="3" end="3"/>
+                                            </p:txEl>
+                                          </p:spTgt>
+                                        </p:tgtEl>
+                                        <p:attrNameLst>
+                                          <p:attrName>style.visibility</p:attrName>
+                                        </p:attrNameLst>
+                                      </p:cBhvr>
+                                      <p:to>
+                                        <p:strVal val="visible"/>
+                                      </p:to>
+                                    </p:set>
+                                  </p:childTnLst>
+                                </p:cTn>
+                              </p:par>
+                            </p:childTnLst>
+                          </p:cTn>
+                        </p:par>
+                      </p:childTnLst>
+                    </p:cTn>
+                  </p:par>
+                </p:childTnLst>
+              </p:cTn>
+              <p:prevCondLst>
+                <p:cond evt="onPrev" delay="0">
+                  <p:tgtEl>
+                    <p:sldTgt/>
+                  </p:tgtEl>
+                </p:cond>
+              </p:prevCondLst>
+              <p:nextCondLst>
+                <p:cond evt="onNext" delay="0">
+                  <p:tgtEl>
+                    <p:sldTgt/>
+                  </p:tgtEl>
+                </p:cond>
+              </p:nextCondLst>
+            </p:seq>
+          </p:childTnLst>
+        </p:cTn>
+      </p:par>
+    </p:tnLst>
+  </p:timing>
 </p:sld>
 </file>
 
@@ -10340,56 +10624,6 @@
                       <a:rPr lang="en-US" b="0" i="1" smtClean="0">
                         <a:latin typeface="Cambria Math" panose="02040503050406030204" pitchFamily="18" charset="0"/>
                       </a:rPr>
-                      <m:t>+</m:t>
-                    </m:r>
-                    <m:f>
-                      <m:fPr>
-                        <m:ctrlPr>
-                          <a:rPr lang="en-US" b="0" i="1" smtClean="0">
-                            <a:latin typeface="Cambria Math" panose="02040503050406030204" pitchFamily="18" charset="0"/>
-                          </a:rPr>
-                        </m:ctrlPr>
-                      </m:fPr>
-                      <m:num>
-                        <m:r>
-                          <a:rPr lang="en-US" b="0" i="1" smtClean="0">
-                            <a:latin typeface="Cambria Math" panose="02040503050406030204" pitchFamily="18" charset="0"/>
-                          </a:rPr>
-                          <m:t>3</m:t>
-                        </m:r>
-                      </m:num>
-                      <m:den>
-                        <m:sSup>
-                          <m:sSupPr>
-                            <m:ctrlPr>
-                              <a:rPr lang="en-US" b="0" i="1" smtClean="0">
-                                <a:latin typeface="Cambria Math" panose="02040503050406030204" pitchFamily="18" charset="0"/>
-                              </a:rPr>
-                            </m:ctrlPr>
-                          </m:sSupPr>
-                          <m:e>
-                            <m:r>
-                              <a:rPr lang="en-US" b="0" i="1" smtClean="0">
-                                <a:latin typeface="Cambria Math" panose="02040503050406030204" pitchFamily="18" charset="0"/>
-                              </a:rPr>
-                              <m:t>𝑠</m:t>
-                            </m:r>
-                          </m:e>
-                          <m:sup>
-                            <m:r>
-                              <a:rPr lang="en-US" b="0" i="1" smtClean="0">
-                                <a:latin typeface="Cambria Math" panose="02040503050406030204" pitchFamily="18" charset="0"/>
-                              </a:rPr>
-                              <m:t>3</m:t>
-                            </m:r>
-                          </m:sup>
-                        </m:sSup>
-                      </m:den>
-                    </m:f>
-                    <m:r>
-                      <a:rPr lang="en-US" b="0" i="1" smtClean="0">
-                        <a:latin typeface="Cambria Math" panose="02040503050406030204" pitchFamily="18" charset="0"/>
-                      </a:rPr>
                       <m:t>+100</m:t>
                     </m:r>
                   </m:oMath>
@@ -10406,7 +10640,7 @@
                   <a:rPr lang="en-US" dirty="0">
                     <a:latin typeface="Cambria Math" panose="02040503050406030204" pitchFamily="18" charset="0"/>
                   </a:rPr>
-                  <a:t>	poles at 0. unstable.</a:t>
+                  <a:t>	poles at 0. Step + impulse.</a:t>
                 </a:r>
                 <a:endParaRPr lang="en-US" b="0" dirty="0">
                   <a:latin typeface="Cambria Math" panose="02040503050406030204" pitchFamily="18" charset="0"/>
@@ -10587,8 +10821,8 @@
           </a:p>
         </p:txBody>
       </p:sp>
-      <mc:AlternateContent xmlns:mc="http://schemas.openxmlformats.org/markup-compatibility/2006">
-        <mc:Choice xmlns:a14="http://schemas.microsoft.com/office/drawing/2010/main" Requires="a14">
+      <mc:AlternateContent xmlns:mc="http://schemas.openxmlformats.org/markup-compatibility/2006" xmlns:a14="http://schemas.microsoft.com/office/drawing/2010/main">
+        <mc:Choice Requires="a14">
           <p:sp>
             <p:nvSpPr>
               <p:cNvPr id="5" name="Content Placeholder 2">
@@ -11640,7 +11874,7 @@
             </p:txBody>
           </p:sp>
         </mc:Choice>
-        <mc:Fallback>
+        <mc:Fallback xmlns="">
           <p:sp>
             <p:nvSpPr>
               <p:cNvPr id="5" name="Content Placeholder 2">
@@ -13764,8 +13998,8 @@
           </a:p>
         </p:txBody>
       </p:sp>
-      <mc:AlternateContent xmlns:mc="http://schemas.openxmlformats.org/markup-compatibility/2006" xmlns:a14="http://schemas.microsoft.com/office/drawing/2010/main">
-        <mc:Choice Requires="a14">
+      <mc:AlternateContent xmlns:mc="http://schemas.openxmlformats.org/markup-compatibility/2006">
+        <mc:Choice xmlns:a14="http://schemas.microsoft.com/office/drawing/2010/main" Requires="a14">
           <p:sp>
             <p:nvSpPr>
               <p:cNvPr id="7" name="TextBox 6">
@@ -13781,7 +14015,7 @@
             <p:spPr>
               <a:xfrm>
                 <a:off x="2377216" y="5914596"/>
-                <a:ext cx="761106" cy="276999"/>
+                <a:ext cx="1120178" cy="276999"/>
               </a:xfrm>
               <a:prstGeom prst="rect">
                 <a:avLst/>
@@ -13795,50 +14029,53 @@
               <a:lstStyle/>
               <a:p>
                 <a:pPr/>
+                <a:r>
+                  <a:rPr lang="en-US" b="1" dirty="0"/>
+                  <a:t>P5:</a:t>
+                </a:r>
+                <a:r>
+                  <a:rPr lang="en-US" b="0" dirty="0"/>
+                  <a:t> </a:t>
+                </a:r>
                 <a14:m>
-                  <m:oMathPara xmlns:m="http://schemas.openxmlformats.org/officeDocument/2006/math">
-                    <m:oMathParaPr>
-                      <m:jc m:val="centerGroup"/>
-                    </m:oMathParaPr>
-                    <m:oMath xmlns:m="http://schemas.openxmlformats.org/officeDocument/2006/math">
-                      <m:r>
-                        <a:rPr lang="en-US" b="0" i="1" smtClean="0">
-                          <a:latin typeface="Cambria Math" panose="02040503050406030204" pitchFamily="18" charset="0"/>
-                        </a:rPr>
-                        <m:t>𝐺</m:t>
-                      </m:r>
-                      <m:d>
-                        <m:dPr>
-                          <m:ctrlPr>
-                            <a:rPr lang="en-US" b="0" i="1" smtClean="0">
-                              <a:latin typeface="Cambria Math" panose="02040503050406030204" pitchFamily="18" charset="0"/>
-                            </a:rPr>
-                          </m:ctrlPr>
-                        </m:dPr>
-                        <m:e>
-                          <m:r>
-                            <a:rPr lang="en-US" b="0" i="1" smtClean="0">
-                              <a:latin typeface="Cambria Math" panose="02040503050406030204" pitchFamily="18" charset="0"/>
-                            </a:rPr>
-                            <m:t>𝑠</m:t>
-                          </m:r>
-                        </m:e>
-                      </m:d>
-                      <m:r>
-                        <a:rPr lang="en-US" b="0" i="1" smtClean="0">
-                          <a:latin typeface="Cambria Math" panose="02040503050406030204" pitchFamily="18" charset="0"/>
-                        </a:rPr>
-                        <m:t>=</m:t>
-                      </m:r>
-                    </m:oMath>
-                  </m:oMathPara>
+                  <m:oMath xmlns:m="http://schemas.openxmlformats.org/officeDocument/2006/math">
+                    <m:r>
+                      <a:rPr lang="en-US" b="0" i="1" smtClean="0">
+                        <a:latin typeface="Cambria Math" panose="02040503050406030204" pitchFamily="18" charset="0"/>
+                      </a:rPr>
+                      <m:t>𝐺</m:t>
+                    </m:r>
+                    <m:d>
+                      <m:dPr>
+                        <m:ctrlPr>
+                          <a:rPr lang="en-US" b="0" i="1" smtClean="0">
+                            <a:latin typeface="Cambria Math" panose="02040503050406030204" pitchFamily="18" charset="0"/>
+                          </a:rPr>
+                        </m:ctrlPr>
+                      </m:dPr>
+                      <m:e>
+                        <m:r>
+                          <a:rPr lang="en-US" b="0" i="1" smtClean="0">
+                            <a:latin typeface="Cambria Math" panose="02040503050406030204" pitchFamily="18" charset="0"/>
+                          </a:rPr>
+                          <m:t>𝑠</m:t>
+                        </m:r>
+                      </m:e>
+                    </m:d>
+                    <m:r>
+                      <a:rPr lang="en-US" b="0" i="1" smtClean="0">
+                        <a:latin typeface="Cambria Math" panose="02040503050406030204" pitchFamily="18" charset="0"/>
+                      </a:rPr>
+                      <m:t>=</m:t>
+                    </m:r>
+                  </m:oMath>
                 </a14:m>
                 <a:endParaRPr lang="en-US" dirty="0"/>
               </a:p>
             </p:txBody>
           </p:sp>
         </mc:Choice>
-        <mc:Fallback xmlns="">
+        <mc:Fallback>
           <p:sp>
             <p:nvSpPr>
               <p:cNvPr id="7" name="TextBox 6">
@@ -13856,7 +14093,7 @@
             <p:spPr>
               <a:xfrm>
                 <a:off x="2377216" y="5914596"/>
-                <a:ext cx="761106" cy="276999"/>
+                <a:ext cx="1120178" cy="276999"/>
               </a:xfrm>
               <a:prstGeom prst="rect">
                 <a:avLst/>
@@ -13864,7 +14101,7 @@
               <a:blipFill>
                 <a:blip r:embed="rId10"/>
                 <a:stretch>
-                  <a:fillRect l="-6557" r="-1639" b="-13043"/>
+                  <a:fillRect l="-12360" t="-26087" r="-3371" b="-47826"/>
                 </a:stretch>
               </a:blipFill>
             </p:spPr>
@@ -13883,8 +14120,8 @@
           </p:sp>
         </mc:Fallback>
       </mc:AlternateContent>
-      <mc:AlternateContent xmlns:mc="http://schemas.openxmlformats.org/markup-compatibility/2006" xmlns:a14="http://schemas.microsoft.com/office/drawing/2010/main">
-        <mc:Choice Requires="a14">
+      <mc:AlternateContent xmlns:mc="http://schemas.openxmlformats.org/markup-compatibility/2006">
+        <mc:Choice xmlns:a14="http://schemas.microsoft.com/office/drawing/2010/main" Requires="a14">
           <p:sp>
             <p:nvSpPr>
               <p:cNvPr id="8" name="Rectangle 7">
@@ -13899,7 +14136,7 @@
             </p:nvSpPr>
             <p:spPr>
               <a:xfrm>
-                <a:off x="3131138" y="5718548"/>
+                <a:off x="3385783" y="5718548"/>
                 <a:ext cx="2169568" cy="669094"/>
               </a:xfrm>
               <a:prstGeom prst="rect">
@@ -14117,7 +14354,7 @@
             </p:txBody>
           </p:sp>
         </mc:Choice>
-        <mc:Fallback xmlns="">
+        <mc:Fallback>
           <p:sp>
             <p:nvSpPr>
               <p:cNvPr id="8" name="Rectangle 7">
@@ -14134,7 +14371,7 @@
             </p:nvSpPr>
             <p:spPr>
               <a:xfrm>
-                <a:off x="3131138" y="5718548"/>
+                <a:off x="3385783" y="5718548"/>
                 <a:ext cx="2169568" cy="669094"/>
               </a:xfrm>
               <a:prstGeom prst="rect">
@@ -14630,8 +14867,8 @@
           </a:p>
         </p:txBody>
       </p:sp>
-      <mc:AlternateContent xmlns:mc="http://schemas.openxmlformats.org/markup-compatibility/2006">
-        <mc:Choice xmlns:a14="http://schemas.microsoft.com/office/drawing/2010/main" Requires="a14">
+      <mc:AlternateContent xmlns:mc="http://schemas.openxmlformats.org/markup-compatibility/2006" xmlns:a14="http://schemas.microsoft.com/office/drawing/2010/main">
+        <mc:Choice Requires="a14">
           <p:sp>
             <p:nvSpPr>
               <p:cNvPr id="4" name="Content Placeholder 3">
@@ -15036,13 +15273,7 @@
                       <a:rPr lang="en-US" b="0" i="1" smtClean="0">
                         <a:latin typeface="Cambria Math" panose="02040503050406030204" pitchFamily="18" charset="0"/>
                       </a:rPr>
-                      <m:t>=</m:t>
-                    </m:r>
-                    <m:r>
-                      <a:rPr lang="en-US" b="0" i="1" smtClean="0">
-                        <a:latin typeface="Cambria Math" panose="02040503050406030204" pitchFamily="18" charset="0"/>
-                      </a:rPr>
-                      <m:t>0</m:t>
+                      <m:t>=0</m:t>
                     </m:r>
                   </m:oMath>
                 </a14:m>
@@ -15057,7 +15288,7 @@
             </p:txBody>
           </p:sp>
         </mc:Choice>
-        <mc:Fallback>
+        <mc:Fallback xmlns="">
           <p:sp>
             <p:nvSpPr>
               <p:cNvPr id="4" name="Content Placeholder 3">
@@ -15136,8 +15367,8 @@
           </a:p>
         </p:txBody>
       </p:sp>
-      <mc:AlternateContent xmlns:mc="http://schemas.openxmlformats.org/markup-compatibility/2006">
-        <mc:Choice xmlns:a14="http://schemas.microsoft.com/office/drawing/2010/main" Requires="a14">
+      <mc:AlternateContent xmlns:mc="http://schemas.openxmlformats.org/markup-compatibility/2006" xmlns:a14="http://schemas.microsoft.com/office/drawing/2010/main">
+        <mc:Choice Requires="a14">
           <p:sp>
             <p:nvSpPr>
               <p:cNvPr id="6" name="TextBox 5">
@@ -15446,7 +15677,7 @@
             </p:txBody>
           </p:sp>
         </mc:Choice>
-        <mc:Fallback>
+        <mc:Fallback xmlns="">
           <p:sp>
             <p:nvSpPr>
               <p:cNvPr id="6" name="TextBox 5">
@@ -15572,19 +15803,24 @@
                 <p:ph idx="1"/>
               </p:nvPr>
             </p:nvSpPr>
-            <p:spPr/>
+            <p:spPr>
+              <a:xfrm>
+                <a:off x="457200" y="1209554"/>
+                <a:ext cx="8229600" cy="4572001"/>
+              </a:xfrm>
+            </p:spPr>
             <p:txBody>
               <a:bodyPr/>
               <a:lstStyle/>
               <a:p>
                 <a:r>
-                  <a:rPr lang="en-US" sz="2400" b="0" dirty="0"/>
+                  <a:rPr lang="en-US" b="0" dirty="0"/>
                   <a:t>Consider the transfer function </a:t>
                 </a:r>
                 <a14:m>
                   <m:oMath xmlns:m="http://schemas.openxmlformats.org/officeDocument/2006/math">
                     <m:r>
-                      <a:rPr lang="en-US" sz="2400" b="0" i="1" smtClean="0">
+                      <a:rPr lang="en-US" b="0" i="1" smtClean="0">
                         <a:latin typeface="Cambria Math" panose="02040503050406030204" pitchFamily="18" charset="0"/>
                       </a:rPr>
                       <m:t>𝐺</m:t>
@@ -15592,14 +15828,14 @@
                     <m:d>
                       <m:dPr>
                         <m:ctrlPr>
-                          <a:rPr lang="en-US" sz="2400" b="0" i="1" smtClean="0">
+                          <a:rPr lang="en-US" b="0" i="1" smtClean="0">
                             <a:latin typeface="Cambria Math" panose="02040503050406030204" pitchFamily="18" charset="0"/>
                           </a:rPr>
                         </m:ctrlPr>
                       </m:dPr>
                       <m:e>
                         <m:r>
-                          <a:rPr lang="en-US" sz="2400" b="0" i="1" smtClean="0">
+                          <a:rPr lang="en-US" b="0" i="1" smtClean="0">
                             <a:latin typeface="Cambria Math" panose="02040503050406030204" pitchFamily="18" charset="0"/>
                           </a:rPr>
                           <m:t>𝑠</m:t>
@@ -15607,7 +15843,7 @@
                       </m:e>
                     </m:d>
                     <m:r>
-                      <a:rPr lang="en-US" sz="2400" b="0" i="1" smtClean="0">
+                      <a:rPr lang="en-US" b="0" i="1" smtClean="0">
                         <a:latin typeface="Cambria Math" panose="02040503050406030204" pitchFamily="18" charset="0"/>
                       </a:rPr>
                       <m:t>=</m:t>
@@ -15615,14 +15851,14 @@
                     <m:f>
                       <m:fPr>
                         <m:ctrlPr>
-                          <a:rPr lang="en-US" sz="2400" b="0" i="1" smtClean="0">
+                          <a:rPr lang="en-US" b="0" i="1" smtClean="0">
                             <a:latin typeface="Cambria Math" panose="02040503050406030204" pitchFamily="18" charset="0"/>
                           </a:rPr>
                         </m:ctrlPr>
                       </m:fPr>
                       <m:num>
                         <m:r>
-                          <a:rPr lang="en-US" sz="2400" b="0" i="1" smtClean="0">
+                          <a:rPr lang="en-US" b="0" i="1" smtClean="0">
                             <a:latin typeface="Cambria Math" panose="02040503050406030204" pitchFamily="18" charset="0"/>
                           </a:rPr>
                           <m:t>𝑌</m:t>
@@ -15630,14 +15866,14 @@
                         <m:d>
                           <m:dPr>
                             <m:ctrlPr>
-                              <a:rPr lang="en-US" sz="2400" b="0" i="1" smtClean="0">
+                              <a:rPr lang="en-US" b="0" i="1" smtClean="0">
                                 <a:latin typeface="Cambria Math" panose="02040503050406030204" pitchFamily="18" charset="0"/>
                               </a:rPr>
                             </m:ctrlPr>
                           </m:dPr>
                           <m:e>
                             <m:r>
-                              <a:rPr lang="en-US" sz="2400" b="0" i="1" smtClean="0">
+                              <a:rPr lang="en-US" b="0" i="1" smtClean="0">
                                 <a:latin typeface="Cambria Math" panose="02040503050406030204" pitchFamily="18" charset="0"/>
                               </a:rPr>
                               <m:t>𝑠</m:t>
@@ -15647,25 +15883,25 @@
                       </m:num>
                       <m:den>
                         <m:r>
-                          <a:rPr lang="en-US" sz="2400" b="0" i="1" smtClean="0">
+                          <a:rPr lang="en-US" b="0" i="1" smtClean="0">
                             <a:latin typeface="Cambria Math" panose="02040503050406030204" pitchFamily="18" charset="0"/>
                           </a:rPr>
                           <m:t>𝑈</m:t>
                         </m:r>
                         <m:r>
-                          <a:rPr lang="en-US" sz="2400" b="0" i="1" smtClean="0">
+                          <a:rPr lang="en-US" b="0" i="1" smtClean="0">
                             <a:latin typeface="Cambria Math" panose="02040503050406030204" pitchFamily="18" charset="0"/>
                           </a:rPr>
                           <m:t>(</m:t>
                         </m:r>
                         <m:r>
-                          <a:rPr lang="en-US" sz="2400" b="0" i="1" smtClean="0">
+                          <a:rPr lang="en-US" b="0" i="1" smtClean="0">
                             <a:latin typeface="Cambria Math" panose="02040503050406030204" pitchFamily="18" charset="0"/>
                           </a:rPr>
                           <m:t>𝑠</m:t>
                         </m:r>
                         <m:r>
-                          <a:rPr lang="en-US" sz="2400" b="0" i="1" smtClean="0">
+                          <a:rPr lang="en-US" b="0" i="1" smtClean="0">
                             <a:latin typeface="Cambria Math" panose="02040503050406030204" pitchFamily="18" charset="0"/>
                           </a:rPr>
                           <m:t>)</m:t>
@@ -15675,470 +15911,17 @@
                   </m:oMath>
                 </a14:m>
                 <a:r>
-                  <a:rPr lang="en-US" sz="2400" b="0" dirty="0"/>
+                  <a:rPr lang="en-US" b="0" dirty="0"/>
                   <a:t>.</a:t>
                 </a:r>
               </a:p>
               <a:p>
                 <a:r>
-                  <a:rPr lang="en-US" sz="2400" b="0" dirty="0"/>
+                  <a:rPr lang="en-US" b="0" dirty="0"/>
                   <a:t>DC Gain is </a:t>
                 </a:r>
                 <a14:m>
                   <m:oMath xmlns:m="http://schemas.openxmlformats.org/officeDocument/2006/math">
-                    <m:r>
-                      <a:rPr lang="en-US" sz="2400" b="0" i="1" smtClean="0">
-                        <a:latin typeface="Cambria Math" panose="02040503050406030204" pitchFamily="18" charset="0"/>
-                      </a:rPr>
-                      <m:t>𝑙𝑖</m:t>
-                    </m:r>
-                    <m:sSub>
-                      <m:sSubPr>
-                        <m:ctrlPr>
-                          <a:rPr lang="en-US" sz="2400" b="0" i="1" smtClean="0">
-                            <a:latin typeface="Cambria Math" panose="02040503050406030204" pitchFamily="18" charset="0"/>
-                          </a:rPr>
-                        </m:ctrlPr>
-                      </m:sSubPr>
-                      <m:e>
-                        <m:r>
-                          <a:rPr lang="en-US" sz="2400" b="0" i="1" smtClean="0">
-                            <a:latin typeface="Cambria Math" panose="02040503050406030204" pitchFamily="18" charset="0"/>
-                          </a:rPr>
-                          <m:t>𝑚</m:t>
-                        </m:r>
-                      </m:e>
-                      <m:sub>
-                        <m:r>
-                          <a:rPr lang="en-US" sz="2400" b="0" i="1" smtClean="0">
-                            <a:latin typeface="Cambria Math" panose="02040503050406030204" pitchFamily="18" charset="0"/>
-                          </a:rPr>
-                          <m:t>𝑡</m:t>
-                        </m:r>
-                        <m:r>
-                          <a:rPr lang="en-US" sz="2400" b="0" i="1" smtClean="0">
-                            <a:latin typeface="Cambria Math" panose="02040503050406030204" pitchFamily="18" charset="0"/>
-                          </a:rPr>
-                          <m:t>→∞</m:t>
-                        </m:r>
-                      </m:sub>
-                    </m:sSub>
-                    <m:sSub>
-                      <m:sSubPr>
-                        <m:ctrlPr>
-                          <a:rPr lang="en-US" sz="2400" b="0" i="1" smtClean="0">
-                            <a:latin typeface="Cambria Math" panose="02040503050406030204" pitchFamily="18" charset="0"/>
-                          </a:rPr>
-                        </m:ctrlPr>
-                      </m:sSubPr>
-                      <m:e>
-                        <m:f>
-                          <m:fPr>
-                            <m:ctrlPr>
-                              <a:rPr lang="en-US" sz="2400" b="0" i="1" smtClean="0">
-                                <a:latin typeface="Cambria Math" panose="02040503050406030204" pitchFamily="18" charset="0"/>
-                              </a:rPr>
-                            </m:ctrlPr>
-                          </m:fPr>
-                          <m:num>
-                            <m:r>
-                              <a:rPr lang="en-US" sz="2400" b="0" i="1" smtClean="0">
-                                <a:latin typeface="Cambria Math" panose="02040503050406030204" pitchFamily="18" charset="0"/>
-                              </a:rPr>
-                              <m:t>𝑦</m:t>
-                            </m:r>
-                            <m:d>
-                              <m:dPr>
-                                <m:ctrlPr>
-                                  <a:rPr lang="en-US" sz="2400" b="0" i="1" smtClean="0">
-                                    <a:latin typeface="Cambria Math" panose="02040503050406030204" pitchFamily="18" charset="0"/>
-                                  </a:rPr>
-                                </m:ctrlPr>
-                              </m:dPr>
-                              <m:e>
-                                <m:r>
-                                  <a:rPr lang="en-US" sz="2400" b="0" i="1" smtClean="0">
-                                    <a:latin typeface="Cambria Math" panose="02040503050406030204" pitchFamily="18" charset="0"/>
-                                  </a:rPr>
-                                  <m:t>𝑡</m:t>
-                                </m:r>
-                              </m:e>
-                            </m:d>
-                          </m:num>
-                          <m:den>
-                            <m:r>
-                              <a:rPr lang="en-US" sz="2400" b="0" i="1" smtClean="0">
-                                <a:latin typeface="Cambria Math" panose="02040503050406030204" pitchFamily="18" charset="0"/>
-                              </a:rPr>
-                              <m:t>𝑢</m:t>
-                            </m:r>
-                            <m:r>
-                              <a:rPr lang="en-US" sz="2400" b="0" i="1" smtClean="0">
-                                <a:latin typeface="Cambria Math" panose="02040503050406030204" pitchFamily="18" charset="0"/>
-                              </a:rPr>
-                              <m:t>(</m:t>
-                            </m:r>
-                            <m:r>
-                              <a:rPr lang="en-US" sz="2400" b="0" i="1" smtClean="0">
-                                <a:latin typeface="Cambria Math" panose="02040503050406030204" pitchFamily="18" charset="0"/>
-                              </a:rPr>
-                              <m:t>𝑡</m:t>
-                            </m:r>
-                            <m:r>
-                              <a:rPr lang="en-US" sz="2400" b="0" i="1" smtClean="0">
-                                <a:latin typeface="Cambria Math" panose="02040503050406030204" pitchFamily="18" charset="0"/>
-                              </a:rPr>
-                              <m:t>)</m:t>
-                            </m:r>
-                          </m:den>
-                        </m:f>
-                      </m:e>
-                      <m:sub/>
-                    </m:sSub>
-                  </m:oMath>
-                </a14:m>
-                <a:r>
-                  <a:rPr lang="en-US" sz="2800" dirty="0"/>
-                  <a:t>, where </a:t>
-                </a:r>
-                <a14:m>
-                  <m:oMath xmlns:m="http://schemas.openxmlformats.org/officeDocument/2006/math">
-                    <m:r>
-                      <a:rPr lang="en-US" sz="2800" b="0" i="1" smtClean="0">
-                        <a:latin typeface="Cambria Math" panose="02040503050406030204" pitchFamily="18" charset="0"/>
-                      </a:rPr>
-                      <m:t>𝑢</m:t>
-                    </m:r>
-                    <m:d>
-                      <m:dPr>
-                        <m:ctrlPr>
-                          <a:rPr lang="en-US" sz="2800" b="0" i="1" smtClean="0">
-                            <a:latin typeface="Cambria Math" panose="02040503050406030204" pitchFamily="18" charset="0"/>
-                          </a:rPr>
-                        </m:ctrlPr>
-                      </m:dPr>
-                      <m:e>
-                        <m:r>
-                          <a:rPr lang="en-US" sz="2800" b="0" i="1" smtClean="0">
-                            <a:latin typeface="Cambria Math" panose="02040503050406030204" pitchFamily="18" charset="0"/>
-                          </a:rPr>
-                          <m:t>𝑡</m:t>
-                        </m:r>
-                      </m:e>
-                    </m:d>
-                    <m:r>
-                      <a:rPr lang="en-US" sz="2800" b="0" i="1" smtClean="0">
-                        <a:latin typeface="Cambria Math" panose="02040503050406030204" pitchFamily="18" charset="0"/>
-                      </a:rPr>
-                      <m:t>=</m:t>
-                    </m:r>
-                    <m:sSub>
-                      <m:sSubPr>
-                        <m:ctrlPr>
-                          <a:rPr lang="en-US" sz="2800" b="0" i="1" smtClean="0">
-                            <a:latin typeface="Cambria Math" panose="02040503050406030204" pitchFamily="18" charset="0"/>
-                          </a:rPr>
-                        </m:ctrlPr>
-                      </m:sSubPr>
-                      <m:e>
-                        <m:r>
-                          <a:rPr lang="en-US" sz="2800" b="0" i="1" smtClean="0">
-                            <a:latin typeface="Cambria Math" panose="02040503050406030204" pitchFamily="18" charset="0"/>
-                          </a:rPr>
-                          <m:t>1</m:t>
-                        </m:r>
-                      </m:e>
-                      <m:sub>
-                        <m:r>
-                          <a:rPr lang="en-US" sz="2800" b="0" i="1" smtClean="0">
-                            <a:latin typeface="Cambria Math" panose="02040503050406030204" pitchFamily="18" charset="0"/>
-                          </a:rPr>
-                          <m:t>0</m:t>
-                        </m:r>
-                      </m:sub>
-                    </m:sSub>
-                    <m:r>
-                      <a:rPr lang="en-US" sz="2800" b="0" i="1" smtClean="0">
-                        <a:latin typeface="Cambria Math" panose="02040503050406030204" pitchFamily="18" charset="0"/>
-                      </a:rPr>
-                      <m:t>(</m:t>
-                    </m:r>
-                    <m:r>
-                      <a:rPr lang="en-US" sz="2800" b="0" i="1" smtClean="0">
-                        <a:latin typeface="Cambria Math" panose="02040503050406030204" pitchFamily="18" charset="0"/>
-                      </a:rPr>
-                      <m:t>𝑡</m:t>
-                    </m:r>
-                    <m:r>
-                      <a:rPr lang="en-US" sz="2800" b="0" i="1" smtClean="0">
-                        <a:latin typeface="Cambria Math" panose="02040503050406030204" pitchFamily="18" charset="0"/>
-                      </a:rPr>
-                      <m:t>)</m:t>
-                    </m:r>
-                  </m:oMath>
-                </a14:m>
-                <a:r>
-                  <a:rPr lang="en-US" sz="2800" dirty="0"/>
-                  <a:t>.</a:t>
-                </a:r>
-              </a:p>
-              <a:p>
-                <a14:m>
-                  <m:oMath xmlns:m="http://schemas.openxmlformats.org/officeDocument/2006/math">
-                    <m:r>
-                      <a:rPr lang="en-US" sz="2800" i="1" smtClean="0">
-                        <a:latin typeface="Cambria Math" panose="02040503050406030204" pitchFamily="18" charset="0"/>
-                        <a:ea typeface="Cambria Math" panose="02040503050406030204" pitchFamily="18" charset="0"/>
-                      </a:rPr>
-                      <m:t>ℒ</m:t>
-                    </m:r>
-                    <m:d>
-                      <m:dPr>
-                        <m:ctrlPr>
-                          <a:rPr lang="en-US" sz="2800" b="0" i="1" smtClean="0">
-                            <a:latin typeface="Cambria Math" panose="02040503050406030204" pitchFamily="18" charset="0"/>
-                            <a:ea typeface="Cambria Math" panose="02040503050406030204" pitchFamily="18" charset="0"/>
-                          </a:rPr>
-                        </m:ctrlPr>
-                      </m:dPr>
-                      <m:e>
-                        <m:sSub>
-                          <m:sSubPr>
-                            <m:ctrlPr>
-                              <a:rPr lang="en-US" sz="2800" b="0" i="1" smtClean="0">
-                                <a:latin typeface="Cambria Math" panose="02040503050406030204" pitchFamily="18" charset="0"/>
-                                <a:ea typeface="Cambria Math" panose="02040503050406030204" pitchFamily="18" charset="0"/>
-                              </a:rPr>
-                            </m:ctrlPr>
-                          </m:sSubPr>
-                          <m:e>
-                            <m:r>
-                              <a:rPr lang="en-US" sz="2800" b="0" i="1" smtClean="0">
-                                <a:latin typeface="Cambria Math" panose="02040503050406030204" pitchFamily="18" charset="0"/>
-                                <a:ea typeface="Cambria Math" panose="02040503050406030204" pitchFamily="18" charset="0"/>
-                              </a:rPr>
-                              <m:t>1</m:t>
-                            </m:r>
-                          </m:e>
-                          <m:sub>
-                            <m:r>
-                              <a:rPr lang="en-US" sz="2800" b="0" i="1" smtClean="0">
-                                <a:latin typeface="Cambria Math" panose="02040503050406030204" pitchFamily="18" charset="0"/>
-                                <a:ea typeface="Cambria Math" panose="02040503050406030204" pitchFamily="18" charset="0"/>
-                              </a:rPr>
-                              <m:t>0</m:t>
-                            </m:r>
-                          </m:sub>
-                        </m:sSub>
-                      </m:e>
-                    </m:d>
-                    <m:r>
-                      <a:rPr lang="en-US" sz="2800" b="0" i="1" smtClean="0">
-                        <a:latin typeface="Cambria Math" panose="02040503050406030204" pitchFamily="18" charset="0"/>
-                        <a:ea typeface="Cambria Math" panose="02040503050406030204" pitchFamily="18" charset="0"/>
-                      </a:rPr>
-                      <m:t>=</m:t>
-                    </m:r>
-                    <m:f>
-                      <m:fPr>
-                        <m:ctrlPr>
-                          <a:rPr lang="en-US" sz="2800" b="0" i="1" smtClean="0">
-                            <a:latin typeface="Cambria Math" panose="02040503050406030204" pitchFamily="18" charset="0"/>
-                            <a:ea typeface="Cambria Math" panose="02040503050406030204" pitchFamily="18" charset="0"/>
-                          </a:rPr>
-                        </m:ctrlPr>
-                      </m:fPr>
-                      <m:num>
-                        <m:r>
-                          <a:rPr lang="en-US" sz="2800" b="0" i="1" smtClean="0">
-                            <a:latin typeface="Cambria Math" panose="02040503050406030204" pitchFamily="18" charset="0"/>
-                            <a:ea typeface="Cambria Math" panose="02040503050406030204" pitchFamily="18" charset="0"/>
-                          </a:rPr>
-                          <m:t>1</m:t>
-                        </m:r>
-                      </m:num>
-                      <m:den>
-                        <m:r>
-                          <a:rPr lang="en-US" sz="2800" b="0" i="1" smtClean="0">
-                            <a:latin typeface="Cambria Math" panose="02040503050406030204" pitchFamily="18" charset="0"/>
-                            <a:ea typeface="Cambria Math" panose="02040503050406030204" pitchFamily="18" charset="0"/>
-                          </a:rPr>
-                          <m:t>𝑠</m:t>
-                        </m:r>
-                      </m:den>
-                    </m:f>
-                  </m:oMath>
-                </a14:m>
-                <a:r>
-                  <a:rPr lang="en-US" sz="2800" dirty="0"/>
-                  <a:t> , </a:t>
-                </a:r>
-                <a14:m>
-                  <m:oMath xmlns:m="http://schemas.openxmlformats.org/officeDocument/2006/math">
-                    <m:r>
-                      <a:rPr lang="en-US" sz="2800" b="0" i="1" smtClean="0">
-                        <a:latin typeface="Cambria Math" panose="02040503050406030204" pitchFamily="18" charset="0"/>
-                      </a:rPr>
-                      <m:t>𝑌</m:t>
-                    </m:r>
-                    <m:d>
-                      <m:dPr>
-                        <m:ctrlPr>
-                          <a:rPr lang="en-US" sz="2800" b="0" i="1" smtClean="0">
-                            <a:latin typeface="Cambria Math" panose="02040503050406030204" pitchFamily="18" charset="0"/>
-                          </a:rPr>
-                        </m:ctrlPr>
-                      </m:dPr>
-                      <m:e>
-                        <m:r>
-                          <a:rPr lang="en-US" sz="2800" b="0" i="1" smtClean="0">
-                            <a:latin typeface="Cambria Math" panose="02040503050406030204" pitchFamily="18" charset="0"/>
-                          </a:rPr>
-                          <m:t>𝑠</m:t>
-                        </m:r>
-                      </m:e>
-                    </m:d>
-                    <m:r>
-                      <a:rPr lang="en-US" sz="2800" b="0" i="1" smtClean="0">
-                        <a:latin typeface="Cambria Math" panose="02040503050406030204" pitchFamily="18" charset="0"/>
-                      </a:rPr>
-                      <m:t>=</m:t>
-                    </m:r>
-                    <m:r>
-                      <a:rPr lang="en-US" sz="2800" b="0" i="1" smtClean="0">
-                        <a:latin typeface="Cambria Math" panose="02040503050406030204" pitchFamily="18" charset="0"/>
-                      </a:rPr>
-                      <m:t>𝑈</m:t>
-                    </m:r>
-                    <m:d>
-                      <m:dPr>
-                        <m:ctrlPr>
-                          <a:rPr lang="en-US" sz="2800" b="0" i="1" smtClean="0">
-                            <a:latin typeface="Cambria Math" panose="02040503050406030204" pitchFamily="18" charset="0"/>
-                          </a:rPr>
-                        </m:ctrlPr>
-                      </m:dPr>
-                      <m:e>
-                        <m:r>
-                          <a:rPr lang="en-US" sz="2800" b="0" i="1" smtClean="0">
-                            <a:latin typeface="Cambria Math" panose="02040503050406030204" pitchFamily="18" charset="0"/>
-                          </a:rPr>
-                          <m:t>𝑠</m:t>
-                        </m:r>
-                      </m:e>
-                    </m:d>
-                    <m:r>
-                      <a:rPr lang="en-US" sz="2800" b="0" i="1" smtClean="0">
-                        <a:latin typeface="Cambria Math" panose="02040503050406030204" pitchFamily="18" charset="0"/>
-                      </a:rPr>
-                      <m:t>𝐺</m:t>
-                    </m:r>
-                    <m:r>
-                      <a:rPr lang="en-US" sz="2800" b="0" i="1" smtClean="0">
-                        <a:latin typeface="Cambria Math" panose="02040503050406030204" pitchFamily="18" charset="0"/>
-                      </a:rPr>
-                      <m:t>(</m:t>
-                    </m:r>
-                    <m:r>
-                      <a:rPr lang="en-US" sz="2800" b="0" i="1" smtClean="0">
-                        <a:latin typeface="Cambria Math" panose="02040503050406030204" pitchFamily="18" charset="0"/>
-                      </a:rPr>
-                      <m:t>𝑠</m:t>
-                    </m:r>
-                    <m:r>
-                      <a:rPr lang="en-US" sz="2800" b="0" i="1" smtClean="0">
-                        <a:latin typeface="Cambria Math" panose="02040503050406030204" pitchFamily="18" charset="0"/>
-                      </a:rPr>
-                      <m:t>)</m:t>
-                    </m:r>
-                  </m:oMath>
-                </a14:m>
-                <a:r>
-                  <a:rPr lang="en-US" sz="2800" dirty="0"/>
-                  <a:t>.</a:t>
-                </a:r>
-              </a:p>
-              <a:p>
-                <a:r>
-                  <a:rPr lang="en-US" sz="2800" dirty="0"/>
-                  <a:t>The output signal for the transfer function has Laplace transform </a:t>
-                </a:r>
-                <a14:m>
-                  <m:oMath xmlns:m="http://schemas.openxmlformats.org/officeDocument/2006/math">
-                    <m:f>
-                      <m:fPr>
-                        <m:ctrlPr>
-                          <a:rPr lang="en-US" sz="2800" b="0" i="1" smtClean="0">
-                            <a:latin typeface="Cambria Math" panose="02040503050406030204" pitchFamily="18" charset="0"/>
-                          </a:rPr>
-                        </m:ctrlPr>
-                      </m:fPr>
-                      <m:num>
-                        <m:r>
-                          <a:rPr lang="en-US" sz="2800" b="0" i="1" smtClean="0">
-                            <a:latin typeface="Cambria Math" panose="02040503050406030204" pitchFamily="18" charset="0"/>
-                          </a:rPr>
-                          <m:t>1</m:t>
-                        </m:r>
-                      </m:num>
-                      <m:den>
-                        <m:r>
-                          <a:rPr lang="en-US" sz="2800" b="0" i="1" smtClean="0">
-                            <a:latin typeface="Cambria Math" panose="02040503050406030204" pitchFamily="18" charset="0"/>
-                          </a:rPr>
-                          <m:t>𝑠</m:t>
-                        </m:r>
-                      </m:den>
-                    </m:f>
-                    <m:r>
-                      <a:rPr lang="en-US" sz="2800" b="0" i="1" smtClean="0">
-                        <a:latin typeface="Cambria Math" panose="02040503050406030204" pitchFamily="18" charset="0"/>
-                      </a:rPr>
-                      <m:t>𝐺</m:t>
-                    </m:r>
-                    <m:d>
-                      <m:dPr>
-                        <m:ctrlPr>
-                          <a:rPr lang="en-US" sz="2800" b="0" i="1" smtClean="0">
-                            <a:latin typeface="Cambria Math" panose="02040503050406030204" pitchFamily="18" charset="0"/>
-                          </a:rPr>
-                        </m:ctrlPr>
-                      </m:dPr>
-                      <m:e>
-                        <m:r>
-                          <a:rPr lang="en-US" sz="2800" b="0" i="1" smtClean="0">
-                            <a:latin typeface="Cambria Math" panose="02040503050406030204" pitchFamily="18" charset="0"/>
-                          </a:rPr>
-                          <m:t>𝑠</m:t>
-                        </m:r>
-                      </m:e>
-                    </m:d>
-                    <m:r>
-                      <a:rPr lang="en-US" sz="2800" b="0" i="1" smtClean="0">
-                        <a:latin typeface="Cambria Math" panose="02040503050406030204" pitchFamily="18" charset="0"/>
-                      </a:rPr>
-                      <m:t>.</m:t>
-                    </m:r>
-                  </m:oMath>
-                </a14:m>
-                <a:endParaRPr lang="en-US" dirty="0"/>
-              </a:p>
-              <a:p>
-                <a:r>
-                  <a:rPr lang="en-US" dirty="0"/>
-                  <a:t>The final value of this signal (if it converges) is </a:t>
-                </a:r>
-                <a14:m>
-                  <m:oMath xmlns:m="http://schemas.openxmlformats.org/officeDocument/2006/math">
-                    <m:r>
-                      <m:rPr>
-                        <m:sty m:val="p"/>
-                      </m:rPr>
-                      <a:rPr lang="en-US" b="0" i="0" smtClean="0">
-                        <a:latin typeface="Cambria Math" panose="02040503050406030204" pitchFamily="18" charset="0"/>
-                      </a:rPr>
-                      <m:t>s</m:t>
-                    </m:r>
                     <m:func>
                       <m:funcPr>
                         <m:ctrlPr>
@@ -16172,10 +15955,556 @@
                               <a:rPr lang="en-US" b="0" i="1" smtClean="0">
                                 <a:latin typeface="Cambria Math" panose="02040503050406030204" pitchFamily="18" charset="0"/>
                               </a:rPr>
+                              <m:t>𝑡</m:t>
+                            </m:r>
+                            <m:r>
+                              <a:rPr lang="en-US" b="0" i="1" smtClean="0">
+                                <a:latin typeface="Cambria Math" panose="02040503050406030204" pitchFamily="18" charset="0"/>
+                              </a:rPr>
+                              <m:t>→ ∞</m:t>
+                            </m:r>
+                          </m:lim>
+                        </m:limLow>
+                      </m:fName>
+                      <m:e>
+                        <m:r>
+                          <a:rPr lang="en-US" b="0" i="1" smtClean="0">
+                            <a:latin typeface="Cambria Math" panose="02040503050406030204" pitchFamily="18" charset="0"/>
+                          </a:rPr>
+                          <m:t>𝑦</m:t>
+                        </m:r>
+                        <m:r>
+                          <a:rPr lang="en-US" b="0" i="1" smtClean="0">
+                            <a:latin typeface="Cambria Math" panose="02040503050406030204" pitchFamily="18" charset="0"/>
+                          </a:rPr>
+                          <m:t>(</m:t>
+                        </m:r>
+                        <m:r>
+                          <a:rPr lang="en-US" b="0" i="1" smtClean="0">
+                            <a:latin typeface="Cambria Math" panose="02040503050406030204" pitchFamily="18" charset="0"/>
+                          </a:rPr>
+                          <m:t>𝑡</m:t>
+                        </m:r>
+                        <m:r>
+                          <a:rPr lang="en-US" b="0" i="1" smtClean="0">
+                            <a:latin typeface="Cambria Math" panose="02040503050406030204" pitchFamily="18" charset="0"/>
+                          </a:rPr>
+                          <m:t>)</m:t>
+                        </m:r>
+                      </m:e>
+                    </m:func>
+                  </m:oMath>
+                </a14:m>
+                <a:r>
+                  <a:rPr lang="en-US" sz="3200" dirty="0"/>
+                  <a:t> when </a:t>
+                </a:r>
+                <a14:m>
+                  <m:oMath xmlns:m="http://schemas.openxmlformats.org/officeDocument/2006/math">
+                    <m:r>
+                      <a:rPr lang="en-US" sz="3200" b="0" i="1" smtClean="0">
+                        <a:latin typeface="Cambria Math" panose="02040503050406030204" pitchFamily="18" charset="0"/>
+                      </a:rPr>
+                      <m:t>𝑢</m:t>
+                    </m:r>
+                    <m:d>
+                      <m:dPr>
+                        <m:ctrlPr>
+                          <a:rPr lang="en-US" sz="3200" b="0" i="1" smtClean="0">
+                            <a:latin typeface="Cambria Math" panose="02040503050406030204" pitchFamily="18" charset="0"/>
+                          </a:rPr>
+                        </m:ctrlPr>
+                      </m:dPr>
+                      <m:e>
+                        <m:r>
+                          <a:rPr lang="en-US" sz="3200" b="0" i="1" smtClean="0">
+                            <a:latin typeface="Cambria Math" panose="02040503050406030204" pitchFamily="18" charset="0"/>
+                          </a:rPr>
+                          <m:t>𝑡</m:t>
+                        </m:r>
+                      </m:e>
+                    </m:d>
+                    <m:r>
+                      <a:rPr lang="en-US" sz="3200" b="0" i="1" smtClean="0">
+                        <a:latin typeface="Cambria Math" panose="02040503050406030204" pitchFamily="18" charset="0"/>
+                      </a:rPr>
+                      <m:t>=</m:t>
+                    </m:r>
+                    <m:sSub>
+                      <m:sSubPr>
+                        <m:ctrlPr>
+                          <a:rPr lang="en-US" sz="3200" b="0" i="1" smtClean="0">
+                            <a:latin typeface="Cambria Math" panose="02040503050406030204" pitchFamily="18" charset="0"/>
+                          </a:rPr>
+                        </m:ctrlPr>
+                      </m:sSubPr>
+                      <m:e>
+                        <m:r>
+                          <a:rPr lang="en-US" sz="3200" b="0" i="1" smtClean="0">
+                            <a:latin typeface="Cambria Math" panose="02040503050406030204" pitchFamily="18" charset="0"/>
+                          </a:rPr>
+                          <m:t>1</m:t>
+                        </m:r>
+                      </m:e>
+                      <m:sub>
+                        <m:r>
+                          <a:rPr lang="en-US" sz="3200" b="0" i="1" smtClean="0">
+                            <a:latin typeface="Cambria Math" panose="02040503050406030204" pitchFamily="18" charset="0"/>
+                          </a:rPr>
+                          <m:t>0</m:t>
+                        </m:r>
+                      </m:sub>
+                    </m:sSub>
+                    <m:r>
+                      <a:rPr lang="en-US" sz="3200" b="0" i="1" smtClean="0">
+                        <a:latin typeface="Cambria Math" panose="02040503050406030204" pitchFamily="18" charset="0"/>
+                      </a:rPr>
+                      <m:t>(</m:t>
+                    </m:r>
+                    <m:r>
+                      <a:rPr lang="en-US" sz="3200" b="0" i="1" smtClean="0">
+                        <a:latin typeface="Cambria Math" panose="02040503050406030204" pitchFamily="18" charset="0"/>
+                      </a:rPr>
+                      <m:t>𝑡</m:t>
+                    </m:r>
+                    <m:r>
+                      <a:rPr lang="en-US" sz="3200" b="0" i="1" smtClean="0">
+                        <a:latin typeface="Cambria Math" panose="02040503050406030204" pitchFamily="18" charset="0"/>
+                      </a:rPr>
+                      <m:t>)</m:t>
+                    </m:r>
+                  </m:oMath>
+                </a14:m>
+                <a:r>
+                  <a:rPr lang="en-US" sz="3200" dirty="0"/>
+                  <a:t>.</a:t>
+                </a:r>
+              </a:p>
+              <a:p>
+                <a:r>
+                  <a:rPr lang="en-US" sz="2800" dirty="0">
+                    <a:ea typeface="Cambria Math" panose="02040503050406030204" pitchFamily="18" charset="0"/>
+                  </a:rPr>
+                  <a:t>Derivation of DC gain</a:t>
+                </a:r>
+              </a:p>
+              <a:p>
+                <a:pPr marL="914400" lvl="1" indent="-457200">
+                  <a:buFont typeface="+mj-lt"/>
+                  <a:buAutoNum type="arabicPeriod"/>
+                </a:pPr>
+                <a:r>
+                  <a:rPr lang="en-US" dirty="0">
+                    <a:ea typeface="Cambria Math" panose="02040503050406030204" pitchFamily="18" charset="0"/>
+                  </a:rPr>
+                  <a:t>Recall: </a:t>
+                </a:r>
+                <a14:m>
+                  <m:oMath xmlns:m="http://schemas.openxmlformats.org/officeDocument/2006/math">
+                    <m:r>
+                      <a:rPr lang="en-US" i="1" smtClean="0">
+                        <a:latin typeface="Cambria Math" panose="02040503050406030204" pitchFamily="18" charset="0"/>
+                        <a:ea typeface="Cambria Math" panose="02040503050406030204" pitchFamily="18" charset="0"/>
+                      </a:rPr>
+                      <m:t>ℒ</m:t>
+                    </m:r>
+                    <m:d>
+                      <m:dPr>
+                        <m:ctrlPr>
+                          <a:rPr lang="en-US" b="0" i="1" smtClean="0">
+                            <a:latin typeface="Cambria Math" panose="02040503050406030204" pitchFamily="18" charset="0"/>
+                            <a:ea typeface="Cambria Math" panose="02040503050406030204" pitchFamily="18" charset="0"/>
+                          </a:rPr>
+                        </m:ctrlPr>
+                      </m:dPr>
+                      <m:e>
+                        <m:sSub>
+                          <m:sSubPr>
+                            <m:ctrlPr>
+                              <a:rPr lang="en-US" b="0" i="1" smtClean="0">
+                                <a:latin typeface="Cambria Math" panose="02040503050406030204" pitchFamily="18" charset="0"/>
+                                <a:ea typeface="Cambria Math" panose="02040503050406030204" pitchFamily="18" charset="0"/>
+                              </a:rPr>
+                            </m:ctrlPr>
+                          </m:sSubPr>
+                          <m:e>
+                            <m:r>
+                              <a:rPr lang="en-US" b="0" i="1" smtClean="0">
+                                <a:latin typeface="Cambria Math" panose="02040503050406030204" pitchFamily="18" charset="0"/>
+                                <a:ea typeface="Cambria Math" panose="02040503050406030204" pitchFamily="18" charset="0"/>
+                              </a:rPr>
+                              <m:t>1</m:t>
+                            </m:r>
+                          </m:e>
+                          <m:sub>
+                            <m:r>
+                              <a:rPr lang="en-US" b="0" i="1" smtClean="0">
+                                <a:latin typeface="Cambria Math" panose="02040503050406030204" pitchFamily="18" charset="0"/>
+                                <a:ea typeface="Cambria Math" panose="02040503050406030204" pitchFamily="18" charset="0"/>
+                              </a:rPr>
+                              <m:t>0</m:t>
+                            </m:r>
+                          </m:sub>
+                        </m:sSub>
+                      </m:e>
+                    </m:d>
+                    <m:r>
+                      <a:rPr lang="en-US" b="0" i="1" smtClean="0">
+                        <a:latin typeface="Cambria Math" panose="02040503050406030204" pitchFamily="18" charset="0"/>
+                        <a:ea typeface="Cambria Math" panose="02040503050406030204" pitchFamily="18" charset="0"/>
+                      </a:rPr>
+                      <m:t>=</m:t>
+                    </m:r>
+                    <m:f>
+                      <m:fPr>
+                        <m:ctrlPr>
+                          <a:rPr lang="en-US" b="0" i="1" smtClean="0">
+                            <a:latin typeface="Cambria Math" panose="02040503050406030204" pitchFamily="18" charset="0"/>
+                            <a:ea typeface="Cambria Math" panose="02040503050406030204" pitchFamily="18" charset="0"/>
+                          </a:rPr>
+                        </m:ctrlPr>
+                      </m:fPr>
+                      <m:num>
+                        <m:r>
+                          <a:rPr lang="en-US" b="0" i="1" smtClean="0">
+                            <a:latin typeface="Cambria Math" panose="02040503050406030204" pitchFamily="18" charset="0"/>
+                            <a:ea typeface="Cambria Math" panose="02040503050406030204" pitchFamily="18" charset="0"/>
+                          </a:rPr>
+                          <m:t>1</m:t>
+                        </m:r>
+                      </m:num>
+                      <m:den>
+                        <m:r>
+                          <a:rPr lang="en-US" b="0" i="1" smtClean="0">
+                            <a:latin typeface="Cambria Math" panose="02040503050406030204" pitchFamily="18" charset="0"/>
+                            <a:ea typeface="Cambria Math" panose="02040503050406030204" pitchFamily="18" charset="0"/>
+                          </a:rPr>
+                          <m:t>𝑠</m:t>
+                        </m:r>
+                      </m:den>
+                    </m:f>
+                  </m:oMath>
+                </a14:m>
+                <a:r>
+                  <a:rPr lang="en-US" dirty="0"/>
+                  <a:t> , </a:t>
+                </a:r>
+                <a14:m>
+                  <m:oMath xmlns:m="http://schemas.openxmlformats.org/officeDocument/2006/math">
+                    <m:r>
+                      <a:rPr lang="en-US" b="0" i="1" smtClean="0">
+                        <a:latin typeface="Cambria Math" panose="02040503050406030204" pitchFamily="18" charset="0"/>
+                      </a:rPr>
+                      <m:t>𝑌</m:t>
+                    </m:r>
+                    <m:d>
+                      <m:dPr>
+                        <m:ctrlPr>
+                          <a:rPr lang="en-US" b="0" i="1" smtClean="0">
+                            <a:latin typeface="Cambria Math" panose="02040503050406030204" pitchFamily="18" charset="0"/>
+                          </a:rPr>
+                        </m:ctrlPr>
+                      </m:dPr>
+                      <m:e>
+                        <m:r>
+                          <a:rPr lang="en-US" b="0" i="1" smtClean="0">
+                            <a:latin typeface="Cambria Math" panose="02040503050406030204" pitchFamily="18" charset="0"/>
+                          </a:rPr>
+                          <m:t>𝑠</m:t>
+                        </m:r>
+                      </m:e>
+                    </m:d>
+                    <m:r>
+                      <a:rPr lang="en-US" b="0" i="1" smtClean="0">
+                        <a:latin typeface="Cambria Math" panose="02040503050406030204" pitchFamily="18" charset="0"/>
+                      </a:rPr>
+                      <m:t>=</m:t>
+                    </m:r>
+                    <m:r>
+                      <a:rPr lang="en-US" b="0" i="1" smtClean="0">
+                        <a:latin typeface="Cambria Math" panose="02040503050406030204" pitchFamily="18" charset="0"/>
+                      </a:rPr>
+                      <m:t>𝑈</m:t>
+                    </m:r>
+                    <m:d>
+                      <m:dPr>
+                        <m:ctrlPr>
+                          <a:rPr lang="en-US" b="0" i="1" smtClean="0">
+                            <a:latin typeface="Cambria Math" panose="02040503050406030204" pitchFamily="18" charset="0"/>
+                          </a:rPr>
+                        </m:ctrlPr>
+                      </m:dPr>
+                      <m:e>
+                        <m:r>
+                          <a:rPr lang="en-US" b="0" i="1" smtClean="0">
+                            <a:latin typeface="Cambria Math" panose="02040503050406030204" pitchFamily="18" charset="0"/>
+                          </a:rPr>
+                          <m:t>𝑠</m:t>
+                        </m:r>
+                      </m:e>
+                    </m:d>
+                    <m:r>
+                      <a:rPr lang="en-US" b="0" i="1" smtClean="0">
+                        <a:latin typeface="Cambria Math" panose="02040503050406030204" pitchFamily="18" charset="0"/>
+                      </a:rPr>
+                      <m:t>𝐺</m:t>
+                    </m:r>
+                    <m:r>
+                      <a:rPr lang="en-US" b="0" i="1" smtClean="0">
+                        <a:latin typeface="Cambria Math" panose="02040503050406030204" pitchFamily="18" charset="0"/>
+                      </a:rPr>
+                      <m:t>(</m:t>
+                    </m:r>
+                    <m:r>
+                      <a:rPr lang="en-US" b="0" i="1" smtClean="0">
+                        <a:latin typeface="Cambria Math" panose="02040503050406030204" pitchFamily="18" charset="0"/>
+                      </a:rPr>
+                      <m:t>𝑠</m:t>
+                    </m:r>
+                    <m:r>
+                      <a:rPr lang="en-US" b="0" i="1" smtClean="0">
+                        <a:latin typeface="Cambria Math" panose="02040503050406030204" pitchFamily="18" charset="0"/>
+                      </a:rPr>
+                      <m:t>)</m:t>
+                    </m:r>
+                  </m:oMath>
+                </a14:m>
+                <a:endParaRPr lang="en-US" dirty="0"/>
+              </a:p>
+              <a:p>
+                <a:pPr marL="914400" lvl="1" indent="-457200">
+                  <a:buFont typeface="+mj-lt"/>
+                  <a:buAutoNum type="arabicPeriod"/>
+                </a:pPr>
+                <a:r>
+                  <a:rPr lang="en-US" dirty="0"/>
+                  <a:t>Given this, </a:t>
+                </a:r>
+                <a14:m>
+                  <m:oMath xmlns:m="http://schemas.openxmlformats.org/officeDocument/2006/math">
+                    <m:r>
+                      <a:rPr lang="en-US" b="0" i="1" smtClean="0">
+                        <a:latin typeface="Cambria Math" panose="02040503050406030204" pitchFamily="18" charset="0"/>
+                      </a:rPr>
+                      <m:t>𝑌</m:t>
+                    </m:r>
+                    <m:d>
+                      <m:dPr>
+                        <m:ctrlPr>
+                          <a:rPr lang="en-US" b="0" i="1" smtClean="0">
+                            <a:latin typeface="Cambria Math" panose="02040503050406030204" pitchFamily="18" charset="0"/>
+                          </a:rPr>
+                        </m:ctrlPr>
+                      </m:dPr>
+                      <m:e>
+                        <m:r>
+                          <a:rPr lang="en-US" b="0" i="1" smtClean="0">
+                            <a:latin typeface="Cambria Math" panose="02040503050406030204" pitchFamily="18" charset="0"/>
+                          </a:rPr>
+                          <m:t>𝑠</m:t>
+                        </m:r>
+                      </m:e>
+                    </m:d>
+                    <m:r>
+                      <a:rPr lang="en-US" b="0" i="1" smtClean="0">
+                        <a:latin typeface="Cambria Math" panose="02040503050406030204" pitchFamily="18" charset="0"/>
+                      </a:rPr>
+                      <m:t>=</m:t>
+                    </m:r>
+                    <m:f>
+                      <m:fPr>
+                        <m:ctrlPr>
+                          <a:rPr lang="en-US" b="0" i="1" smtClean="0">
+                            <a:latin typeface="Cambria Math" panose="02040503050406030204" pitchFamily="18" charset="0"/>
+                          </a:rPr>
+                        </m:ctrlPr>
+                      </m:fPr>
+                      <m:num>
+                        <m:r>
+                          <a:rPr lang="en-US" b="0" i="1" smtClean="0">
+                            <a:latin typeface="Cambria Math" panose="02040503050406030204" pitchFamily="18" charset="0"/>
+                          </a:rPr>
+                          <m:t>1</m:t>
+                        </m:r>
+                      </m:num>
+                      <m:den>
+                        <m:r>
+                          <a:rPr lang="en-US" b="0" i="1" smtClean="0">
+                            <a:latin typeface="Cambria Math" panose="02040503050406030204" pitchFamily="18" charset="0"/>
+                          </a:rPr>
+                          <m:t>𝑠</m:t>
+                        </m:r>
+                      </m:den>
+                    </m:f>
+                    <m:r>
+                      <a:rPr lang="en-US" b="0" i="1" smtClean="0">
+                        <a:latin typeface="Cambria Math" panose="02040503050406030204" pitchFamily="18" charset="0"/>
+                      </a:rPr>
+                      <m:t>𝐺</m:t>
+                    </m:r>
+                    <m:d>
+                      <m:dPr>
+                        <m:ctrlPr>
+                          <a:rPr lang="en-US" b="0" i="1" smtClean="0">
+                            <a:latin typeface="Cambria Math" panose="02040503050406030204" pitchFamily="18" charset="0"/>
+                          </a:rPr>
+                        </m:ctrlPr>
+                      </m:dPr>
+                      <m:e>
+                        <m:r>
+                          <a:rPr lang="en-US" b="0" i="1" smtClean="0">
+                            <a:latin typeface="Cambria Math" panose="02040503050406030204" pitchFamily="18" charset="0"/>
+                          </a:rPr>
+                          <m:t>𝑠</m:t>
+                        </m:r>
+                      </m:e>
+                    </m:d>
+                  </m:oMath>
+                </a14:m>
+                <a:r>
+                  <a:rPr lang="en-US" dirty="0"/>
+                  <a:t>.</a:t>
+                </a:r>
+              </a:p>
+              <a:p>
+                <a:pPr marL="914400" lvl="1" indent="-457200">
+                  <a:buFont typeface="+mj-lt"/>
+                  <a:buAutoNum type="arabicPeriod"/>
+                </a:pPr>
+                <a:r>
+                  <a:rPr lang="en-US" dirty="0"/>
+                  <a:t>From the final value theorem,</a:t>
+                </a:r>
+              </a:p>
+              <a:p>
+                <a:pPr marL="457200" lvl="1" indent="0">
+                  <a:buNone/>
+                </a:pPr>
+                <a14:m>
+                  <m:oMath xmlns:m="http://schemas.openxmlformats.org/officeDocument/2006/math">
+                    <m:func>
+                      <m:funcPr>
+                        <m:ctrlPr>
+                          <a:rPr lang="en-US" i="1">
+                            <a:latin typeface="Cambria Math" panose="02040503050406030204" pitchFamily="18" charset="0"/>
+                          </a:rPr>
+                        </m:ctrlPr>
+                      </m:funcPr>
+                      <m:fName>
+                        <m:limLow>
+                          <m:limLowPr>
+                            <m:ctrlPr>
+                              <a:rPr lang="en-US" i="1">
+                                <a:latin typeface="Cambria Math" panose="02040503050406030204" pitchFamily="18" charset="0"/>
+                              </a:rPr>
+                            </m:ctrlPr>
+                          </m:limLowPr>
+                          <m:e>
+                            <m:r>
+                              <m:rPr>
+                                <m:sty m:val="p"/>
+                              </m:rPr>
+                              <a:rPr lang="en-US">
+                                <a:latin typeface="Cambria Math" panose="02040503050406030204" pitchFamily="18" charset="0"/>
+                              </a:rPr>
+                              <m:t>lim</m:t>
+                            </m:r>
+                          </m:e>
+                          <m:lim>
+                            <m:r>
+                              <a:rPr lang="en-US" i="1">
+                                <a:latin typeface="Cambria Math" panose="02040503050406030204" pitchFamily="18" charset="0"/>
+                              </a:rPr>
+                              <m:t>𝑡</m:t>
+                            </m:r>
+                            <m:r>
+                              <a:rPr lang="en-US" i="1">
+                                <a:latin typeface="Cambria Math" panose="02040503050406030204" pitchFamily="18" charset="0"/>
+                              </a:rPr>
+                              <m:t>→ ∞</m:t>
+                            </m:r>
+                          </m:lim>
+                        </m:limLow>
+                      </m:fName>
+                      <m:e>
+                        <m:r>
+                          <a:rPr lang="en-US" i="1">
+                            <a:latin typeface="Cambria Math" panose="02040503050406030204" pitchFamily="18" charset="0"/>
+                          </a:rPr>
+                          <m:t>𝑦</m:t>
+                        </m:r>
+                        <m:r>
+                          <a:rPr lang="en-US" i="1">
+                            <a:latin typeface="Cambria Math" panose="02040503050406030204" pitchFamily="18" charset="0"/>
+                          </a:rPr>
+                          <m:t>(</m:t>
+                        </m:r>
+                        <m:r>
+                          <a:rPr lang="en-US" i="1">
+                            <a:latin typeface="Cambria Math" panose="02040503050406030204" pitchFamily="18" charset="0"/>
+                          </a:rPr>
+                          <m:t>𝑡</m:t>
+                        </m:r>
+                        <m:r>
+                          <a:rPr lang="en-US" i="1">
+                            <a:latin typeface="Cambria Math" panose="02040503050406030204" pitchFamily="18" charset="0"/>
+                          </a:rPr>
+                          <m:t>)</m:t>
+                        </m:r>
+                      </m:e>
+                    </m:func>
+                    <m:r>
+                      <a:rPr lang="en-US" b="0" i="1" smtClean="0">
+                        <a:latin typeface="Cambria Math" panose="02040503050406030204" pitchFamily="18" charset="0"/>
+                      </a:rPr>
+                      <m:t>=</m:t>
+                    </m:r>
+                    <m:r>
+                      <m:rPr>
+                        <m:sty m:val="p"/>
+                      </m:rPr>
+                      <a:rPr lang="en-US">
+                        <a:latin typeface="Cambria Math" panose="02040503050406030204" pitchFamily="18" charset="0"/>
+                      </a:rPr>
+                      <m:t>s</m:t>
+                    </m:r>
+                    <m:func>
+                      <m:funcPr>
+                        <m:ctrlPr>
+                          <a:rPr lang="en-US" i="1">
+                            <a:latin typeface="Cambria Math" panose="02040503050406030204" pitchFamily="18" charset="0"/>
+                          </a:rPr>
+                        </m:ctrlPr>
+                      </m:funcPr>
+                      <m:fName>
+                        <m:limLow>
+                          <m:limLowPr>
+                            <m:ctrlPr>
+                              <a:rPr lang="en-US" i="1">
+                                <a:latin typeface="Cambria Math" panose="02040503050406030204" pitchFamily="18" charset="0"/>
+                              </a:rPr>
+                            </m:ctrlPr>
+                          </m:limLowPr>
+                          <m:e>
+                            <m:r>
+                              <m:rPr>
+                                <m:sty m:val="p"/>
+                              </m:rPr>
+                              <a:rPr lang="en-US">
+                                <a:latin typeface="Cambria Math" panose="02040503050406030204" pitchFamily="18" charset="0"/>
+                              </a:rPr>
+                              <m:t>lim</m:t>
+                            </m:r>
+                          </m:e>
+                          <m:lim>
+                            <m:r>
+                              <a:rPr lang="en-US" i="1">
+                                <a:latin typeface="Cambria Math" panose="02040503050406030204" pitchFamily="18" charset="0"/>
+                              </a:rPr>
                               <m:t>𝑠</m:t>
                             </m:r>
                             <m:r>
-                              <a:rPr lang="en-US" b="0" i="1" smtClean="0">
+                              <a:rPr lang="en-US" i="1">
                                 <a:latin typeface="Cambria Math" panose="02040503050406030204" pitchFamily="18" charset="0"/>
                               </a:rPr>
                               <m:t>→0</m:t>
@@ -16187,14 +16516,14 @@
                         <m:f>
                           <m:fPr>
                             <m:ctrlPr>
-                              <a:rPr lang="en-US" b="0" i="1" smtClean="0">
+                              <a:rPr lang="en-US" i="1">
                                 <a:latin typeface="Cambria Math" panose="02040503050406030204" pitchFamily="18" charset="0"/>
                               </a:rPr>
                             </m:ctrlPr>
                           </m:fPr>
                           <m:num>
                             <m:r>
-                              <a:rPr lang="en-US" b="0" i="1" smtClean="0">
+                              <a:rPr lang="en-US" i="1">
                                 <a:latin typeface="Cambria Math" panose="02040503050406030204" pitchFamily="18" charset="0"/>
                               </a:rPr>
                               <m:t>1</m:t>
@@ -16202,7 +16531,7 @@
                           </m:num>
                           <m:den>
                             <m:r>
-                              <a:rPr lang="en-US" b="0" i="1" smtClean="0">
+                              <a:rPr lang="en-US" i="1">
                                 <a:latin typeface="Cambria Math" panose="02040503050406030204" pitchFamily="18" charset="0"/>
                               </a:rPr>
                               <m:t>𝑠</m:t>
@@ -16210,7 +16539,7 @@
                           </m:den>
                         </m:f>
                         <m:r>
-                          <a:rPr lang="en-US" b="0" i="1" smtClean="0">
+                          <a:rPr lang="en-US" i="1">
                             <a:latin typeface="Cambria Math" panose="02040503050406030204" pitchFamily="18" charset="0"/>
                           </a:rPr>
                           <m:t>𝐺</m:t>
@@ -16218,14 +16547,14 @@
                         <m:d>
                           <m:dPr>
                             <m:ctrlPr>
-                              <a:rPr lang="en-US" b="0" i="1" smtClean="0">
+                              <a:rPr lang="en-US" i="1">
                                 <a:latin typeface="Cambria Math" panose="02040503050406030204" pitchFamily="18" charset="0"/>
                               </a:rPr>
                             </m:ctrlPr>
                           </m:dPr>
                           <m:e>
                             <m:r>
-                              <a:rPr lang="en-US" b="0" i="1" smtClean="0">
+                              <a:rPr lang="en-US" i="1">
                                 <a:latin typeface="Cambria Math" panose="02040503050406030204" pitchFamily="18" charset="0"/>
                               </a:rPr>
                               <m:t>𝑠</m:t>
@@ -16233,7 +16562,7 @@
                           </m:e>
                         </m:d>
                         <m:r>
-                          <a:rPr lang="en-US" b="0" i="1" smtClean="0">
+                          <a:rPr lang="en-US" i="1">
                             <a:latin typeface="Cambria Math" panose="02040503050406030204" pitchFamily="18" charset="0"/>
                           </a:rPr>
                           <m:t>=</m:t>
@@ -16241,7 +16570,7 @@
                         <m:func>
                           <m:funcPr>
                             <m:ctrlPr>
-                              <a:rPr lang="en-US" b="0" i="1" smtClean="0">
+                              <a:rPr lang="en-US" i="1">
                                 <a:latin typeface="Cambria Math" panose="02040503050406030204" pitchFamily="18" charset="0"/>
                               </a:rPr>
                             </m:ctrlPr>
@@ -16250,7 +16579,7 @@
                             <m:limLow>
                               <m:limLowPr>
                                 <m:ctrlPr>
-                                  <a:rPr lang="en-US" b="0" i="1" smtClean="0">
+                                  <a:rPr lang="en-US" i="1">
                                     <a:latin typeface="Cambria Math" panose="02040503050406030204" pitchFamily="18" charset="0"/>
                                   </a:rPr>
                                 </m:ctrlPr>
@@ -16260,7 +16589,7 @@
                                   <m:rPr>
                                     <m:sty m:val="p"/>
                                   </m:rPr>
-                                  <a:rPr lang="en-US" b="0" i="0" smtClean="0">
+                                  <a:rPr lang="en-US">
                                     <a:latin typeface="Cambria Math" panose="02040503050406030204" pitchFamily="18" charset="0"/>
                                   </a:rPr>
                                   <m:t>lim</m:t>
@@ -16268,13 +16597,13 @@
                               </m:e>
                               <m:lim>
                                 <m:r>
-                                  <a:rPr lang="en-US" b="0" i="1" smtClean="0">
+                                  <a:rPr lang="en-US" i="1">
                                     <a:latin typeface="Cambria Math" panose="02040503050406030204" pitchFamily="18" charset="0"/>
                                   </a:rPr>
                                   <m:t>𝑠</m:t>
                                 </m:r>
                                 <m:r>
-                                  <a:rPr lang="en-US" b="0" i="1" smtClean="0">
+                                  <a:rPr lang="en-US" i="1">
                                     <a:latin typeface="Cambria Math" panose="02040503050406030204" pitchFamily="18" charset="0"/>
                                   </a:rPr>
                                   <m:t>→0</m:t>
@@ -16284,25 +16613,25 @@
                           </m:fName>
                           <m:e>
                             <m:r>
-                              <a:rPr lang="en-US" b="0" i="1" smtClean="0">
+                              <a:rPr lang="en-US" i="1">
                                 <a:latin typeface="Cambria Math" panose="02040503050406030204" pitchFamily="18" charset="0"/>
                               </a:rPr>
                               <m:t>𝐺</m:t>
                             </m:r>
                             <m:r>
-                              <a:rPr lang="en-US" b="0" i="1" smtClean="0">
+                              <a:rPr lang="en-US" i="1">
                                 <a:latin typeface="Cambria Math" panose="02040503050406030204" pitchFamily="18" charset="0"/>
                               </a:rPr>
                               <m:t>(</m:t>
                             </m:r>
                             <m:r>
-                              <a:rPr lang="en-US" b="0" i="1" smtClean="0">
+                              <a:rPr lang="en-US" i="1">
                                 <a:latin typeface="Cambria Math" panose="02040503050406030204" pitchFamily="18" charset="0"/>
                               </a:rPr>
                               <m:t>𝑠</m:t>
                             </m:r>
                             <m:r>
-                              <a:rPr lang="en-US" b="0" i="1" smtClean="0">
+                              <a:rPr lang="en-US" i="1">
                                 <a:latin typeface="Cambria Math" panose="02040503050406030204" pitchFamily="18" charset="0"/>
                               </a:rPr>
                               <m:t>)</m:t>
@@ -16311,15 +16640,12 @@
                         </m:func>
                       </m:e>
                     </m:func>
-                    <m:r>
-                      <a:rPr lang="en-US" b="0" i="1" smtClean="0">
-                        <a:latin typeface="Cambria Math" panose="02040503050406030204" pitchFamily="18" charset="0"/>
-                      </a:rPr>
-                      <m:t>.</m:t>
-                    </m:r>
                   </m:oMath>
                 </a14:m>
-                <a:endParaRPr lang="en-US" dirty="0"/>
+                <a:r>
+                  <a:rPr lang="en-US" dirty="0"/>
+                  <a:t> if the limit is finite.</a:t>
+                </a:r>
               </a:p>
             </p:txBody>
           </p:sp>
@@ -16342,6 +16668,10 @@
               </p:nvPr>
             </p:nvSpPr>
             <p:spPr>
+              <a:xfrm>
+                <a:off x="457200" y="1209554"/>
+                <a:ext cx="8229600" cy="4572001"/>
+              </a:xfrm>
               <a:blipFill>
                 <a:blip r:embed="rId2"/>
                 <a:stretch>
@@ -16439,6 +16769,343 @@
   <p:clrMapOvr>
     <a:masterClrMapping/>
   </p:clrMapOvr>
+  <p:timing>
+    <p:tnLst>
+      <p:par>
+        <p:cTn id="1" dur="indefinite" restart="never" nodeType="tmRoot">
+          <p:childTnLst>
+            <p:seq concurrent="1" nextAc="seek">
+              <p:cTn id="2" dur="indefinite" nodeType="mainSeq">
+                <p:childTnLst>
+                  <p:par>
+                    <p:cTn id="3" fill="hold">
+                      <p:stCondLst>
+                        <p:cond delay="indefinite"/>
+                      </p:stCondLst>
+                      <p:childTnLst>
+                        <p:par>
+                          <p:cTn id="4" fill="hold">
+                            <p:stCondLst>
+                              <p:cond delay="0"/>
+                            </p:stCondLst>
+                            <p:childTnLst>
+                              <p:par>
+                                <p:cTn id="5" presetID="1" presetClass="entr" presetSubtype="0" fill="hold" nodeType="clickEffect">
+                                  <p:stCondLst>
+                                    <p:cond delay="0"/>
+                                  </p:stCondLst>
+                                  <p:childTnLst>
+                                    <p:set>
+                                      <p:cBhvr>
+                                        <p:cTn id="6" dur="1" fill="hold">
+                                          <p:stCondLst>
+                                            <p:cond delay="0"/>
+                                          </p:stCondLst>
+                                        </p:cTn>
+                                        <p:tgtEl>
+                                          <p:spTgt spid="3">
+                                            <p:txEl>
+                                              <p:pRg st="0" end="0"/>
+                                            </p:txEl>
+                                          </p:spTgt>
+                                        </p:tgtEl>
+                                        <p:attrNameLst>
+                                          <p:attrName>style.visibility</p:attrName>
+                                        </p:attrNameLst>
+                                      </p:cBhvr>
+                                      <p:to>
+                                        <p:strVal val="visible"/>
+                                      </p:to>
+                                    </p:set>
+                                  </p:childTnLst>
+                                </p:cTn>
+                              </p:par>
+                            </p:childTnLst>
+                          </p:cTn>
+                        </p:par>
+                      </p:childTnLst>
+                    </p:cTn>
+                  </p:par>
+                  <p:par>
+                    <p:cTn id="7" fill="hold">
+                      <p:stCondLst>
+                        <p:cond delay="indefinite"/>
+                      </p:stCondLst>
+                      <p:childTnLst>
+                        <p:par>
+                          <p:cTn id="8" fill="hold">
+                            <p:stCondLst>
+                              <p:cond delay="0"/>
+                            </p:stCondLst>
+                            <p:childTnLst>
+                              <p:par>
+                                <p:cTn id="9" presetID="1" presetClass="entr" presetSubtype="0" fill="hold" nodeType="clickEffect">
+                                  <p:stCondLst>
+                                    <p:cond delay="0"/>
+                                  </p:stCondLst>
+                                  <p:childTnLst>
+                                    <p:set>
+                                      <p:cBhvr>
+                                        <p:cTn id="10" dur="1" fill="hold">
+                                          <p:stCondLst>
+                                            <p:cond delay="0"/>
+                                          </p:stCondLst>
+                                        </p:cTn>
+                                        <p:tgtEl>
+                                          <p:spTgt spid="3">
+                                            <p:txEl>
+                                              <p:pRg st="1" end="1"/>
+                                            </p:txEl>
+                                          </p:spTgt>
+                                        </p:tgtEl>
+                                        <p:attrNameLst>
+                                          <p:attrName>style.visibility</p:attrName>
+                                        </p:attrNameLst>
+                                      </p:cBhvr>
+                                      <p:to>
+                                        <p:strVal val="visible"/>
+                                      </p:to>
+                                    </p:set>
+                                  </p:childTnLst>
+                                </p:cTn>
+                              </p:par>
+                            </p:childTnLst>
+                          </p:cTn>
+                        </p:par>
+                      </p:childTnLst>
+                    </p:cTn>
+                  </p:par>
+                  <p:par>
+                    <p:cTn id="11" fill="hold">
+                      <p:stCondLst>
+                        <p:cond delay="indefinite"/>
+                      </p:stCondLst>
+                      <p:childTnLst>
+                        <p:par>
+                          <p:cTn id="12" fill="hold">
+                            <p:stCondLst>
+                              <p:cond delay="0"/>
+                            </p:stCondLst>
+                            <p:childTnLst>
+                              <p:par>
+                                <p:cTn id="13" presetID="1" presetClass="entr" presetSubtype="0" fill="hold" nodeType="clickEffect">
+                                  <p:stCondLst>
+                                    <p:cond delay="0"/>
+                                  </p:stCondLst>
+                                  <p:childTnLst>
+                                    <p:set>
+                                      <p:cBhvr>
+                                        <p:cTn id="14" dur="1" fill="hold">
+                                          <p:stCondLst>
+                                            <p:cond delay="0"/>
+                                          </p:stCondLst>
+                                        </p:cTn>
+                                        <p:tgtEl>
+                                          <p:spTgt spid="3">
+                                            <p:txEl>
+                                              <p:pRg st="2" end="2"/>
+                                            </p:txEl>
+                                          </p:spTgt>
+                                        </p:tgtEl>
+                                        <p:attrNameLst>
+                                          <p:attrName>style.visibility</p:attrName>
+                                        </p:attrNameLst>
+                                      </p:cBhvr>
+                                      <p:to>
+                                        <p:strVal val="visible"/>
+                                      </p:to>
+                                    </p:set>
+                                  </p:childTnLst>
+                                </p:cTn>
+                              </p:par>
+                              <p:par>
+                                <p:cTn id="15" presetID="1" presetClass="entr" presetSubtype="0" fill="hold" nodeType="withEffect">
+                                  <p:stCondLst>
+                                    <p:cond delay="0"/>
+                                  </p:stCondLst>
+                                  <p:childTnLst>
+                                    <p:set>
+                                      <p:cBhvr>
+                                        <p:cTn id="16" dur="1" fill="hold">
+                                          <p:stCondLst>
+                                            <p:cond delay="0"/>
+                                          </p:stCondLst>
+                                        </p:cTn>
+                                        <p:tgtEl>
+                                          <p:spTgt spid="3">
+                                            <p:txEl>
+                                              <p:pRg st="3" end="3"/>
+                                            </p:txEl>
+                                          </p:spTgt>
+                                        </p:tgtEl>
+                                        <p:attrNameLst>
+                                          <p:attrName>style.visibility</p:attrName>
+                                        </p:attrNameLst>
+                                      </p:cBhvr>
+                                      <p:to>
+                                        <p:strVal val="visible"/>
+                                      </p:to>
+                                    </p:set>
+                                  </p:childTnLst>
+                                </p:cTn>
+                              </p:par>
+                            </p:childTnLst>
+                          </p:cTn>
+                        </p:par>
+                      </p:childTnLst>
+                    </p:cTn>
+                  </p:par>
+                  <p:par>
+                    <p:cTn id="17" fill="hold">
+                      <p:stCondLst>
+                        <p:cond delay="indefinite"/>
+                      </p:stCondLst>
+                      <p:childTnLst>
+                        <p:par>
+                          <p:cTn id="18" fill="hold">
+                            <p:stCondLst>
+                              <p:cond delay="0"/>
+                            </p:stCondLst>
+                            <p:childTnLst>
+                              <p:par>
+                                <p:cTn id="19" presetID="1" presetClass="entr" presetSubtype="0" fill="hold" nodeType="clickEffect">
+                                  <p:stCondLst>
+                                    <p:cond delay="0"/>
+                                  </p:stCondLst>
+                                  <p:childTnLst>
+                                    <p:set>
+                                      <p:cBhvr>
+                                        <p:cTn id="20" dur="1" fill="hold">
+                                          <p:stCondLst>
+                                            <p:cond delay="0"/>
+                                          </p:stCondLst>
+                                        </p:cTn>
+                                        <p:tgtEl>
+                                          <p:spTgt spid="3">
+                                            <p:txEl>
+                                              <p:pRg st="4" end="4"/>
+                                            </p:txEl>
+                                          </p:spTgt>
+                                        </p:tgtEl>
+                                        <p:attrNameLst>
+                                          <p:attrName>style.visibility</p:attrName>
+                                        </p:attrNameLst>
+                                      </p:cBhvr>
+                                      <p:to>
+                                        <p:strVal val="visible"/>
+                                      </p:to>
+                                    </p:set>
+                                  </p:childTnLst>
+                                </p:cTn>
+                              </p:par>
+                            </p:childTnLst>
+                          </p:cTn>
+                        </p:par>
+                      </p:childTnLst>
+                    </p:cTn>
+                  </p:par>
+                  <p:par>
+                    <p:cTn id="21" fill="hold">
+                      <p:stCondLst>
+                        <p:cond delay="indefinite"/>
+                      </p:stCondLst>
+                      <p:childTnLst>
+                        <p:par>
+                          <p:cTn id="22" fill="hold">
+                            <p:stCondLst>
+                              <p:cond delay="0"/>
+                            </p:stCondLst>
+                            <p:childTnLst>
+                              <p:par>
+                                <p:cTn id="23" presetID="1" presetClass="entr" presetSubtype="0" fill="hold" nodeType="clickEffect">
+                                  <p:stCondLst>
+                                    <p:cond delay="0"/>
+                                  </p:stCondLst>
+                                  <p:childTnLst>
+                                    <p:set>
+                                      <p:cBhvr>
+                                        <p:cTn id="24" dur="1" fill="hold">
+                                          <p:stCondLst>
+                                            <p:cond delay="0"/>
+                                          </p:stCondLst>
+                                        </p:cTn>
+                                        <p:tgtEl>
+                                          <p:spTgt spid="3">
+                                            <p:txEl>
+                                              <p:pRg st="5" end="5"/>
+                                            </p:txEl>
+                                          </p:spTgt>
+                                        </p:tgtEl>
+                                        <p:attrNameLst>
+                                          <p:attrName>style.visibility</p:attrName>
+                                        </p:attrNameLst>
+                                      </p:cBhvr>
+                                      <p:to>
+                                        <p:strVal val="visible"/>
+                                      </p:to>
+                                    </p:set>
+                                  </p:childTnLst>
+                                </p:cTn>
+                              </p:par>
+                              <p:par>
+                                <p:cTn id="25" presetID="1" presetClass="entr" presetSubtype="0" fill="hold" nodeType="withEffect">
+                                  <p:stCondLst>
+                                    <p:cond delay="0"/>
+                                  </p:stCondLst>
+                                  <p:childTnLst>
+                                    <p:set>
+                                      <p:cBhvr>
+                                        <p:cTn id="26" dur="1" fill="hold">
+                                          <p:stCondLst>
+                                            <p:cond delay="0"/>
+                                          </p:stCondLst>
+                                        </p:cTn>
+                                        <p:tgtEl>
+                                          <p:spTgt spid="3">
+                                            <p:txEl>
+                                              <p:pRg st="6" end="6"/>
+                                            </p:txEl>
+                                          </p:spTgt>
+                                        </p:tgtEl>
+                                        <p:attrNameLst>
+                                          <p:attrName>style.visibility</p:attrName>
+                                        </p:attrNameLst>
+                                      </p:cBhvr>
+                                      <p:to>
+                                        <p:strVal val="visible"/>
+                                      </p:to>
+                                    </p:set>
+                                  </p:childTnLst>
+                                </p:cTn>
+                              </p:par>
+                            </p:childTnLst>
+                          </p:cTn>
+                        </p:par>
+                      </p:childTnLst>
+                    </p:cTn>
+                  </p:par>
+                </p:childTnLst>
+              </p:cTn>
+              <p:prevCondLst>
+                <p:cond evt="onPrev" delay="0">
+                  <p:tgtEl>
+                    <p:sldTgt/>
+                  </p:tgtEl>
+                </p:cond>
+              </p:prevCondLst>
+              <p:nextCondLst>
+                <p:cond evt="onNext" delay="0">
+                  <p:tgtEl>
+                    <p:sldTgt/>
+                  </p:tgtEl>
+                </p:cond>
+              </p:nextCondLst>
+            </p:seq>
+          </p:childTnLst>
+        </p:cTn>
+      </p:par>
+    </p:tnLst>
+  </p:timing>
 </p:sld>
 </file>
 
@@ -16536,13 +17203,20 @@
           <a:p>
             <a:r>
               <a:rPr lang="en-US" dirty="0"/>
-              <a:t>Analyzing systems using Laplace </a:t>
+              <a:t>Poles determine stability and oscillations.</a:t>
             </a:r>
+          </a:p>
+          <a:p>
             <a:r>
-              <a:rPr lang="en-US" dirty="0" err="1"/>
-              <a:t>Transfoms</a:t>
+              <a:rPr lang="en-US" dirty="0"/>
+              <a:t>Definition of transfer function.</a:t>
             </a:r>
-            <a:endParaRPr lang="en-US" dirty="0"/>
+          </a:p>
+          <a:p>
+            <a:r>
+              <a:rPr lang="en-US" dirty="0"/>
+              <a:t>Calculating DC gain.</a:t>
+            </a:r>
           </a:p>
         </p:txBody>
       </p:sp>
@@ -16639,40 +17313,881 @@
           </a:p>
         </p:txBody>
       </p:sp>
-      <p:sp>
-        <p:nvSpPr>
-          <p:cNvPr id="3" name="Content Placeholder 2">
-            <a:extLst>
-              <a:ext uri="{FF2B5EF4-FFF2-40B4-BE49-F238E27FC236}">
-                <a16:creationId xmlns:a16="http://schemas.microsoft.com/office/drawing/2014/main" id="{73479825-7954-1ECC-8E11-73D2E55C5BE3}"/>
-              </a:ext>
-            </a:extLst>
-          </p:cNvPr>
-          <p:cNvSpPr>
-            <a:spLocks noGrp="1"/>
-          </p:cNvSpPr>
-          <p:nvPr>
-            <p:ph idx="1"/>
-          </p:nvPr>
-        </p:nvSpPr>
-        <p:spPr/>
-        <p:txBody>
-          <a:bodyPr/>
-          <a:lstStyle/>
-          <a:p>
-            <a:r>
-              <a:rPr lang="en-US" dirty="0"/>
-              <a:t>Constant amplification.</a:t>
-            </a:r>
-          </a:p>
-          <a:p>
-            <a:r>
-              <a:rPr lang="en-US" dirty="0"/>
-              <a:t>Exponential.</a:t>
-            </a:r>
-          </a:p>
-        </p:txBody>
-      </p:sp>
+      <mc:AlternateContent xmlns:mc="http://schemas.openxmlformats.org/markup-compatibility/2006">
+        <mc:Choice xmlns:a14="http://schemas.microsoft.com/office/drawing/2010/main" Requires="a14">
+          <p:sp>
+            <p:nvSpPr>
+              <p:cNvPr id="3" name="Content Placeholder 2">
+                <a:extLst>
+                  <a:ext uri="{FF2B5EF4-FFF2-40B4-BE49-F238E27FC236}">
+                    <a16:creationId xmlns:a16="http://schemas.microsoft.com/office/drawing/2014/main" id="{73479825-7954-1ECC-8E11-73D2E55C5BE3}"/>
+                  </a:ext>
+                </a:extLst>
+              </p:cNvPr>
+              <p:cNvSpPr>
+                <a:spLocks noGrp="1"/>
+              </p:cNvSpPr>
+              <p:nvPr>
+                <p:ph idx="1"/>
+              </p:nvPr>
+            </p:nvSpPr>
+            <p:spPr/>
+            <p:txBody>
+              <a:bodyPr/>
+              <a:lstStyle/>
+              <a:p>
+                <a:r>
+                  <a:rPr lang="en-US" dirty="0"/>
+                  <a:t>Constant amplification.</a:t>
+                </a:r>
+              </a:p>
+              <a:p>
+                <a:pPr marL="457200" lvl="1" indent="0">
+                  <a:buNone/>
+                </a:pPr>
+                <a14:m>
+                  <m:oMathPara xmlns:m="http://schemas.openxmlformats.org/officeDocument/2006/math">
+                    <m:oMathParaPr>
+                      <m:jc m:val="centerGroup"/>
+                    </m:oMathParaPr>
+                    <m:oMath xmlns:m="http://schemas.openxmlformats.org/officeDocument/2006/math">
+                      <m:r>
+                        <a:rPr lang="en-US" b="0" i="1" smtClean="0">
+                          <a:latin typeface="Cambria Math" panose="02040503050406030204" pitchFamily="18" charset="0"/>
+                        </a:rPr>
+                        <m:t>𝐺</m:t>
+                      </m:r>
+                      <m:d>
+                        <m:dPr>
+                          <m:ctrlPr>
+                            <a:rPr lang="en-US" b="0" i="1" smtClean="0">
+                              <a:latin typeface="Cambria Math" panose="02040503050406030204" pitchFamily="18" charset="0"/>
+                            </a:rPr>
+                          </m:ctrlPr>
+                        </m:dPr>
+                        <m:e>
+                          <m:r>
+                            <a:rPr lang="en-US" b="0" i="1" smtClean="0">
+                              <a:latin typeface="Cambria Math" panose="02040503050406030204" pitchFamily="18" charset="0"/>
+                            </a:rPr>
+                            <m:t>𝑠</m:t>
+                          </m:r>
+                        </m:e>
+                      </m:d>
+                      <m:r>
+                        <a:rPr lang="en-US" b="0" i="1" smtClean="0">
+                          <a:latin typeface="Cambria Math" panose="02040503050406030204" pitchFamily="18" charset="0"/>
+                        </a:rPr>
+                        <m:t>=</m:t>
+                      </m:r>
+                      <m:f>
+                        <m:fPr>
+                          <m:ctrlPr>
+                            <a:rPr lang="en-US" b="0" i="1" smtClean="0">
+                              <a:latin typeface="Cambria Math" panose="02040503050406030204" pitchFamily="18" charset="0"/>
+                            </a:rPr>
+                          </m:ctrlPr>
+                        </m:fPr>
+                        <m:num>
+                          <m:r>
+                            <a:rPr lang="en-US" b="0" i="1" smtClean="0">
+                              <a:latin typeface="Cambria Math" panose="02040503050406030204" pitchFamily="18" charset="0"/>
+                            </a:rPr>
+                            <m:t>5</m:t>
+                          </m:r>
+                        </m:num>
+                        <m:den>
+                          <m:r>
+                            <a:rPr lang="en-US" b="0" i="1" smtClean="0">
+                              <a:latin typeface="Cambria Math" panose="02040503050406030204" pitchFamily="18" charset="0"/>
+                            </a:rPr>
+                            <m:t>𝑠</m:t>
+                          </m:r>
+                        </m:den>
+                      </m:f>
+                    </m:oMath>
+                  </m:oMathPara>
+                </a14:m>
+                <a:endParaRPr lang="en-US" dirty="0"/>
+              </a:p>
+              <a:p>
+                <a:r>
+                  <a:rPr lang="en-US" dirty="0"/>
+                  <a:t>Exponential.</a:t>
+                </a:r>
+              </a:p>
+              <a:p>
+                <a:pPr marL="457200" lvl="1" indent="0">
+                  <a:buNone/>
+                </a:pPr>
+                <a14:m>
+                  <m:oMathPara xmlns:m="http://schemas.openxmlformats.org/officeDocument/2006/math">
+                    <m:oMathParaPr>
+                      <m:jc m:val="centerGroup"/>
+                    </m:oMathParaPr>
+                    <m:oMath xmlns:m="http://schemas.openxmlformats.org/officeDocument/2006/math">
+                      <m:r>
+                        <a:rPr lang="en-US" b="0" i="1" smtClean="0">
+                          <a:latin typeface="Cambria Math" panose="02040503050406030204" pitchFamily="18" charset="0"/>
+                        </a:rPr>
+                        <m:t>𝐺</m:t>
+                      </m:r>
+                      <m:d>
+                        <m:dPr>
+                          <m:ctrlPr>
+                            <a:rPr lang="en-US" b="0" i="1" smtClean="0">
+                              <a:latin typeface="Cambria Math" panose="02040503050406030204" pitchFamily="18" charset="0"/>
+                            </a:rPr>
+                          </m:ctrlPr>
+                        </m:dPr>
+                        <m:e>
+                          <m:r>
+                            <a:rPr lang="en-US" b="0" i="1" smtClean="0">
+                              <a:latin typeface="Cambria Math" panose="02040503050406030204" pitchFamily="18" charset="0"/>
+                            </a:rPr>
+                            <m:t>𝑠</m:t>
+                          </m:r>
+                        </m:e>
+                      </m:d>
+                      <m:r>
+                        <a:rPr lang="en-US" b="0" i="1" smtClean="0">
+                          <a:latin typeface="Cambria Math" panose="02040503050406030204" pitchFamily="18" charset="0"/>
+                        </a:rPr>
+                        <m:t>=</m:t>
+                      </m:r>
+                      <m:f>
+                        <m:fPr>
+                          <m:ctrlPr>
+                            <a:rPr lang="en-US" b="0" i="1" smtClean="0">
+                              <a:latin typeface="Cambria Math" panose="02040503050406030204" pitchFamily="18" charset="0"/>
+                            </a:rPr>
+                          </m:ctrlPr>
+                        </m:fPr>
+                        <m:num>
+                          <m:r>
+                            <a:rPr lang="en-US" b="0" i="1" smtClean="0">
+                              <a:latin typeface="Cambria Math" panose="02040503050406030204" pitchFamily="18" charset="0"/>
+                            </a:rPr>
+                            <m:t>1</m:t>
+                          </m:r>
+                        </m:num>
+                        <m:den>
+                          <m:r>
+                            <a:rPr lang="en-US" b="0" i="1" smtClean="0">
+                              <a:latin typeface="Cambria Math" panose="02040503050406030204" pitchFamily="18" charset="0"/>
+                            </a:rPr>
+                            <m:t>𝑠</m:t>
+                          </m:r>
+                          <m:r>
+                            <a:rPr lang="en-US" b="0" i="1" smtClean="0">
+                              <a:latin typeface="Cambria Math" panose="02040503050406030204" pitchFamily="18" charset="0"/>
+                            </a:rPr>
+                            <m:t>+</m:t>
+                          </m:r>
+                          <m:r>
+                            <a:rPr lang="en-US" b="0" i="1" smtClean="0">
+                              <a:latin typeface="Cambria Math" panose="02040503050406030204" pitchFamily="18" charset="0"/>
+                            </a:rPr>
+                            <m:t>𝑎</m:t>
+                          </m:r>
+                        </m:den>
+                      </m:f>
+                    </m:oMath>
+                  </m:oMathPara>
+                </a14:m>
+                <a:endParaRPr lang="en-US" dirty="0"/>
+              </a:p>
+              <a:p>
+                <a:r>
+                  <a:rPr lang="en-US" b="0" dirty="0"/>
+                  <a:t>Filter: </a:t>
+                </a:r>
+                <a14:m>
+                  <m:oMath xmlns:m="http://schemas.openxmlformats.org/officeDocument/2006/math">
+                    <m:f>
+                      <m:fPr>
+                        <m:ctrlPr>
+                          <a:rPr lang="en-US" b="0" i="1" smtClean="0">
+                            <a:latin typeface="Cambria Math" panose="02040503050406030204" pitchFamily="18" charset="0"/>
+                          </a:rPr>
+                        </m:ctrlPr>
+                      </m:fPr>
+                      <m:num>
+                        <m:r>
+                          <m:rPr>
+                            <m:sty m:val="p"/>
+                          </m:rPr>
+                          <a:rPr lang="en-US" b="0" i="0" smtClean="0">
+                            <a:latin typeface="Cambria Math" panose="02040503050406030204" pitchFamily="18" charset="0"/>
+                          </a:rPr>
+                          <m:t>d</m:t>
+                        </m:r>
+                        <m:r>
+                          <a:rPr lang="en-US" b="0" i="1" smtClean="0">
+                            <a:latin typeface="Cambria Math" panose="02040503050406030204" pitchFamily="18" charset="0"/>
+                          </a:rPr>
+                          <m:t>𝑦</m:t>
+                        </m:r>
+                        <m:d>
+                          <m:dPr>
+                            <m:ctrlPr>
+                              <a:rPr lang="en-US" b="0" i="1" smtClean="0">
+                                <a:latin typeface="Cambria Math" panose="02040503050406030204" pitchFamily="18" charset="0"/>
+                              </a:rPr>
+                            </m:ctrlPr>
+                          </m:dPr>
+                          <m:e>
+                            <m:r>
+                              <a:rPr lang="en-US" b="0" i="1" smtClean="0">
+                                <a:latin typeface="Cambria Math" panose="02040503050406030204" pitchFamily="18" charset="0"/>
+                              </a:rPr>
+                              <m:t>𝑡</m:t>
+                            </m:r>
+                          </m:e>
+                        </m:d>
+                      </m:num>
+                      <m:den>
+                        <m:r>
+                          <a:rPr lang="en-US" b="0" i="1" smtClean="0">
+                            <a:latin typeface="Cambria Math" panose="02040503050406030204" pitchFamily="18" charset="0"/>
+                          </a:rPr>
+                          <m:t>𝑑𝑡</m:t>
+                        </m:r>
+                      </m:den>
+                    </m:f>
+                    <m:r>
+                      <a:rPr lang="en-US" b="0" i="1" smtClean="0">
+                        <a:latin typeface="Cambria Math" panose="02040503050406030204" pitchFamily="18" charset="0"/>
+                      </a:rPr>
+                      <m:t>=</m:t>
+                    </m:r>
+                    <m:sSub>
+                      <m:sSubPr>
+                        <m:ctrlPr>
+                          <a:rPr lang="en-US" b="0" i="1" smtClean="0">
+                            <a:latin typeface="Cambria Math" panose="02040503050406030204" pitchFamily="18" charset="0"/>
+                          </a:rPr>
+                        </m:ctrlPr>
+                      </m:sSubPr>
+                      <m:e>
+                        <m:r>
+                          <a:rPr lang="en-US" b="0" i="1" smtClean="0">
+                            <a:latin typeface="Cambria Math" panose="02040503050406030204" pitchFamily="18" charset="0"/>
+                          </a:rPr>
+                          <m:t>𝑘</m:t>
+                        </m:r>
+                      </m:e>
+                      <m:sub>
+                        <m:r>
+                          <a:rPr lang="en-US" b="0" i="1" smtClean="0">
+                            <a:latin typeface="Cambria Math" panose="02040503050406030204" pitchFamily="18" charset="0"/>
+                          </a:rPr>
+                          <m:t>𝐹</m:t>
+                        </m:r>
+                      </m:sub>
+                    </m:sSub>
+                    <m:r>
+                      <a:rPr lang="en-US" b="0" i="1" smtClean="0">
+                        <a:latin typeface="Cambria Math" panose="02040503050406030204" pitchFamily="18" charset="0"/>
+                      </a:rPr>
+                      <m:t>𝑢</m:t>
+                    </m:r>
+                    <m:d>
+                      <m:dPr>
+                        <m:ctrlPr>
+                          <a:rPr lang="en-US" b="0" i="1" smtClean="0">
+                            <a:latin typeface="Cambria Math" panose="02040503050406030204" pitchFamily="18" charset="0"/>
+                          </a:rPr>
+                        </m:ctrlPr>
+                      </m:dPr>
+                      <m:e>
+                        <m:r>
+                          <a:rPr lang="en-US" b="0" i="1" smtClean="0">
+                            <a:latin typeface="Cambria Math" panose="02040503050406030204" pitchFamily="18" charset="0"/>
+                          </a:rPr>
+                          <m:t>𝑡</m:t>
+                        </m:r>
+                      </m:e>
+                    </m:d>
+                    <m:r>
+                      <a:rPr lang="en-US" b="0" i="1" smtClean="0">
+                        <a:latin typeface="Cambria Math" panose="02040503050406030204" pitchFamily="18" charset="0"/>
+                      </a:rPr>
+                      <m:t>−</m:t>
+                    </m:r>
+                    <m:sSub>
+                      <m:sSubPr>
+                        <m:ctrlPr>
+                          <a:rPr lang="en-US" b="0" i="1" smtClean="0">
+                            <a:latin typeface="Cambria Math" panose="02040503050406030204" pitchFamily="18" charset="0"/>
+                          </a:rPr>
+                        </m:ctrlPr>
+                      </m:sSubPr>
+                      <m:e>
+                        <m:r>
+                          <a:rPr lang="en-US" b="0" i="1" smtClean="0">
+                            <a:latin typeface="Cambria Math" panose="02040503050406030204" pitchFamily="18" charset="0"/>
+                          </a:rPr>
+                          <m:t>𝑘</m:t>
+                        </m:r>
+                      </m:e>
+                      <m:sub>
+                        <m:r>
+                          <a:rPr lang="en-US" b="0" i="1" smtClean="0">
+                            <a:latin typeface="Cambria Math" panose="02040503050406030204" pitchFamily="18" charset="0"/>
+                          </a:rPr>
+                          <m:t>𝐹</m:t>
+                        </m:r>
+                      </m:sub>
+                    </m:sSub>
+                    <m:r>
+                      <a:rPr lang="en-US" b="0" i="1" smtClean="0">
+                        <a:latin typeface="Cambria Math" panose="02040503050406030204" pitchFamily="18" charset="0"/>
+                      </a:rPr>
+                      <m:t>𝑦</m:t>
+                    </m:r>
+                    <m:r>
+                      <a:rPr lang="en-US" b="0" i="1" smtClean="0">
+                        <a:latin typeface="Cambria Math" panose="02040503050406030204" pitchFamily="18" charset="0"/>
+                      </a:rPr>
+                      <m:t>(</m:t>
+                    </m:r>
+                    <m:r>
+                      <a:rPr lang="en-US" b="0" i="1" smtClean="0">
+                        <a:latin typeface="Cambria Math" panose="02040503050406030204" pitchFamily="18" charset="0"/>
+                      </a:rPr>
+                      <m:t>𝑡</m:t>
+                    </m:r>
+                    <m:r>
+                      <a:rPr lang="en-US" b="0" i="1" smtClean="0">
+                        <a:latin typeface="Cambria Math" panose="02040503050406030204" pitchFamily="18" charset="0"/>
+                      </a:rPr>
+                      <m:t>)</m:t>
+                    </m:r>
+                  </m:oMath>
+                </a14:m>
+                <a:endParaRPr lang="en-US" b="0" dirty="0"/>
+              </a:p>
+              <a:p>
+                <a:pPr marL="457200" lvl="1" indent="0">
+                  <a:buNone/>
+                </a:pPr>
+                <a14:m>
+                  <m:oMathPara xmlns:m="http://schemas.openxmlformats.org/officeDocument/2006/math">
+                    <m:oMathParaPr>
+                      <m:jc m:val="centerGroup"/>
+                    </m:oMathParaPr>
+                    <m:oMath xmlns:m="http://schemas.openxmlformats.org/officeDocument/2006/math">
+                      <m:r>
+                        <a:rPr lang="en-US" b="0" i="1" smtClean="0">
+                          <a:latin typeface="Cambria Math" panose="02040503050406030204" pitchFamily="18" charset="0"/>
+                        </a:rPr>
+                        <m:t>𝑠𝑌</m:t>
+                      </m:r>
+                      <m:d>
+                        <m:dPr>
+                          <m:ctrlPr>
+                            <a:rPr lang="en-US" b="0" i="1" smtClean="0">
+                              <a:latin typeface="Cambria Math" panose="02040503050406030204" pitchFamily="18" charset="0"/>
+                            </a:rPr>
+                          </m:ctrlPr>
+                        </m:dPr>
+                        <m:e>
+                          <m:r>
+                            <a:rPr lang="en-US" b="0" i="1" smtClean="0">
+                              <a:latin typeface="Cambria Math" panose="02040503050406030204" pitchFamily="18" charset="0"/>
+                            </a:rPr>
+                            <m:t>𝑠</m:t>
+                          </m:r>
+                        </m:e>
+                      </m:d>
+                      <m:r>
+                        <a:rPr lang="en-US" b="0" i="1" smtClean="0">
+                          <a:latin typeface="Cambria Math" panose="02040503050406030204" pitchFamily="18" charset="0"/>
+                        </a:rPr>
+                        <m:t>=</m:t>
+                      </m:r>
+                      <m:sSub>
+                        <m:sSubPr>
+                          <m:ctrlPr>
+                            <a:rPr lang="en-US" b="0" i="1" smtClean="0">
+                              <a:latin typeface="Cambria Math" panose="02040503050406030204" pitchFamily="18" charset="0"/>
+                            </a:rPr>
+                          </m:ctrlPr>
+                        </m:sSubPr>
+                        <m:e>
+                          <m:r>
+                            <a:rPr lang="en-US" b="0" i="1" smtClean="0">
+                              <a:latin typeface="Cambria Math" panose="02040503050406030204" pitchFamily="18" charset="0"/>
+                            </a:rPr>
+                            <m:t>𝑘</m:t>
+                          </m:r>
+                        </m:e>
+                        <m:sub>
+                          <m:r>
+                            <a:rPr lang="en-US" b="0" i="1" smtClean="0">
+                              <a:latin typeface="Cambria Math" panose="02040503050406030204" pitchFamily="18" charset="0"/>
+                            </a:rPr>
+                            <m:t>𝐹</m:t>
+                          </m:r>
+                        </m:sub>
+                      </m:sSub>
+                      <m:r>
+                        <a:rPr lang="en-US" b="0" i="1" smtClean="0">
+                          <a:latin typeface="Cambria Math" panose="02040503050406030204" pitchFamily="18" charset="0"/>
+                        </a:rPr>
+                        <m:t>𝑈</m:t>
+                      </m:r>
+                      <m:d>
+                        <m:dPr>
+                          <m:ctrlPr>
+                            <a:rPr lang="en-US" b="0" i="1" smtClean="0">
+                              <a:latin typeface="Cambria Math" panose="02040503050406030204" pitchFamily="18" charset="0"/>
+                            </a:rPr>
+                          </m:ctrlPr>
+                        </m:dPr>
+                        <m:e>
+                          <m:r>
+                            <a:rPr lang="en-US" b="0" i="1" smtClean="0">
+                              <a:latin typeface="Cambria Math" panose="02040503050406030204" pitchFamily="18" charset="0"/>
+                            </a:rPr>
+                            <m:t>𝑠</m:t>
+                          </m:r>
+                        </m:e>
+                      </m:d>
+                      <m:r>
+                        <a:rPr lang="en-US" b="0" i="1" smtClean="0">
+                          <a:latin typeface="Cambria Math" panose="02040503050406030204" pitchFamily="18" charset="0"/>
+                        </a:rPr>
+                        <m:t>−</m:t>
+                      </m:r>
+                      <m:sSub>
+                        <m:sSubPr>
+                          <m:ctrlPr>
+                            <a:rPr lang="en-US" b="0" i="1" smtClean="0">
+                              <a:latin typeface="Cambria Math" panose="02040503050406030204" pitchFamily="18" charset="0"/>
+                            </a:rPr>
+                          </m:ctrlPr>
+                        </m:sSubPr>
+                        <m:e>
+                          <m:r>
+                            <a:rPr lang="en-US" b="0" i="1" smtClean="0">
+                              <a:latin typeface="Cambria Math" panose="02040503050406030204" pitchFamily="18" charset="0"/>
+                            </a:rPr>
+                            <m:t>𝑘</m:t>
+                          </m:r>
+                        </m:e>
+                        <m:sub>
+                          <m:r>
+                            <a:rPr lang="en-US" b="0" i="1" smtClean="0">
+                              <a:latin typeface="Cambria Math" panose="02040503050406030204" pitchFamily="18" charset="0"/>
+                            </a:rPr>
+                            <m:t>𝐹</m:t>
+                          </m:r>
+                        </m:sub>
+                      </m:sSub>
+                      <m:r>
+                        <a:rPr lang="en-US" b="0" i="1" smtClean="0">
+                          <a:latin typeface="Cambria Math" panose="02040503050406030204" pitchFamily="18" charset="0"/>
+                        </a:rPr>
+                        <m:t>𝑌</m:t>
+                      </m:r>
+                      <m:d>
+                        <m:dPr>
+                          <m:ctrlPr>
+                            <a:rPr lang="en-US" b="0" i="1" smtClean="0">
+                              <a:latin typeface="Cambria Math" panose="02040503050406030204" pitchFamily="18" charset="0"/>
+                            </a:rPr>
+                          </m:ctrlPr>
+                        </m:dPr>
+                        <m:e>
+                          <m:r>
+                            <a:rPr lang="en-US" b="0" i="1" smtClean="0">
+                              <a:latin typeface="Cambria Math" panose="02040503050406030204" pitchFamily="18" charset="0"/>
+                            </a:rPr>
+                            <m:t>𝑠</m:t>
+                          </m:r>
+                        </m:e>
+                      </m:d>
+                      <m:r>
+                        <a:rPr lang="en-US" b="0" i="1" smtClean="0">
+                          <a:latin typeface="Cambria Math" panose="02040503050406030204" pitchFamily="18" charset="0"/>
+                        </a:rPr>
+                        <m:t>≡</m:t>
+                      </m:r>
+                      <m:r>
+                        <a:rPr lang="en-US" b="0" i="1" smtClean="0">
+                          <a:latin typeface="Cambria Math" panose="02040503050406030204" pitchFamily="18" charset="0"/>
+                        </a:rPr>
+                        <m:t>𝑌</m:t>
+                      </m:r>
+                      <m:d>
+                        <m:dPr>
+                          <m:ctrlPr>
+                            <a:rPr lang="en-US" b="0" i="1" smtClean="0">
+                              <a:latin typeface="Cambria Math" panose="02040503050406030204" pitchFamily="18" charset="0"/>
+                            </a:rPr>
+                          </m:ctrlPr>
+                        </m:dPr>
+                        <m:e>
+                          <m:r>
+                            <a:rPr lang="en-US" b="0" i="1" smtClean="0">
+                              <a:latin typeface="Cambria Math" panose="02040503050406030204" pitchFamily="18" charset="0"/>
+                            </a:rPr>
+                            <m:t>𝑠</m:t>
+                          </m:r>
+                        </m:e>
+                      </m:d>
+                      <m:r>
+                        <a:rPr lang="en-US" b="0" i="1" smtClean="0">
+                          <a:latin typeface="Cambria Math" panose="02040503050406030204" pitchFamily="18" charset="0"/>
+                        </a:rPr>
+                        <m:t>=</m:t>
+                      </m:r>
+                      <m:f>
+                        <m:fPr>
+                          <m:ctrlPr>
+                            <a:rPr lang="en-US" b="0" i="1" smtClean="0">
+                              <a:latin typeface="Cambria Math" panose="02040503050406030204" pitchFamily="18" charset="0"/>
+                            </a:rPr>
+                          </m:ctrlPr>
+                        </m:fPr>
+                        <m:num>
+                          <m:sSub>
+                            <m:sSubPr>
+                              <m:ctrlPr>
+                                <a:rPr lang="en-US" b="0" i="1" smtClean="0">
+                                  <a:latin typeface="Cambria Math" panose="02040503050406030204" pitchFamily="18" charset="0"/>
+                                </a:rPr>
+                              </m:ctrlPr>
+                            </m:sSubPr>
+                            <m:e>
+                              <m:r>
+                                <a:rPr lang="en-US" b="0" i="1" smtClean="0">
+                                  <a:latin typeface="Cambria Math" panose="02040503050406030204" pitchFamily="18" charset="0"/>
+                                </a:rPr>
+                                <m:t>𝑘</m:t>
+                              </m:r>
+                            </m:e>
+                            <m:sub>
+                              <m:r>
+                                <a:rPr lang="en-US" b="0" i="1" smtClean="0">
+                                  <a:latin typeface="Cambria Math" panose="02040503050406030204" pitchFamily="18" charset="0"/>
+                                </a:rPr>
+                                <m:t>𝐹</m:t>
+                              </m:r>
+                            </m:sub>
+                          </m:sSub>
+                          <m:r>
+                            <a:rPr lang="en-US" b="0" i="1" smtClean="0">
+                              <a:latin typeface="Cambria Math" panose="02040503050406030204" pitchFamily="18" charset="0"/>
+                            </a:rPr>
+                            <m:t>𝑈</m:t>
+                          </m:r>
+                          <m:r>
+                            <a:rPr lang="en-US" b="0" i="1" smtClean="0">
+                              <a:latin typeface="Cambria Math" panose="02040503050406030204" pitchFamily="18" charset="0"/>
+                            </a:rPr>
+                            <m:t>(</m:t>
+                          </m:r>
+                          <m:r>
+                            <a:rPr lang="en-US" b="0" i="1" smtClean="0">
+                              <a:latin typeface="Cambria Math" panose="02040503050406030204" pitchFamily="18" charset="0"/>
+                            </a:rPr>
+                            <m:t>𝑠</m:t>
+                          </m:r>
+                          <m:r>
+                            <a:rPr lang="en-US" b="0" i="1" smtClean="0">
+                              <a:latin typeface="Cambria Math" panose="02040503050406030204" pitchFamily="18" charset="0"/>
+                            </a:rPr>
+                            <m:t>)</m:t>
+                          </m:r>
+                        </m:num>
+                        <m:den>
+                          <m:r>
+                            <a:rPr lang="en-US" b="0" i="1" smtClean="0">
+                              <a:latin typeface="Cambria Math" panose="02040503050406030204" pitchFamily="18" charset="0"/>
+                            </a:rPr>
+                            <m:t>𝑠</m:t>
+                          </m:r>
+                          <m:r>
+                            <a:rPr lang="en-US" b="0" i="1" smtClean="0">
+                              <a:latin typeface="Cambria Math" panose="02040503050406030204" pitchFamily="18" charset="0"/>
+                            </a:rPr>
+                            <m:t>+</m:t>
+                          </m:r>
+                          <m:sSub>
+                            <m:sSubPr>
+                              <m:ctrlPr>
+                                <a:rPr lang="en-US" b="0" i="1" smtClean="0">
+                                  <a:latin typeface="Cambria Math" panose="02040503050406030204" pitchFamily="18" charset="0"/>
+                                </a:rPr>
+                              </m:ctrlPr>
+                            </m:sSubPr>
+                            <m:e>
+                              <m:r>
+                                <a:rPr lang="en-US" b="0" i="1" smtClean="0">
+                                  <a:latin typeface="Cambria Math" panose="02040503050406030204" pitchFamily="18" charset="0"/>
+                                </a:rPr>
+                                <m:t>𝑘</m:t>
+                              </m:r>
+                            </m:e>
+                            <m:sub>
+                              <m:r>
+                                <a:rPr lang="en-US" b="0" i="1" smtClean="0">
+                                  <a:latin typeface="Cambria Math" panose="02040503050406030204" pitchFamily="18" charset="0"/>
+                                </a:rPr>
+                                <m:t>𝐹</m:t>
+                              </m:r>
+                            </m:sub>
+                          </m:sSub>
+                        </m:den>
+                      </m:f>
+                    </m:oMath>
+                  </m:oMathPara>
+                </a14:m>
+                <a:endParaRPr lang="en-US" b="0" dirty="0"/>
+              </a:p>
+              <a:p>
+                <a:pPr marL="457200" lvl="1" indent="0">
+                  <a:buNone/>
+                </a:pPr>
+                <a14:m>
+                  <m:oMathPara xmlns:m="http://schemas.openxmlformats.org/officeDocument/2006/math">
+                    <m:oMathParaPr>
+                      <m:jc m:val="centerGroup"/>
+                    </m:oMathParaPr>
+                    <m:oMath xmlns:m="http://schemas.openxmlformats.org/officeDocument/2006/math">
+                      <m:r>
+                        <a:rPr lang="en-US" b="0" i="1" smtClean="0">
+                          <a:latin typeface="Cambria Math" panose="02040503050406030204" pitchFamily="18" charset="0"/>
+                        </a:rPr>
+                        <m:t>𝐺</m:t>
+                      </m:r>
+                      <m:d>
+                        <m:dPr>
+                          <m:ctrlPr>
+                            <a:rPr lang="en-US" b="0" i="1" smtClean="0">
+                              <a:latin typeface="Cambria Math" panose="02040503050406030204" pitchFamily="18" charset="0"/>
+                            </a:rPr>
+                          </m:ctrlPr>
+                        </m:dPr>
+                        <m:e>
+                          <m:r>
+                            <a:rPr lang="en-US" b="0" i="1" smtClean="0">
+                              <a:latin typeface="Cambria Math" panose="02040503050406030204" pitchFamily="18" charset="0"/>
+                            </a:rPr>
+                            <m:t>𝑠</m:t>
+                          </m:r>
+                        </m:e>
+                      </m:d>
+                      <m:r>
+                        <a:rPr lang="en-US" b="0" i="1" smtClean="0">
+                          <a:latin typeface="Cambria Math" panose="02040503050406030204" pitchFamily="18" charset="0"/>
+                        </a:rPr>
+                        <m:t>=</m:t>
+                      </m:r>
+                      <m:f>
+                        <m:fPr>
+                          <m:ctrlPr>
+                            <a:rPr lang="en-US" b="0" i="1" smtClean="0">
+                              <a:latin typeface="Cambria Math" panose="02040503050406030204" pitchFamily="18" charset="0"/>
+                            </a:rPr>
+                          </m:ctrlPr>
+                        </m:fPr>
+                        <m:num>
+                          <m:r>
+                            <a:rPr lang="en-US" b="0" i="1" smtClean="0">
+                              <a:latin typeface="Cambria Math" panose="02040503050406030204" pitchFamily="18" charset="0"/>
+                            </a:rPr>
+                            <m:t>𝑌</m:t>
+                          </m:r>
+                          <m:d>
+                            <m:dPr>
+                              <m:ctrlPr>
+                                <a:rPr lang="en-US" b="0" i="1" smtClean="0">
+                                  <a:latin typeface="Cambria Math" panose="02040503050406030204" pitchFamily="18" charset="0"/>
+                                </a:rPr>
+                              </m:ctrlPr>
+                            </m:dPr>
+                            <m:e>
+                              <m:r>
+                                <a:rPr lang="en-US" b="0" i="1" smtClean="0">
+                                  <a:latin typeface="Cambria Math" panose="02040503050406030204" pitchFamily="18" charset="0"/>
+                                </a:rPr>
+                                <m:t>𝑠</m:t>
+                              </m:r>
+                            </m:e>
+                          </m:d>
+                        </m:num>
+                        <m:den>
+                          <m:r>
+                            <a:rPr lang="en-US" b="0" i="1" smtClean="0">
+                              <a:latin typeface="Cambria Math" panose="02040503050406030204" pitchFamily="18" charset="0"/>
+                            </a:rPr>
+                            <m:t>𝑈</m:t>
+                          </m:r>
+                          <m:r>
+                            <a:rPr lang="en-US" b="0" i="1" smtClean="0">
+                              <a:latin typeface="Cambria Math" panose="02040503050406030204" pitchFamily="18" charset="0"/>
+                            </a:rPr>
+                            <m:t>(</m:t>
+                          </m:r>
+                          <m:r>
+                            <a:rPr lang="en-US" b="0" i="1" smtClean="0">
+                              <a:latin typeface="Cambria Math" panose="02040503050406030204" pitchFamily="18" charset="0"/>
+                            </a:rPr>
+                            <m:t>𝑠</m:t>
+                          </m:r>
+                          <m:r>
+                            <a:rPr lang="en-US" b="0" i="1" smtClean="0">
+                              <a:latin typeface="Cambria Math" panose="02040503050406030204" pitchFamily="18" charset="0"/>
+                            </a:rPr>
+                            <m:t>)</m:t>
+                          </m:r>
+                        </m:den>
+                      </m:f>
+                      <m:r>
+                        <a:rPr lang="en-US" b="0" i="0" smtClean="0">
+                          <a:latin typeface="Cambria Math" panose="02040503050406030204" pitchFamily="18" charset="0"/>
+                        </a:rPr>
+                        <m:t>=</m:t>
+                      </m:r>
+                      <m:f>
+                        <m:fPr>
+                          <m:ctrlPr>
+                            <a:rPr lang="en-US" b="0" i="0" smtClean="0">
+                              <a:latin typeface="Cambria Math" panose="02040503050406030204" pitchFamily="18" charset="0"/>
+                            </a:rPr>
+                          </m:ctrlPr>
+                        </m:fPr>
+                        <m:num>
+                          <m:sSub>
+                            <m:sSubPr>
+                              <m:ctrlPr>
+                                <a:rPr lang="en-US" b="0" i="0" smtClean="0">
+                                  <a:latin typeface="Cambria Math" panose="02040503050406030204" pitchFamily="18" charset="0"/>
+                                </a:rPr>
+                              </m:ctrlPr>
+                            </m:sSubPr>
+                            <m:e>
+                              <m:r>
+                                <m:rPr>
+                                  <m:sty m:val="p"/>
+                                </m:rPr>
+                                <a:rPr lang="en-US" b="0" i="0" smtClean="0">
+                                  <a:latin typeface="Cambria Math" panose="02040503050406030204" pitchFamily="18" charset="0"/>
+                                </a:rPr>
+                                <m:t>k</m:t>
+                              </m:r>
+                            </m:e>
+                            <m:sub>
+                              <m:r>
+                                <m:rPr>
+                                  <m:sty m:val="p"/>
+                                </m:rPr>
+                                <a:rPr lang="en-US" b="0" i="0" smtClean="0">
+                                  <a:latin typeface="Cambria Math" panose="02040503050406030204" pitchFamily="18" charset="0"/>
+                                </a:rPr>
+                                <m:t>F</m:t>
+                              </m:r>
+                            </m:sub>
+                          </m:sSub>
+                        </m:num>
+                        <m:den>
+                          <m:r>
+                            <a:rPr lang="en-US" b="0" i="1" smtClean="0">
+                              <a:latin typeface="Cambria Math" panose="02040503050406030204" pitchFamily="18" charset="0"/>
+                            </a:rPr>
+                            <m:t>𝑠</m:t>
+                          </m:r>
+                          <m:r>
+                            <a:rPr lang="en-US" b="0" i="1" smtClean="0">
+                              <a:latin typeface="Cambria Math" panose="02040503050406030204" pitchFamily="18" charset="0"/>
+                            </a:rPr>
+                            <m:t>+</m:t>
+                          </m:r>
+                          <m:sSub>
+                            <m:sSubPr>
+                              <m:ctrlPr>
+                                <a:rPr lang="en-US" b="0" i="1" smtClean="0">
+                                  <a:latin typeface="Cambria Math" panose="02040503050406030204" pitchFamily="18" charset="0"/>
+                                </a:rPr>
+                              </m:ctrlPr>
+                            </m:sSubPr>
+                            <m:e>
+                              <m:r>
+                                <a:rPr lang="en-US" b="0" i="1" smtClean="0">
+                                  <a:latin typeface="Cambria Math" panose="02040503050406030204" pitchFamily="18" charset="0"/>
+                                </a:rPr>
+                                <m:t>𝑘</m:t>
+                              </m:r>
+                            </m:e>
+                            <m:sub>
+                              <m:r>
+                                <a:rPr lang="en-US" b="0" i="1" smtClean="0">
+                                  <a:latin typeface="Cambria Math" panose="02040503050406030204" pitchFamily="18" charset="0"/>
+                                </a:rPr>
+                                <m:t>𝐹</m:t>
+                              </m:r>
+                            </m:sub>
+                          </m:sSub>
+                        </m:den>
+                      </m:f>
+                    </m:oMath>
+                  </m:oMathPara>
+                </a14:m>
+                <a:endParaRPr lang="en-US" b="0" dirty="0"/>
+              </a:p>
+              <a:p>
+                <a:pPr marL="457200" lvl="1" indent="0">
+                  <a:buNone/>
+                </a:pPr>
+                <a:endParaRPr lang="en-US" dirty="0"/>
+              </a:p>
+            </p:txBody>
+          </p:sp>
+        </mc:Choice>
+        <mc:Fallback>
+          <p:sp>
+            <p:nvSpPr>
+              <p:cNvPr id="3" name="Content Placeholder 2">
+                <a:extLst>
+                  <a:ext uri="{FF2B5EF4-FFF2-40B4-BE49-F238E27FC236}">
+                    <a16:creationId xmlns:a16="http://schemas.microsoft.com/office/drawing/2014/main" id="{73479825-7954-1ECC-8E11-73D2E55C5BE3}"/>
+                  </a:ext>
+                </a:extLst>
+              </p:cNvPr>
+              <p:cNvSpPr>
+                <a:spLocks noGrp="1" noRot="1" noChangeAspect="1" noMove="1" noResize="1" noEditPoints="1" noAdjustHandles="1" noChangeArrowheads="1" noChangeShapeType="1" noTextEdit="1"/>
+              </p:cNvSpPr>
+              <p:nvPr>
+                <p:ph idx="1"/>
+              </p:nvPr>
+            </p:nvSpPr>
+            <p:spPr>
+              <a:blipFill>
+                <a:blip r:embed="rId3"/>
+                <a:stretch>
+                  <a:fillRect l="-1389" t="-1662" b="-4986"/>
+                </a:stretch>
+              </a:blipFill>
+            </p:spPr>
+            <p:txBody>
+              <a:bodyPr/>
+              <a:lstStyle/>
+              <a:p>
+                <a:r>
+                  <a:rPr lang="en-US">
+                    <a:noFill/>
+                  </a:rPr>
+                  <a:t> </a:t>
+                </a:r>
+              </a:p>
+            </p:txBody>
+          </p:sp>
+        </mc:Fallback>
+      </mc:AlternateContent>
       <p:sp>
         <p:nvSpPr>
           <p:cNvPr id="4" name="Slide Number Placeholder 3">
@@ -16718,6 +18233,263 @@
   <p:clrMapOvr>
     <a:masterClrMapping/>
   </p:clrMapOvr>
+  <p:timing>
+    <p:tnLst>
+      <p:par>
+        <p:cTn id="1" dur="indefinite" restart="never" nodeType="tmRoot">
+          <p:childTnLst>
+            <p:seq concurrent="1" nextAc="seek">
+              <p:cTn id="2" dur="indefinite" nodeType="mainSeq">
+                <p:childTnLst>
+                  <p:par>
+                    <p:cTn id="3" fill="hold">
+                      <p:stCondLst>
+                        <p:cond delay="indefinite"/>
+                      </p:stCondLst>
+                      <p:childTnLst>
+                        <p:par>
+                          <p:cTn id="4" fill="hold">
+                            <p:stCondLst>
+                              <p:cond delay="0"/>
+                            </p:stCondLst>
+                            <p:childTnLst>
+                              <p:par>
+                                <p:cTn id="5" presetID="1" presetClass="entr" presetSubtype="0" fill="hold" nodeType="clickEffect">
+                                  <p:stCondLst>
+                                    <p:cond delay="0"/>
+                                  </p:stCondLst>
+                                  <p:childTnLst>
+                                    <p:set>
+                                      <p:cBhvr>
+                                        <p:cTn id="6" dur="1" fill="hold">
+                                          <p:stCondLst>
+                                            <p:cond delay="0"/>
+                                          </p:stCondLst>
+                                        </p:cTn>
+                                        <p:tgtEl>
+                                          <p:spTgt spid="3">
+                                            <p:txEl>
+                                              <p:pRg st="2" end="2"/>
+                                            </p:txEl>
+                                          </p:spTgt>
+                                        </p:tgtEl>
+                                        <p:attrNameLst>
+                                          <p:attrName>style.visibility</p:attrName>
+                                        </p:attrNameLst>
+                                      </p:cBhvr>
+                                      <p:to>
+                                        <p:strVal val="visible"/>
+                                      </p:to>
+                                    </p:set>
+                                  </p:childTnLst>
+                                </p:cTn>
+                              </p:par>
+                              <p:par>
+                                <p:cTn id="7" presetID="1" presetClass="entr" presetSubtype="0" fill="hold" nodeType="withEffect">
+                                  <p:stCondLst>
+                                    <p:cond delay="0"/>
+                                  </p:stCondLst>
+                                  <p:childTnLst>
+                                    <p:set>
+                                      <p:cBhvr>
+                                        <p:cTn id="8" dur="1" fill="hold">
+                                          <p:stCondLst>
+                                            <p:cond delay="0"/>
+                                          </p:stCondLst>
+                                        </p:cTn>
+                                        <p:tgtEl>
+                                          <p:spTgt spid="3">
+                                            <p:txEl>
+                                              <p:pRg st="3" end="3"/>
+                                            </p:txEl>
+                                          </p:spTgt>
+                                        </p:tgtEl>
+                                        <p:attrNameLst>
+                                          <p:attrName>style.visibility</p:attrName>
+                                        </p:attrNameLst>
+                                      </p:cBhvr>
+                                      <p:to>
+                                        <p:strVal val="visible"/>
+                                      </p:to>
+                                    </p:set>
+                                  </p:childTnLst>
+                                </p:cTn>
+                              </p:par>
+                            </p:childTnLst>
+                          </p:cTn>
+                        </p:par>
+                      </p:childTnLst>
+                    </p:cTn>
+                  </p:par>
+                  <p:par>
+                    <p:cTn id="9" fill="hold">
+                      <p:stCondLst>
+                        <p:cond delay="indefinite"/>
+                      </p:stCondLst>
+                      <p:childTnLst>
+                        <p:par>
+                          <p:cTn id="10" fill="hold">
+                            <p:stCondLst>
+                              <p:cond delay="0"/>
+                            </p:stCondLst>
+                            <p:childTnLst>
+                              <p:par>
+                                <p:cTn id="11" presetID="1" presetClass="entr" presetSubtype="0" fill="hold" nodeType="clickEffect">
+                                  <p:stCondLst>
+                                    <p:cond delay="0"/>
+                                  </p:stCondLst>
+                                  <p:childTnLst>
+                                    <p:set>
+                                      <p:cBhvr>
+                                        <p:cTn id="12" dur="1" fill="hold">
+                                          <p:stCondLst>
+                                            <p:cond delay="0"/>
+                                          </p:stCondLst>
+                                        </p:cTn>
+                                        <p:tgtEl>
+                                          <p:spTgt spid="3">
+                                            <p:txEl>
+                                              <p:pRg st="4" end="4"/>
+                                            </p:txEl>
+                                          </p:spTgt>
+                                        </p:tgtEl>
+                                        <p:attrNameLst>
+                                          <p:attrName>style.visibility</p:attrName>
+                                        </p:attrNameLst>
+                                      </p:cBhvr>
+                                      <p:to>
+                                        <p:strVal val="visible"/>
+                                      </p:to>
+                                    </p:set>
+                                  </p:childTnLst>
+                                </p:cTn>
+                              </p:par>
+                            </p:childTnLst>
+                          </p:cTn>
+                        </p:par>
+                      </p:childTnLst>
+                    </p:cTn>
+                  </p:par>
+                  <p:par>
+                    <p:cTn id="13" fill="hold">
+                      <p:stCondLst>
+                        <p:cond delay="indefinite"/>
+                      </p:stCondLst>
+                      <p:childTnLst>
+                        <p:par>
+                          <p:cTn id="14" fill="hold">
+                            <p:stCondLst>
+                              <p:cond delay="0"/>
+                            </p:stCondLst>
+                            <p:childTnLst>
+                              <p:par>
+                                <p:cTn id="15" presetID="1" presetClass="entr" presetSubtype="0" fill="hold" nodeType="clickEffect">
+                                  <p:stCondLst>
+                                    <p:cond delay="0"/>
+                                  </p:stCondLst>
+                                  <p:childTnLst>
+                                    <p:set>
+                                      <p:cBhvr>
+                                        <p:cTn id="16" dur="1" fill="hold">
+                                          <p:stCondLst>
+                                            <p:cond delay="0"/>
+                                          </p:stCondLst>
+                                        </p:cTn>
+                                        <p:tgtEl>
+                                          <p:spTgt spid="3">
+                                            <p:txEl>
+                                              <p:pRg st="5" end="5"/>
+                                            </p:txEl>
+                                          </p:spTgt>
+                                        </p:tgtEl>
+                                        <p:attrNameLst>
+                                          <p:attrName>style.visibility</p:attrName>
+                                        </p:attrNameLst>
+                                      </p:cBhvr>
+                                      <p:to>
+                                        <p:strVal val="visible"/>
+                                      </p:to>
+                                    </p:set>
+                                  </p:childTnLst>
+                                </p:cTn>
+                              </p:par>
+                            </p:childTnLst>
+                          </p:cTn>
+                        </p:par>
+                      </p:childTnLst>
+                    </p:cTn>
+                  </p:par>
+                  <p:par>
+                    <p:cTn id="17" fill="hold">
+                      <p:stCondLst>
+                        <p:cond delay="indefinite"/>
+                      </p:stCondLst>
+                      <p:childTnLst>
+                        <p:par>
+                          <p:cTn id="18" fill="hold">
+                            <p:stCondLst>
+                              <p:cond delay="0"/>
+                            </p:stCondLst>
+                            <p:childTnLst>
+                              <p:par>
+                                <p:cTn id="19" presetID="1" presetClass="entr" presetSubtype="0" fill="hold" nodeType="clickEffect">
+                                  <p:stCondLst>
+                                    <p:cond delay="0"/>
+                                  </p:stCondLst>
+                                  <p:childTnLst>
+                                    <p:set>
+                                      <p:cBhvr>
+                                        <p:cTn id="20" dur="1" fill="hold">
+                                          <p:stCondLst>
+                                            <p:cond delay="0"/>
+                                          </p:stCondLst>
+                                        </p:cTn>
+                                        <p:tgtEl>
+                                          <p:spTgt spid="3">
+                                            <p:txEl>
+                                              <p:pRg st="6" end="6"/>
+                                            </p:txEl>
+                                          </p:spTgt>
+                                        </p:tgtEl>
+                                        <p:attrNameLst>
+                                          <p:attrName>style.visibility</p:attrName>
+                                        </p:attrNameLst>
+                                      </p:cBhvr>
+                                      <p:to>
+                                        <p:strVal val="visible"/>
+                                      </p:to>
+                                    </p:set>
+                                  </p:childTnLst>
+                                </p:cTn>
+                              </p:par>
+                            </p:childTnLst>
+                          </p:cTn>
+                        </p:par>
+                      </p:childTnLst>
+                    </p:cTn>
+                  </p:par>
+                </p:childTnLst>
+              </p:cTn>
+              <p:prevCondLst>
+                <p:cond evt="onPrev" delay="0">
+                  <p:tgtEl>
+                    <p:sldTgt/>
+                  </p:tgtEl>
+                </p:cond>
+              </p:prevCondLst>
+              <p:nextCondLst>
+                <p:cond evt="onNext" delay="0">
+                  <p:tgtEl>
+                    <p:sldTgt/>
+                  </p:tgtEl>
+                </p:cond>
+              </p:nextCondLst>
+            </p:seq>
+          </p:childTnLst>
+        </p:cTn>
+      </p:par>
+    </p:tnLst>
+  </p:timing>
 </p:sld>
 </file>
 
@@ -16761,7 +18533,7 @@
           <a:p>
             <a:r>
               <a:rPr lang="en-US" dirty="0"/>
-              <a:t>Summary</a:t>
+              <a:t>What You Need to Know</a:t>
             </a:r>
           </a:p>
         </p:txBody>
@@ -16789,29 +18561,46 @@
           <a:p>
             <a:r>
               <a:rPr lang="en-US" dirty="0"/>
-              <a:t>Calculating Laplace Transforms.</a:t>
+              <a:t>Definition of Laplace Transform.</a:t>
             </a:r>
           </a:p>
           <a:p>
             <a:r>
               <a:rPr lang="en-US" dirty="0"/>
-              <a:t>Poles determine the system dynamics: stability, oscillation.</a:t>
+              <a:t>Calculating Laplace Transforms.</a:t>
+            </a:r>
+          </a:p>
+          <a:p>
+            <a:pPr lvl="1"/>
+            <a:r>
+              <a:rPr lang="en-US" dirty="0"/>
+              <a:t>LT of signals (S1-S4)</a:t>
+            </a:r>
+          </a:p>
+          <a:p>
+            <a:pPr lvl="1"/>
+            <a:r>
+              <a:rPr lang="en-US" dirty="0"/>
+              <a:t>Properties of LTs (P1-P5)</a:t>
             </a:r>
           </a:p>
           <a:p>
             <a:r>
               <a:rPr lang="en-US" dirty="0"/>
-              <a:t>The Laplace transform for a system is called a transfer function.</a:t>
+              <a:t>LT poles determine stability, oscillation.</a:t>
             </a:r>
           </a:p>
           <a:p>
             <a:r>
               <a:rPr lang="en-US" dirty="0"/>
-              <a:t>DC gain</a:t>
+              <a:t>Definition of Transfer Function.</a:t>
             </a:r>
           </a:p>
           <a:p>
-            <a:endParaRPr lang="en-US" dirty="0"/>
+            <a:r>
+              <a:rPr lang="en-US" dirty="0"/>
+              <a:t>Calculating DC gain from transfer functions.</a:t>
+            </a:r>
           </a:p>
         </p:txBody>
       </p:sp>
@@ -17220,7 +19009,7 @@
                 </a:r>
                 <a:r>
                   <a:rPr lang="en-US" sz="2000" dirty="0"/>
-                  <a:t>table</a:t>
+                  <a:t>table?</a:t>
                 </a:r>
               </a:p>
               <a:p>
@@ -17231,7 +19020,7 @@
                 </a:r>
                 <a:r>
                   <a:rPr lang="en-US" sz="2000" dirty="0"/>
-                  <a:t>scillates</a:t>
+                  <a:t>scillates?</a:t>
                 </a:r>
               </a:p>
               <a:p>
@@ -18391,7 +20180,7 @@
               <a:p>
                 <a:r>
                   <a:rPr lang="en-US" sz="2000" dirty="0"/>
-                  <a:t>Solving the equation</a:t>
+                  <a:t>Solving the differential equation</a:t>
                 </a:r>
               </a:p>
               <a:p>
@@ -20089,8 +21878,8 @@
           </a:p>
         </p:txBody>
       </p:sp>
-      <mc:AlternateContent xmlns:mc="http://schemas.openxmlformats.org/markup-compatibility/2006">
-        <mc:Choice xmlns:a14="http://schemas.microsoft.com/office/drawing/2010/main" Requires="a14">
+      <mc:AlternateContent xmlns:mc="http://schemas.openxmlformats.org/markup-compatibility/2006" xmlns:a14="http://schemas.microsoft.com/office/drawing/2010/main">
+        <mc:Choice Requires="a14">
           <p:sp>
             <p:nvSpPr>
               <p:cNvPr id="8" name="TextBox 7">
@@ -20617,7 +22406,7 @@
                     <m:d>
                       <m:dPr>
                         <m:ctrlPr>
-                          <a:rPr lang="en-US" b="0" i="0" smtClean="0">
+                          <a:rPr lang="en-US" b="0" i="1" smtClean="0">
                             <a:latin typeface="Cambria Math" panose="02040503050406030204" pitchFamily="18" charset="0"/>
                           </a:rPr>
                         </m:ctrlPr>
@@ -20695,7 +22484,7 @@
             </p:txBody>
           </p:sp>
         </mc:Choice>
-        <mc:Fallback>
+        <mc:Fallback xmlns="">
           <p:sp>
             <p:nvSpPr>
               <p:cNvPr id="8" name="TextBox 7">
@@ -20740,8 +22529,8 @@
           </p:sp>
         </mc:Fallback>
       </mc:AlternateContent>
-      <mc:AlternateContent xmlns:mc="http://schemas.openxmlformats.org/markup-compatibility/2006">
-        <mc:Choice xmlns:a14="http://schemas.microsoft.com/office/drawing/2010/main" Requires="a14">
+      <mc:AlternateContent xmlns:mc="http://schemas.openxmlformats.org/markup-compatibility/2006" xmlns:a14="http://schemas.microsoft.com/office/drawing/2010/main">
+        <mc:Choice Requires="a14">
           <p:sp>
             <p:nvSpPr>
               <p:cNvPr id="6" name="TextBox 5">
@@ -20840,7 +22629,7 @@
             </p:txBody>
           </p:sp>
         </mc:Choice>
-        <mc:Fallback>
+        <mc:Fallback xmlns="">
           <p:sp>
             <p:nvSpPr>
               <p:cNvPr id="6" name="TextBox 5">
@@ -20885,8 +22674,8 @@
           </p:sp>
         </mc:Fallback>
       </mc:AlternateContent>
-      <mc:AlternateContent xmlns:mc="http://schemas.openxmlformats.org/markup-compatibility/2006">
-        <mc:Choice xmlns:a14="http://schemas.microsoft.com/office/drawing/2010/main" Requires="a14">
+      <mc:AlternateContent xmlns:mc="http://schemas.openxmlformats.org/markup-compatibility/2006" xmlns:a14="http://schemas.microsoft.com/office/drawing/2010/main">
+        <mc:Choice Requires="a14">
           <p:sp>
             <p:nvSpPr>
               <p:cNvPr id="9" name="Rectangle 8">
@@ -20977,7 +22766,7 @@
             </p:txBody>
           </p:sp>
         </mc:Choice>
-        <mc:Fallback>
+        <mc:Fallback xmlns="">
           <p:sp>
             <p:nvSpPr>
               <p:cNvPr id="9" name="Rectangle 8">
@@ -21195,8 +22984,8 @@
               </p:txBody>
             </p:sp>
           </p:grpSp>
-          <mc:AlternateContent xmlns:mc="http://schemas.openxmlformats.org/markup-compatibility/2006">
-            <mc:Choice xmlns:a14="http://schemas.microsoft.com/office/drawing/2010/main" Requires="a14">
+          <mc:AlternateContent xmlns:mc="http://schemas.openxmlformats.org/markup-compatibility/2006" xmlns:a14="http://schemas.microsoft.com/office/drawing/2010/main">
+            <mc:Choice Requires="a14">
               <p:sp>
                 <p:nvSpPr>
                   <p:cNvPr id="11" name="Rectangle 10">
@@ -21287,7 +23076,7 @@
                 </p:txBody>
               </p:sp>
             </mc:Choice>
-            <mc:Fallback>
+            <mc:Fallback xmlns="">
               <p:sp>
                 <p:nvSpPr>
                   <p:cNvPr id="11" name="Rectangle 10">
@@ -21340,8 +23129,8 @@
               </p:sp>
             </mc:Fallback>
           </mc:AlternateContent>
-          <mc:AlternateContent xmlns:mc="http://schemas.openxmlformats.org/markup-compatibility/2006">
-            <mc:Choice xmlns:a14="http://schemas.microsoft.com/office/drawing/2010/main" Requires="a14">
+          <mc:AlternateContent xmlns:mc="http://schemas.openxmlformats.org/markup-compatibility/2006" xmlns:a14="http://schemas.microsoft.com/office/drawing/2010/main">
+            <mc:Choice Requires="a14">
               <p:sp>
                 <p:nvSpPr>
                   <p:cNvPr id="12" name="Rectangle 11">
@@ -21432,7 +23221,7 @@
                 </p:txBody>
               </p:sp>
             </mc:Choice>
-            <mc:Fallback>
+            <mc:Fallback xmlns="">
               <p:sp>
                 <p:nvSpPr>
                   <p:cNvPr id="12" name="Rectangle 11">
@@ -21485,8 +23274,8 @@
               </p:sp>
             </mc:Fallback>
           </mc:AlternateContent>
-          <mc:AlternateContent xmlns:mc="http://schemas.openxmlformats.org/markup-compatibility/2006">
-            <mc:Choice xmlns:a14="http://schemas.microsoft.com/office/drawing/2010/main" Requires="a14">
+          <mc:AlternateContent xmlns:mc="http://schemas.openxmlformats.org/markup-compatibility/2006" xmlns:a14="http://schemas.microsoft.com/office/drawing/2010/main">
+            <mc:Choice Requires="a14">
               <p:sp>
                 <p:nvSpPr>
                   <p:cNvPr id="13" name="Rectangle 12">
@@ -21577,7 +23366,7 @@
                 </p:txBody>
               </p:sp>
             </mc:Choice>
-            <mc:Fallback>
+            <mc:Fallback xmlns="">
               <p:sp>
                 <p:nvSpPr>
                   <p:cNvPr id="13" name="Rectangle 12">
@@ -21630,8 +23419,8 @@
               </p:sp>
             </mc:Fallback>
           </mc:AlternateContent>
-          <mc:AlternateContent xmlns:mc="http://schemas.openxmlformats.org/markup-compatibility/2006">
-            <mc:Choice xmlns:a14="http://schemas.microsoft.com/office/drawing/2010/main" Requires="a14">
+          <mc:AlternateContent xmlns:mc="http://schemas.openxmlformats.org/markup-compatibility/2006" xmlns:a14="http://schemas.microsoft.com/office/drawing/2010/main">
+            <mc:Choice Requires="a14">
               <p:sp>
                 <p:nvSpPr>
                   <p:cNvPr id="16" name="TextBox 15">
@@ -21660,6 +23449,7 @@
                   </a:bodyPr>
                   <a:lstStyle/>
                   <a:p>
+                    <a:pPr/>
                     <a14:m>
                       <m:oMathPara xmlns:m="http://schemas.openxmlformats.org/officeDocument/2006/math">
                         <m:oMathParaPr>
@@ -21822,7 +23612,7 @@
                 </p:txBody>
               </p:sp>
             </mc:Choice>
-            <mc:Fallback>
+            <mc:Fallback xmlns="">
               <p:sp>
                 <p:nvSpPr>
                   <p:cNvPr id="16" name="TextBox 15">
@@ -21867,8 +23657,8 @@
               </p:sp>
             </mc:Fallback>
           </mc:AlternateContent>
-          <mc:AlternateContent xmlns:mc="http://schemas.openxmlformats.org/markup-compatibility/2006">
-            <mc:Choice xmlns:a14="http://schemas.microsoft.com/office/drawing/2010/main" Requires="a14">
+          <mc:AlternateContent xmlns:mc="http://schemas.openxmlformats.org/markup-compatibility/2006" xmlns:a14="http://schemas.microsoft.com/office/drawing/2010/main">
+            <mc:Choice Requires="a14">
               <p:sp>
                 <p:nvSpPr>
                   <p:cNvPr id="18" name="TextBox 17">
@@ -21899,6 +23689,7 @@
                   </a:bodyPr>
                   <a:lstStyle/>
                   <a:p>
+                    <a:pPr/>
                     <a14:m>
                       <m:oMathPara xmlns:m="http://schemas.openxmlformats.org/officeDocument/2006/math">
                         <m:oMathParaPr>
@@ -21938,7 +23729,7 @@
                 </p:txBody>
               </p:sp>
             </mc:Choice>
-            <mc:Fallback>
+            <mc:Fallback xmlns="">
               <p:sp>
                 <p:nvSpPr>
                   <p:cNvPr id="18" name="TextBox 17">
@@ -21983,8 +23774,8 @@
               </p:sp>
             </mc:Fallback>
           </mc:AlternateContent>
-          <mc:AlternateContent xmlns:mc="http://schemas.openxmlformats.org/markup-compatibility/2006">
-            <mc:Choice xmlns:a14="http://schemas.microsoft.com/office/drawing/2010/main" Requires="a14">
+          <mc:AlternateContent xmlns:mc="http://schemas.openxmlformats.org/markup-compatibility/2006" xmlns:a14="http://schemas.microsoft.com/office/drawing/2010/main">
+            <mc:Choice Requires="a14">
               <p:sp>
                 <p:nvSpPr>
                   <p:cNvPr id="19" name="TextBox 18">
@@ -22015,6 +23806,7 @@
                   </a:bodyPr>
                   <a:lstStyle/>
                   <a:p>
+                    <a:pPr/>
                     <a14:m>
                       <m:oMathPara xmlns:m="http://schemas.openxmlformats.org/officeDocument/2006/math">
                         <m:oMathParaPr>
@@ -22054,7 +23846,7 @@
                 </p:txBody>
               </p:sp>
             </mc:Choice>
-            <mc:Fallback>
+            <mc:Fallback xmlns="">
               <p:sp>
                 <p:nvSpPr>
                   <p:cNvPr id="19" name="TextBox 18">
@@ -22099,8 +23891,8 @@
               </p:sp>
             </mc:Fallback>
           </mc:AlternateContent>
-          <mc:AlternateContent xmlns:mc="http://schemas.openxmlformats.org/markup-compatibility/2006">
-            <mc:Choice xmlns:a14="http://schemas.microsoft.com/office/drawing/2010/main" Requires="a14">
+          <mc:AlternateContent xmlns:mc="http://schemas.openxmlformats.org/markup-compatibility/2006" xmlns:a14="http://schemas.microsoft.com/office/drawing/2010/main">
+            <mc:Choice Requires="a14">
               <p:sp>
                 <p:nvSpPr>
                   <p:cNvPr id="20" name="Rectangle 19">
@@ -22191,7 +23983,7 @@
                 </p:txBody>
               </p:sp>
             </mc:Choice>
-            <mc:Fallback>
+            <mc:Fallback xmlns="">
               <p:sp>
                 <p:nvSpPr>
                   <p:cNvPr id="20" name="Rectangle 19">
@@ -22244,8 +24036,8 @@
               </p:sp>
             </mc:Fallback>
           </mc:AlternateContent>
-          <mc:AlternateContent xmlns:mc="http://schemas.openxmlformats.org/markup-compatibility/2006">
-            <mc:Choice xmlns:a14="http://schemas.microsoft.com/office/drawing/2010/main" Requires="a14">
+          <mc:AlternateContent xmlns:mc="http://schemas.openxmlformats.org/markup-compatibility/2006" xmlns:a14="http://schemas.microsoft.com/office/drawing/2010/main">
+            <mc:Choice Requires="a14">
               <p:sp>
                 <p:nvSpPr>
                   <p:cNvPr id="21" name="TextBox 20">
@@ -22276,6 +24068,7 @@
                   </a:bodyPr>
                   <a:lstStyle/>
                   <a:p>
+                    <a:pPr/>
                     <a14:m>
                       <m:oMathPara xmlns:m="http://schemas.openxmlformats.org/officeDocument/2006/math">
                         <m:oMathParaPr>
@@ -22336,7 +24129,7 @@
                 </p:txBody>
               </p:sp>
             </mc:Choice>
-            <mc:Fallback>
+            <mc:Fallback xmlns="">
               <p:sp>
                 <p:nvSpPr>
                   <p:cNvPr id="21" name="TextBox 20">
@@ -22425,8 +24218,8 @@
               </a:fontRef>
             </p:style>
           </p:cxnSp>
-          <mc:AlternateContent xmlns:mc="http://schemas.openxmlformats.org/markup-compatibility/2006">
-            <mc:Choice xmlns:a14="http://schemas.microsoft.com/office/drawing/2010/main" Requires="a14">
+          <mc:AlternateContent xmlns:mc="http://schemas.openxmlformats.org/markup-compatibility/2006" xmlns:a14="http://schemas.microsoft.com/office/drawing/2010/main">
+            <mc:Choice Requires="a14">
               <p:sp>
                 <p:nvSpPr>
                   <p:cNvPr id="24" name="Rectangle 23">
@@ -22517,7 +24310,7 @@
                 </p:txBody>
               </p:sp>
             </mc:Choice>
-            <mc:Fallback>
+            <mc:Fallback xmlns="">
               <p:sp>
                 <p:nvSpPr>
                   <p:cNvPr id="24" name="Rectangle 23">
@@ -22614,8 +24407,8 @@
               </a:fontRef>
             </p:style>
           </p:cxnSp>
-          <mc:AlternateContent xmlns:mc="http://schemas.openxmlformats.org/markup-compatibility/2006">
-            <mc:Choice xmlns:a14="http://schemas.microsoft.com/office/drawing/2010/main" Requires="a14">
+          <mc:AlternateContent xmlns:mc="http://schemas.openxmlformats.org/markup-compatibility/2006" xmlns:a14="http://schemas.microsoft.com/office/drawing/2010/main">
+            <mc:Choice Requires="a14">
               <p:sp>
                 <p:nvSpPr>
                   <p:cNvPr id="28" name="TextBox 27">
@@ -22758,7 +24551,7 @@
                 </p:txBody>
               </p:sp>
             </mc:Choice>
-            <mc:Fallback>
+            <mc:Fallback xmlns="">
               <p:sp>
                 <p:nvSpPr>
                   <p:cNvPr id="28" name="TextBox 27">
@@ -22804,8 +24597,8 @@
             </mc:Fallback>
           </mc:AlternateContent>
         </p:grpSp>
-        <mc:AlternateContent xmlns:mc="http://schemas.openxmlformats.org/markup-compatibility/2006">
-          <mc:Choice xmlns:a14="http://schemas.microsoft.com/office/drawing/2010/main" Requires="a14">
+        <mc:AlternateContent xmlns:mc="http://schemas.openxmlformats.org/markup-compatibility/2006" xmlns:a14="http://schemas.microsoft.com/office/drawing/2010/main">
+          <mc:Choice Requires="a14">
             <p:sp>
               <p:nvSpPr>
                 <p:cNvPr id="30" name="Rectangle 29">
@@ -22896,7 +24689,7 @@
               </p:txBody>
             </p:sp>
           </mc:Choice>
-          <mc:Fallback>
+          <mc:Fallback xmlns="">
             <p:sp>
               <p:nvSpPr>
                 <p:cNvPr id="30" name="Rectangle 29">
@@ -23136,8 +24929,8 @@
           </a:p>
         </p:txBody>
       </p:sp>
-      <mc:AlternateContent xmlns:mc="http://schemas.openxmlformats.org/markup-compatibility/2006">
-        <mc:Choice xmlns:a14="http://schemas.microsoft.com/office/drawing/2010/main" Requires="a14">
+      <mc:AlternateContent xmlns:mc="http://schemas.openxmlformats.org/markup-compatibility/2006" xmlns:a14="http://schemas.microsoft.com/office/drawing/2010/main">
+        <mc:Choice Requires="a14">
           <p:sp>
             <p:nvSpPr>
               <p:cNvPr id="3" name="Content Placeholder 2">
@@ -23303,7 +25096,7 @@
             </p:txBody>
           </p:sp>
         </mc:Choice>
-        <mc:Fallback>
+        <mc:Fallback xmlns="">
           <p:sp>
             <p:nvSpPr>
               <p:cNvPr id="3" name="Content Placeholder 2">
@@ -24285,8 +26078,8 @@
           </a:p>
         </p:txBody>
       </p:sp>
-      <mc:AlternateContent xmlns:mc="http://schemas.openxmlformats.org/markup-compatibility/2006">
-        <mc:Choice xmlns:a14="http://schemas.microsoft.com/office/drawing/2010/main" Requires="a14">
+      <mc:AlternateContent xmlns:mc="http://schemas.openxmlformats.org/markup-compatibility/2006" xmlns:a14="http://schemas.microsoft.com/office/drawing/2010/main">
+        <mc:Choice Requires="a14">
           <p:sp>
             <p:nvSpPr>
               <p:cNvPr id="3" name="Content Placeholder 2">
@@ -24899,7 +26692,7 @@
             </p:txBody>
           </p:sp>
         </mc:Choice>
-        <mc:Fallback>
+        <mc:Fallback xmlns="">
           <p:sp>
             <p:nvSpPr>
               <p:cNvPr id="3" name="Content Placeholder 2">
@@ -25277,8 +27070,8 @@
             </a:p>
           </p:txBody>
         </p:sp>
-        <mc:AlternateContent xmlns:mc="http://schemas.openxmlformats.org/markup-compatibility/2006">
-          <mc:Choice xmlns:a14="http://schemas.microsoft.com/office/drawing/2010/main" Requires="a14">
+        <mc:AlternateContent xmlns:mc="http://schemas.openxmlformats.org/markup-compatibility/2006" xmlns:a14="http://schemas.microsoft.com/office/drawing/2010/main">
+          <mc:Choice Requires="a14">
             <p:sp>
               <p:nvSpPr>
                 <p:cNvPr id="15" name="TextBox 14">
@@ -25353,7 +27146,7 @@
               </p:txBody>
             </p:sp>
           </mc:Choice>
-          <mc:Fallback>
+          <mc:Fallback xmlns="">
             <p:sp>
               <p:nvSpPr>
                 <p:cNvPr id="15" name="TextBox 14">
@@ -25965,6 +27758,7 @@
               <a:rPr lang="en-US" dirty="0"/>
               <a:t>Poles Tell Us About Stability and Oscillations</a:t>
             </a:r>
+            <a:endParaRPr lang="en-US" i="1" u="sng" dirty="0"/>
           </a:p>
         </p:txBody>
       </p:sp>
@@ -25988,7 +27782,7 @@
             </p:nvSpPr>
             <p:spPr>
               <a:xfrm>
-                <a:off x="265176" y="1285856"/>
+                <a:off x="265176" y="1818291"/>
                 <a:ext cx="8558784" cy="661387"/>
               </a:xfrm>
             </p:spPr>
@@ -26107,13 +27901,13 @@
             </p:nvSpPr>
             <p:spPr>
               <a:xfrm>
-                <a:off x="265176" y="1285856"/>
+                <a:off x="265176" y="1818291"/>
                 <a:ext cx="8558784" cy="661387"/>
               </a:xfrm>
               <a:blipFill>
                 <a:blip r:embed="rId2"/>
                 <a:stretch>
-                  <a:fillRect l="-1481" t="-9434" b="-3774"/>
+                  <a:fillRect l="-1481" t="-9434" b="-1887"/>
                 </a:stretch>
               </a:blipFill>
             </p:spPr>
@@ -26189,7 +27983,7 @@
         </p:blipFill>
         <p:spPr>
           <a:xfrm>
-            <a:off x="4311650" y="3251200"/>
+            <a:off x="4311650" y="3783635"/>
             <a:ext cx="520700" cy="355600"/>
           </a:xfrm>
           <a:prstGeom prst="rect">
@@ -26197,8 +27991,8 @@
           </a:prstGeom>
         </p:spPr>
       </p:pic>
-      <mc:AlternateContent xmlns:mc="http://schemas.openxmlformats.org/markup-compatibility/2006" xmlns:a14="http://schemas.microsoft.com/office/drawing/2010/main">
-        <mc:Choice Requires="a14">
+      <mc:AlternateContent xmlns:mc="http://schemas.openxmlformats.org/markup-compatibility/2006">
+        <mc:Choice xmlns:a14="http://schemas.microsoft.com/office/drawing/2010/main" Requires="a14">
           <p:graphicFrame>
             <p:nvGraphicFramePr>
               <p:cNvPr id="17" name="Table 5">
@@ -26211,10 +28005,16 @@
               <p:cNvGraphicFramePr>
                 <a:graphicFrameLocks noGrp="1"/>
               </p:cNvGraphicFramePr>
-              <p:nvPr/>
+              <p:nvPr>
+                <p:extLst>
+                  <p:ext uri="{D42A27DB-BD31-4B8C-83A1-F6EECF244321}">
+                    <p14:modId xmlns:p14="http://schemas.microsoft.com/office/powerpoint/2010/main" val="2197815900"/>
+                  </p:ext>
+                </p:extLst>
+              </p:nvPr>
             </p:nvGraphicFramePr>
             <p:xfrm>
-              <a:off x="576675" y="2313370"/>
+              <a:off x="576675" y="2845805"/>
               <a:ext cx="7951308" cy="2749518"/>
             </p:xfrm>
             <a:graphic>
@@ -27091,7 +28891,7 @@
             </a:graphic>
           </p:graphicFrame>
         </mc:Choice>
-        <mc:Fallback xmlns="">
+        <mc:Fallback>
           <p:graphicFrame>
             <p:nvGraphicFramePr>
               <p:cNvPr id="17" name="Table 5">
@@ -27104,10 +28904,16 @@
               <p:cNvGraphicFramePr>
                 <a:graphicFrameLocks noGrp="1"/>
               </p:cNvGraphicFramePr>
-              <p:nvPr/>
+              <p:nvPr>
+                <p:extLst>
+                  <p:ext uri="{D42A27DB-BD31-4B8C-83A1-F6EECF244321}">
+                    <p14:modId xmlns:p14="http://schemas.microsoft.com/office/powerpoint/2010/main" val="2197815900"/>
+                  </p:ext>
+                </p:extLst>
+              </p:nvPr>
             </p:nvGraphicFramePr>
             <p:xfrm>
-              <a:off x="576675" y="2313370"/>
+              <a:off x="576675" y="2845805"/>
               <a:ext cx="7951308" cy="2749518"/>
             </p:xfrm>
             <a:graphic>
@@ -27169,7 +28975,7 @@
                         <a:blipFill>
                           <a:blip r:embed="rId4"/>
                           <a:stretch>
-                            <a:fillRect l="-100637" t="-1754" r="-200637" b="-298246"/>
+                            <a:fillRect l="-100637" t="-1754" r="-200637" b="-300000"/>
                           </a:stretch>
                         </a:blipFill>
                       </a:tcPr>
@@ -27186,7 +28992,7 @@
                         <a:blipFill>
                           <a:blip r:embed="rId4"/>
                           <a:stretch>
-                            <a:fillRect l="-201923" t="-1754" r="-101923" b="-298246"/>
+                            <a:fillRect l="-201923" t="-1754" r="-101923" b="-300000"/>
                           </a:stretch>
                         </a:blipFill>
                       </a:tcPr>
@@ -27203,7 +29009,7 @@
                         <a:blipFill>
                           <a:blip r:embed="rId4"/>
                           <a:stretch>
-                            <a:fillRect l="-300000" t="-1754" r="-1274" b="-298246"/>
+                            <a:fillRect l="-300000" t="-1754" r="-1274" b="-300000"/>
                           </a:stretch>
                         </a:blipFill>
                       </a:tcPr>
@@ -27227,7 +29033,7 @@
                         <a:blipFill>
                           <a:blip r:embed="rId4"/>
                           <a:stretch>
-                            <a:fillRect l="-637" t="-87879" r="-300637" b="-157576"/>
+                            <a:fillRect l="-637" t="-87879" r="-300637" b="-159091"/>
                           </a:stretch>
                         </a:blipFill>
                       </a:tcPr>
@@ -27244,7 +29050,7 @@
                         <a:blipFill>
                           <a:blip r:embed="rId4"/>
                           <a:stretch>
-                            <a:fillRect l="-100637" t="-87879" r="-200637" b="-157576"/>
+                            <a:fillRect l="-100637" t="-87879" r="-200637" b="-159091"/>
                           </a:stretch>
                         </a:blipFill>
                       </a:tcPr>
@@ -27261,7 +29067,7 @@
                         <a:blipFill>
                           <a:blip r:embed="rId4"/>
                           <a:stretch>
-                            <a:fillRect l="-201923" t="-87879" r="-101923" b="-157576"/>
+                            <a:fillRect l="-201923" t="-87879" r="-101923" b="-159091"/>
                           </a:stretch>
                         </a:blipFill>
                       </a:tcPr>
@@ -27338,7 +29144,7 @@
                         <a:blipFill>
                           <a:blip r:embed="rId4"/>
                           <a:stretch>
-                            <a:fillRect l="-637" t="-131915" r="-300637" b="-10638"/>
+                            <a:fillRect l="-637" t="-131915" r="-300637" b="-11702"/>
                           </a:stretch>
                         </a:blipFill>
                       </a:tcPr>
@@ -27355,7 +29161,7 @@
                         <a:blipFill>
                           <a:blip r:embed="rId4"/>
                           <a:stretch>
-                            <a:fillRect l="-100637" t="-131915" r="-200637" b="-10638"/>
+                            <a:fillRect l="-100637" t="-131915" r="-200637" b="-11702"/>
                           </a:stretch>
                         </a:blipFill>
                       </a:tcPr>
@@ -27372,7 +29178,7 @@
                         <a:blipFill>
                           <a:blip r:embed="rId4"/>
                           <a:stretch>
-                            <a:fillRect l="-201923" t="-131915" r="-101923" b="-10638"/>
+                            <a:fillRect l="-201923" t="-131915" r="-101923" b="-11702"/>
                           </a:stretch>
                         </a:blipFill>
                       </a:tcPr>

--- a/classes/winter_2023/lectures/lecture_09-linear_time_invariant_systems/linear_time_invariant_systems.pptx
+++ b/classes/winter_2023/lectures/lecture_09-linear_time_invariant_systems/linear_time_invariant_systems.pptx
@@ -5,10 +5,10 @@
     <p:sldMasterId id="2147483648" r:id="rId1"/>
   </p:sldMasterIdLst>
   <p:notesMasterIdLst>
-    <p:notesMasterId r:id="rId23"/>
+    <p:notesMasterId r:id="rId24"/>
   </p:notesMasterIdLst>
   <p:handoutMasterIdLst>
-    <p:handoutMasterId r:id="rId24"/>
+    <p:handoutMasterId r:id="rId25"/>
   </p:handoutMasterIdLst>
   <p:sldIdLst>
     <p:sldId id="256" r:id="rId2"/>
@@ -26,12 +26,13 @@
     <p:sldId id="512" r:id="rId14"/>
     <p:sldId id="530" r:id="rId15"/>
     <p:sldId id="531" r:id="rId16"/>
-    <p:sldId id="537" r:id="rId17"/>
-    <p:sldId id="515" r:id="rId18"/>
-    <p:sldId id="538" r:id="rId19"/>
-    <p:sldId id="539" r:id="rId20"/>
-    <p:sldId id="540" r:id="rId21"/>
-    <p:sldId id="533" r:id="rId22"/>
+    <p:sldId id="542" r:id="rId17"/>
+    <p:sldId id="537" r:id="rId18"/>
+    <p:sldId id="515" r:id="rId19"/>
+    <p:sldId id="538" r:id="rId20"/>
+    <p:sldId id="539" r:id="rId21"/>
+    <p:sldId id="540" r:id="rId22"/>
+    <p:sldId id="533" r:id="rId23"/>
   </p:sldIdLst>
   <p:sldSz cx="9144000" cy="6858000" type="screen4x3"/>
   <p:notesSz cx="6858000" cy="9144000"/>
@@ -1076,7 +1077,7 @@
               <a:pPr>
                 <a:defRPr/>
               </a:pPr>
-              <a:t>20</a:t>
+              <a:t>21</a:t>
             </a:fld>
             <a:endParaRPr lang="en-US" altLang="x-none"/>
           </a:p>
@@ -6036,8 +6037,8 @@
           </a:p>
         </p:txBody>
       </p:sp>
-      <mc:AlternateContent xmlns:mc="http://schemas.openxmlformats.org/markup-compatibility/2006" xmlns:a14="http://schemas.microsoft.com/office/drawing/2010/main">
-        <mc:Choice Requires="a14">
+      <mc:AlternateContent xmlns:mc="http://schemas.openxmlformats.org/markup-compatibility/2006">
+        <mc:Choice xmlns:a14="http://schemas.microsoft.com/office/drawing/2010/main" Requires="a14">
           <p:sp>
             <p:nvSpPr>
               <p:cNvPr id="3" name="Content Placeholder 2">
@@ -6076,7 +6077,7 @@
                 </a14:m>
                 <a:r>
                   <a:rPr lang="en-US" dirty="0"/>
-                  <a:t> is a complex number</a:t>
+                  <a:t> is a pure imaginary number</a:t>
                 </a:r>
               </a:p>
               <a:p>
@@ -6128,7 +6129,7 @@
             </p:txBody>
           </p:sp>
         </mc:Choice>
-        <mc:Fallback xmlns="">
+        <mc:Fallback>
           <p:sp>
             <p:nvSpPr>
               <p:cNvPr id="3" name="Content Placeholder 2">
@@ -7346,7 +7347,7 @@
                 </a14:m>
                 <a:r>
                   <a:rPr lang="en-US" dirty="0"/>
-                  <a:t>, (unit step at time 0)</a:t>
+                  <a:t>, (ramp)</a:t>
                 </a:r>
               </a:p>
               <a:p>
@@ -7553,8 +7554,8 @@
           </a:p>
         </p:txBody>
       </p:sp>
-      <mc:AlternateContent xmlns:mc="http://schemas.openxmlformats.org/markup-compatibility/2006" xmlns:a14="http://schemas.microsoft.com/office/drawing/2010/main">
-        <mc:Choice Requires="a14">
+      <mc:AlternateContent xmlns:mc="http://schemas.openxmlformats.org/markup-compatibility/2006">
+        <mc:Choice xmlns:a14="http://schemas.microsoft.com/office/drawing/2010/main" Requires="a14">
           <p:sp>
             <p:nvSpPr>
               <p:cNvPr id="6" name="TextBox 5">
@@ -7730,6 +7731,12 @@
                               </m:r>
                             </m:sup>
                           </m:sSup>
+                          <m:r>
+                            <a:rPr lang="en-US" sz="1800" b="0" i="1" smtClean="0">
+                              <a:latin typeface="Cambria Math" panose="02040503050406030204" pitchFamily="18" charset="0"/>
+                            </a:rPr>
+                            <m:t>𝑑𝑡</m:t>
+                          </m:r>
                         </m:e>
                       </m:nary>
                     </m:oMath>
@@ -7740,7 +7747,7 @@
             </p:txBody>
           </p:sp>
         </mc:Choice>
-        <mc:Fallback xmlns="">
+        <mc:Fallback>
           <p:sp>
             <p:nvSpPr>
               <p:cNvPr id="6" name="TextBox 5">
@@ -7848,8 +7855,8 @@
           </a:p>
         </p:txBody>
       </p:sp>
-      <mc:AlternateContent xmlns:mc="http://schemas.openxmlformats.org/markup-compatibility/2006" xmlns:a14="http://schemas.microsoft.com/office/drawing/2010/main">
-        <mc:Choice Requires="a14">
+      <mc:AlternateContent xmlns:mc="http://schemas.openxmlformats.org/markup-compatibility/2006">
+        <mc:Choice xmlns:a14="http://schemas.microsoft.com/office/drawing/2010/main" Requires="a14">
           <p:sp>
             <p:nvSpPr>
               <p:cNvPr id="3" name="Content Placeholder 2">
@@ -8372,6 +8379,12 @@
                 <a:endParaRPr lang="en-US" dirty="0"/>
               </a:p>
               <a:p>
+                <a:r>
+                  <a:rPr lang="en-US" dirty="0"/>
+                  <a:t>P5: Coming later!</a:t>
+                </a:r>
+              </a:p>
+              <a:p>
                 <a:endParaRPr lang="en-US" dirty="0"/>
               </a:p>
               <a:p>
@@ -8383,7 +8396,7 @@
             </p:txBody>
           </p:sp>
         </mc:Choice>
-        <mc:Fallback xmlns="">
+        <mc:Fallback>
           <p:sp>
             <p:nvSpPr>
               <p:cNvPr id="3" name="Content Placeholder 2">
@@ -8408,7 +8421,7 @@
               <a:blipFill>
                 <a:blip r:embed="rId2"/>
                 <a:stretch>
-                  <a:fillRect l="-1389"/>
+                  <a:fillRect l="-1389" b="-14679"/>
                 </a:stretch>
               </a:blipFill>
             </p:spPr>
@@ -8462,8 +8475,8 @@
           </a:p>
         </p:txBody>
       </p:sp>
-      <mc:AlternateContent xmlns:mc="http://schemas.openxmlformats.org/markup-compatibility/2006" xmlns:a14="http://schemas.microsoft.com/office/drawing/2010/main">
-        <mc:Choice Requires="a14">
+      <mc:AlternateContent xmlns:mc="http://schemas.openxmlformats.org/markup-compatibility/2006">
+        <mc:Choice xmlns:a14="http://schemas.microsoft.com/office/drawing/2010/main" Requires="a14">
           <p:sp>
             <p:nvSpPr>
               <p:cNvPr id="6" name="TextBox 5">
@@ -8639,6 +8652,12 @@
                               </m:r>
                             </m:sup>
                           </m:sSup>
+                          <m:r>
+                            <a:rPr lang="en-US" sz="2400" b="0" i="1" smtClean="0">
+                              <a:latin typeface="Cambria Math" panose="02040503050406030204" pitchFamily="18" charset="0"/>
+                            </a:rPr>
+                            <m:t>𝑑𝑡</m:t>
+                          </m:r>
                         </m:e>
                       </m:nary>
                     </m:oMath>
@@ -8649,7 +8668,7 @@
             </p:txBody>
           </p:sp>
         </mc:Choice>
-        <mc:Fallback xmlns="">
+        <mc:Fallback>
           <p:sp>
             <p:nvSpPr>
               <p:cNvPr id="6" name="TextBox 5">
@@ -10547,6 +10566,542 @@
           <p:cNvPr id="2" name="Title 1">
             <a:extLst>
               <a:ext uri="{FF2B5EF4-FFF2-40B4-BE49-F238E27FC236}">
+                <a16:creationId xmlns:a16="http://schemas.microsoft.com/office/drawing/2014/main" id="{B9538E35-9570-BF3E-B88B-86370D0723D6}"/>
+              </a:ext>
+            </a:extLst>
+          </p:cNvPr>
+          <p:cNvSpPr>
+            <a:spLocks noGrp="1"/>
+          </p:cNvSpPr>
+          <p:nvPr>
+            <p:ph type="title"/>
+          </p:nvPr>
+        </p:nvSpPr>
+        <p:spPr/>
+        <p:txBody>
+          <a:bodyPr/>
+          <a:lstStyle/>
+          <a:p>
+            <a:r>
+              <a:rPr lang="en-US" dirty="0"/>
+              <a:t>Poles &amp; Laplace Transforms</a:t>
+            </a:r>
+          </a:p>
+        </p:txBody>
+      </p:sp>
+      <mc:AlternateContent xmlns:mc="http://schemas.openxmlformats.org/markup-compatibility/2006">
+        <mc:Choice xmlns:a14="http://schemas.microsoft.com/office/drawing/2010/main" Requires="a14">
+          <p:sp>
+            <p:nvSpPr>
+              <p:cNvPr id="3" name="Content Placeholder 2">
+                <a:extLst>
+                  <a:ext uri="{FF2B5EF4-FFF2-40B4-BE49-F238E27FC236}">
+                    <a16:creationId xmlns:a16="http://schemas.microsoft.com/office/drawing/2014/main" id="{8F5327AF-62DB-D193-6419-7F85B6ED8A6F}"/>
+                  </a:ext>
+                </a:extLst>
+              </p:cNvPr>
+              <p:cNvSpPr>
+                <a:spLocks noGrp="1"/>
+              </p:cNvSpPr>
+              <p:nvPr>
+                <p:ph idx="1"/>
+              </p:nvPr>
+            </p:nvSpPr>
+            <p:spPr/>
+            <p:txBody>
+              <a:bodyPr/>
+              <a:lstStyle/>
+              <a:p>
+                <a:r>
+                  <a:rPr lang="en-US" b="0" dirty="0"/>
+                  <a:t>“</a:t>
+                </a:r>
+                <a14:m>
+                  <m:oMath xmlns:m="http://schemas.openxmlformats.org/officeDocument/2006/math">
+                    <m:r>
+                      <a:rPr lang="en-US" b="0" i="1" smtClean="0">
+                        <a:latin typeface="Cambria Math" panose="02040503050406030204" pitchFamily="18" charset="0"/>
+                      </a:rPr>
+                      <m:t>𝑎</m:t>
+                    </m:r>
+                  </m:oMath>
+                </a14:m>
+                <a:r>
+                  <a:rPr lang="en-US" dirty="0"/>
+                  <a:t> is a pole of </a:t>
+                </a:r>
+                <a14:m>
+                  <m:oMath xmlns:m="http://schemas.openxmlformats.org/officeDocument/2006/math">
+                    <m:r>
+                      <a:rPr lang="en-US" b="0" i="1" smtClean="0">
+                        <a:latin typeface="Cambria Math" panose="02040503050406030204" pitchFamily="18" charset="0"/>
+                      </a:rPr>
+                      <m:t>𝑦</m:t>
+                    </m:r>
+                    <m:d>
+                      <m:dPr>
+                        <m:ctrlPr>
+                          <a:rPr lang="en-US" b="0" i="1" smtClean="0">
+                            <a:latin typeface="Cambria Math" panose="02040503050406030204" pitchFamily="18" charset="0"/>
+                          </a:rPr>
+                        </m:ctrlPr>
+                      </m:dPr>
+                      <m:e>
+                        <m:r>
+                          <a:rPr lang="en-US" b="0" i="1" smtClean="0">
+                            <a:latin typeface="Cambria Math" panose="02040503050406030204" pitchFamily="18" charset="0"/>
+                          </a:rPr>
+                          <m:t>𝑡</m:t>
+                        </m:r>
+                      </m:e>
+                    </m:d>
+                  </m:oMath>
+                </a14:m>
+                <a:r>
+                  <a:rPr lang="en-US" dirty="0"/>
+                  <a:t>” is equivalent to “</a:t>
+                </a:r>
+                <a14:m>
+                  <m:oMath xmlns:m="http://schemas.openxmlformats.org/officeDocument/2006/math">
+                    <m:r>
+                      <a:rPr lang="en-US" b="0" i="1" smtClean="0">
+                        <a:latin typeface="Cambria Math" panose="02040503050406030204" pitchFamily="18" charset="0"/>
+                      </a:rPr>
+                      <m:t>𝑎</m:t>
+                    </m:r>
+                  </m:oMath>
+                </a14:m>
+                <a:r>
+                  <a:rPr lang="en-US" dirty="0"/>
+                  <a:t> is a root for </a:t>
+                </a:r>
+                <a14:m>
+                  <m:oMath xmlns:m="http://schemas.openxmlformats.org/officeDocument/2006/math">
+                    <m:r>
+                      <a:rPr lang="en-US" b="0" i="1" smtClean="0">
+                        <a:latin typeface="Cambria Math" panose="02040503050406030204" pitchFamily="18" charset="0"/>
+                      </a:rPr>
+                      <m:t>𝑠</m:t>
+                    </m:r>
+                  </m:oMath>
+                </a14:m>
+                <a:r>
+                  <a:rPr lang="en-US" dirty="0"/>
+                  <a:t> in the denominator of </a:t>
+                </a:r>
+                <a14:m>
+                  <m:oMath xmlns:m="http://schemas.openxmlformats.org/officeDocument/2006/math">
+                    <m:r>
+                      <a:rPr lang="en-US" i="1" smtClean="0">
+                        <a:latin typeface="Cambria Math" panose="02040503050406030204" pitchFamily="18" charset="0"/>
+                        <a:ea typeface="Cambria Math" panose="02040503050406030204" pitchFamily="18" charset="0"/>
+                      </a:rPr>
+                      <m:t>ℒ</m:t>
+                    </m:r>
+                    <m:r>
+                      <a:rPr lang="en-US" b="0" i="1" smtClean="0">
+                        <a:latin typeface="Cambria Math" panose="02040503050406030204" pitchFamily="18" charset="0"/>
+                        <a:ea typeface="Cambria Math" panose="02040503050406030204" pitchFamily="18" charset="0"/>
+                      </a:rPr>
+                      <m:t>(</m:t>
+                    </m:r>
+                    <m:r>
+                      <a:rPr lang="en-US" b="0" i="1" smtClean="0">
+                        <a:latin typeface="Cambria Math" panose="02040503050406030204" pitchFamily="18" charset="0"/>
+                        <a:ea typeface="Cambria Math" panose="02040503050406030204" pitchFamily="18" charset="0"/>
+                      </a:rPr>
+                      <m:t>𝑦</m:t>
+                    </m:r>
+                    <m:r>
+                      <a:rPr lang="en-US" b="0" i="1" smtClean="0">
+                        <a:latin typeface="Cambria Math" panose="02040503050406030204" pitchFamily="18" charset="0"/>
+                        <a:ea typeface="Cambria Math" panose="02040503050406030204" pitchFamily="18" charset="0"/>
+                      </a:rPr>
+                      <m:t>)</m:t>
+                    </m:r>
+                  </m:oMath>
+                </a14:m>
+                <a:r>
+                  <a:rPr lang="en-US" dirty="0"/>
+                  <a:t>”.</a:t>
+                </a:r>
+              </a:p>
+              <a:p>
+                <a:r>
+                  <a:rPr lang="en-US" dirty="0"/>
+                  <a:t>Examples</a:t>
+                </a:r>
+              </a:p>
+              <a:p>
+                <a:pPr marL="457200" lvl="1" indent="0">
+                  <a:buNone/>
+                </a:pPr>
+                <a14:m>
+                  <m:oMathPara xmlns:m="http://schemas.openxmlformats.org/officeDocument/2006/math">
+                    <m:oMathParaPr>
+                      <m:jc m:val="centerGroup"/>
+                    </m:oMathParaPr>
+                    <m:oMath xmlns:m="http://schemas.openxmlformats.org/officeDocument/2006/math">
+                      <m:r>
+                        <a:rPr lang="en-US" b="0" i="1" smtClean="0">
+                          <a:latin typeface="Cambria Math" panose="02040503050406030204" pitchFamily="18" charset="0"/>
+                        </a:rPr>
+                        <m:t>𝑦</m:t>
+                      </m:r>
+                      <m:d>
+                        <m:dPr>
+                          <m:ctrlPr>
+                            <a:rPr lang="en-US" b="0" i="1" smtClean="0">
+                              <a:latin typeface="Cambria Math" panose="02040503050406030204" pitchFamily="18" charset="0"/>
+                            </a:rPr>
+                          </m:ctrlPr>
+                        </m:dPr>
+                        <m:e>
+                          <m:r>
+                            <a:rPr lang="en-US" b="0" i="1" smtClean="0">
+                              <a:latin typeface="Cambria Math" panose="02040503050406030204" pitchFamily="18" charset="0"/>
+                            </a:rPr>
+                            <m:t>𝑡</m:t>
+                          </m:r>
+                        </m:e>
+                      </m:d>
+                      <m:r>
+                        <a:rPr lang="en-US" b="0" i="1" smtClean="0">
+                          <a:latin typeface="Cambria Math" panose="02040503050406030204" pitchFamily="18" charset="0"/>
+                        </a:rPr>
+                        <m:t>=</m:t>
+                      </m:r>
+                      <m:sSup>
+                        <m:sSupPr>
+                          <m:ctrlPr>
+                            <a:rPr lang="en-US" b="0" i="1" smtClean="0">
+                              <a:latin typeface="Cambria Math" panose="02040503050406030204" pitchFamily="18" charset="0"/>
+                            </a:rPr>
+                          </m:ctrlPr>
+                        </m:sSupPr>
+                        <m:e>
+                          <m:r>
+                            <a:rPr lang="en-US" b="0" i="1" smtClean="0">
+                              <a:latin typeface="Cambria Math" panose="02040503050406030204" pitchFamily="18" charset="0"/>
+                            </a:rPr>
+                            <m:t>𝑒</m:t>
+                          </m:r>
+                        </m:e>
+                        <m:sup>
+                          <m:r>
+                            <a:rPr lang="en-US" b="0" i="1" smtClean="0">
+                              <a:latin typeface="Cambria Math" panose="02040503050406030204" pitchFamily="18" charset="0"/>
+                            </a:rPr>
+                            <m:t>−</m:t>
+                          </m:r>
+                          <m:r>
+                            <a:rPr lang="en-US" b="0" i="1" smtClean="0">
+                              <a:latin typeface="Cambria Math" panose="02040503050406030204" pitchFamily="18" charset="0"/>
+                            </a:rPr>
+                            <m:t>𝑎𝑡</m:t>
+                          </m:r>
+                        </m:sup>
+                      </m:sSup>
+                      <m:r>
+                        <a:rPr lang="en-US" b="0" i="1" smtClean="0">
+                          <a:latin typeface="Cambria Math" panose="02040503050406030204" pitchFamily="18" charset="0"/>
+                        </a:rPr>
+                        <m:t>≡</m:t>
+                      </m:r>
+                      <m:r>
+                        <a:rPr lang="en-US" b="0" i="1" smtClean="0">
+                          <a:latin typeface="Cambria Math" panose="02040503050406030204" pitchFamily="18" charset="0"/>
+                        </a:rPr>
+                        <m:t>𝑌</m:t>
+                      </m:r>
+                      <m:d>
+                        <m:dPr>
+                          <m:ctrlPr>
+                            <a:rPr lang="en-US" b="0" i="1" smtClean="0">
+                              <a:latin typeface="Cambria Math" panose="02040503050406030204" pitchFamily="18" charset="0"/>
+                            </a:rPr>
+                          </m:ctrlPr>
+                        </m:dPr>
+                        <m:e>
+                          <m:r>
+                            <a:rPr lang="en-US" b="0" i="1" smtClean="0">
+                              <a:latin typeface="Cambria Math" panose="02040503050406030204" pitchFamily="18" charset="0"/>
+                            </a:rPr>
+                            <m:t>𝑠</m:t>
+                          </m:r>
+                        </m:e>
+                      </m:d>
+                      <m:r>
+                        <a:rPr lang="en-US" b="0" i="1" smtClean="0">
+                          <a:latin typeface="Cambria Math" panose="02040503050406030204" pitchFamily="18" charset="0"/>
+                        </a:rPr>
+                        <m:t>=</m:t>
+                      </m:r>
+                      <m:f>
+                        <m:fPr>
+                          <m:ctrlPr>
+                            <a:rPr lang="en-US" b="0" i="1" smtClean="0">
+                              <a:latin typeface="Cambria Math" panose="02040503050406030204" pitchFamily="18" charset="0"/>
+                            </a:rPr>
+                          </m:ctrlPr>
+                        </m:fPr>
+                        <m:num>
+                          <m:r>
+                            <a:rPr lang="en-US" b="0" i="1" smtClean="0">
+                              <a:latin typeface="Cambria Math" panose="02040503050406030204" pitchFamily="18" charset="0"/>
+                            </a:rPr>
+                            <m:t>1</m:t>
+                          </m:r>
+                        </m:num>
+                        <m:den>
+                          <m:r>
+                            <a:rPr lang="en-US" b="0" i="1" smtClean="0">
+                              <a:latin typeface="Cambria Math" panose="02040503050406030204" pitchFamily="18" charset="0"/>
+                            </a:rPr>
+                            <m:t>𝑠</m:t>
+                          </m:r>
+                          <m:r>
+                            <a:rPr lang="en-US" b="0" i="1" smtClean="0">
+                              <a:latin typeface="Cambria Math" panose="02040503050406030204" pitchFamily="18" charset="0"/>
+                            </a:rPr>
+                            <m:t>+</m:t>
+                          </m:r>
+                          <m:r>
+                            <a:rPr lang="en-US" b="0" i="1" smtClean="0">
+                              <a:latin typeface="Cambria Math" panose="02040503050406030204" pitchFamily="18" charset="0"/>
+                            </a:rPr>
+                            <m:t>𝑎</m:t>
+                          </m:r>
+                        </m:den>
+                      </m:f>
+                    </m:oMath>
+                  </m:oMathPara>
+                </a14:m>
+                <a:endParaRPr lang="en-US" dirty="0"/>
+              </a:p>
+              <a:p>
+                <a:pPr marL="457200" lvl="1" indent="0">
+                  <a:buNone/>
+                </a:pPr>
+                <a14:m>
+                  <m:oMathPara xmlns:m="http://schemas.openxmlformats.org/officeDocument/2006/math">
+                    <m:oMathParaPr>
+                      <m:jc m:val="centerGroup"/>
+                    </m:oMathParaPr>
+                    <m:oMath xmlns:m="http://schemas.openxmlformats.org/officeDocument/2006/math">
+                      <m:r>
+                        <a:rPr lang="en-US" b="0" i="1" smtClean="0">
+                          <a:latin typeface="Cambria Math" panose="02040503050406030204" pitchFamily="18" charset="0"/>
+                        </a:rPr>
+                        <m:t>𝑦</m:t>
+                      </m:r>
+                      <m:d>
+                        <m:dPr>
+                          <m:ctrlPr>
+                            <a:rPr lang="en-US" b="0" i="1" smtClean="0">
+                              <a:latin typeface="Cambria Math" panose="02040503050406030204" pitchFamily="18" charset="0"/>
+                            </a:rPr>
+                          </m:ctrlPr>
+                        </m:dPr>
+                        <m:e>
+                          <m:r>
+                            <a:rPr lang="en-US" b="0" i="1" smtClean="0">
+                              <a:latin typeface="Cambria Math" panose="02040503050406030204" pitchFamily="18" charset="0"/>
+                            </a:rPr>
+                            <m:t>𝑡</m:t>
+                          </m:r>
+                        </m:e>
+                      </m:d>
+                      <m:r>
+                        <a:rPr lang="en-US" b="0" i="1" smtClean="0">
+                          <a:latin typeface="Cambria Math" panose="02040503050406030204" pitchFamily="18" charset="0"/>
+                        </a:rPr>
+                        <m:t>=</m:t>
+                      </m:r>
+                      <m:r>
+                        <a:rPr lang="en-US" b="0" i="1" smtClean="0">
+                          <a:latin typeface="Cambria Math" panose="02040503050406030204" pitchFamily="18" charset="0"/>
+                        </a:rPr>
+                        <m:t>𝑐</m:t>
+                      </m:r>
+                      <m:r>
+                        <a:rPr lang="en-US" b="0" i="1" smtClean="0">
+                          <a:latin typeface="Cambria Math" panose="02040503050406030204" pitchFamily="18" charset="0"/>
+                        </a:rPr>
+                        <m:t>≡</m:t>
+                      </m:r>
+                      <m:r>
+                        <a:rPr lang="en-US" b="0" i="1" smtClean="0">
+                          <a:latin typeface="Cambria Math" panose="02040503050406030204" pitchFamily="18" charset="0"/>
+                        </a:rPr>
+                        <m:t>𝑌</m:t>
+                      </m:r>
+                      <m:d>
+                        <m:dPr>
+                          <m:ctrlPr>
+                            <a:rPr lang="en-US" b="0" i="1" smtClean="0">
+                              <a:latin typeface="Cambria Math" panose="02040503050406030204" pitchFamily="18" charset="0"/>
+                            </a:rPr>
+                          </m:ctrlPr>
+                        </m:dPr>
+                        <m:e>
+                          <m:r>
+                            <a:rPr lang="en-US" b="0" i="1" smtClean="0">
+                              <a:latin typeface="Cambria Math" panose="02040503050406030204" pitchFamily="18" charset="0"/>
+                            </a:rPr>
+                            <m:t>𝑠</m:t>
+                          </m:r>
+                        </m:e>
+                      </m:d>
+                      <m:r>
+                        <a:rPr lang="en-US" b="0" i="1" smtClean="0">
+                          <a:latin typeface="Cambria Math" panose="02040503050406030204" pitchFamily="18" charset="0"/>
+                        </a:rPr>
+                        <m:t>=</m:t>
+                      </m:r>
+                      <m:f>
+                        <m:fPr>
+                          <m:ctrlPr>
+                            <a:rPr lang="en-US" b="0" i="1" smtClean="0">
+                              <a:latin typeface="Cambria Math" panose="02040503050406030204" pitchFamily="18" charset="0"/>
+                            </a:rPr>
+                          </m:ctrlPr>
+                        </m:fPr>
+                        <m:num>
+                          <m:r>
+                            <a:rPr lang="en-US" b="0" i="1" smtClean="0">
+                              <a:latin typeface="Cambria Math" panose="02040503050406030204" pitchFamily="18" charset="0"/>
+                            </a:rPr>
+                            <m:t>𝑐</m:t>
+                          </m:r>
+                        </m:num>
+                        <m:den>
+                          <m:r>
+                            <a:rPr lang="en-US" b="0" i="1" smtClean="0">
+                              <a:latin typeface="Cambria Math" panose="02040503050406030204" pitchFamily="18" charset="0"/>
+                            </a:rPr>
+                            <m:t>𝑠</m:t>
+                          </m:r>
+                        </m:den>
+                      </m:f>
+                    </m:oMath>
+                  </m:oMathPara>
+                </a14:m>
+                <a:endParaRPr lang="en-US" dirty="0"/>
+              </a:p>
+            </p:txBody>
+          </p:sp>
+        </mc:Choice>
+        <mc:Fallback>
+          <p:sp>
+            <p:nvSpPr>
+              <p:cNvPr id="3" name="Content Placeholder 2">
+                <a:extLst>
+                  <a:ext uri="{FF2B5EF4-FFF2-40B4-BE49-F238E27FC236}">
+                    <a16:creationId xmlns:a16="http://schemas.microsoft.com/office/drawing/2014/main" id="{8F5327AF-62DB-D193-6419-7F85B6ED8A6F}"/>
+                  </a:ext>
+                </a:extLst>
+              </p:cNvPr>
+              <p:cNvSpPr>
+                <a:spLocks noGrp="1" noRot="1" noChangeAspect="1" noMove="1" noResize="1" noEditPoints="1" noAdjustHandles="1" noChangeArrowheads="1" noChangeShapeType="1" noTextEdit="1"/>
+              </p:cNvSpPr>
+              <p:nvPr>
+                <p:ph idx="1"/>
+              </p:nvPr>
+            </p:nvSpPr>
+            <p:spPr>
+              <a:blipFill>
+                <a:blip r:embed="rId2"/>
+                <a:stretch>
+                  <a:fillRect l="-1389" t="-1662"/>
+                </a:stretch>
+              </a:blipFill>
+            </p:spPr>
+            <p:txBody>
+              <a:bodyPr/>
+              <a:lstStyle/>
+              <a:p>
+                <a:r>
+                  <a:rPr lang="en-US">
+                    <a:noFill/>
+                  </a:rPr>
+                  <a:t> </a:t>
+                </a:r>
+              </a:p>
+            </p:txBody>
+          </p:sp>
+        </mc:Fallback>
+      </mc:AlternateContent>
+      <p:sp>
+        <p:nvSpPr>
+          <p:cNvPr id="4" name="Slide Number Placeholder 3">
+            <a:extLst>
+              <a:ext uri="{FF2B5EF4-FFF2-40B4-BE49-F238E27FC236}">
+                <a16:creationId xmlns:a16="http://schemas.microsoft.com/office/drawing/2014/main" id="{B649F018-C58E-3372-BE08-DDC1BB892595}"/>
+              </a:ext>
+            </a:extLst>
+          </p:cNvPr>
+          <p:cNvSpPr>
+            <a:spLocks noGrp="1"/>
+          </p:cNvSpPr>
+          <p:nvPr>
+            <p:ph type="sldNum" sz="quarter" idx="11"/>
+          </p:nvPr>
+        </p:nvSpPr>
+        <p:spPr/>
+        <p:txBody>
+          <a:bodyPr/>
+          <a:lstStyle/>
+          <a:p>
+            <a:pPr>
+              <a:defRPr/>
+            </a:pPr>
+            <a:fld id="{3EF4E9CC-9D91-476E-91FD-5BEEC1642931}" type="slidenum">
+              <a:rPr lang="en-US" altLang="x-none" smtClean="0"/>
+              <a:pPr>
+                <a:defRPr/>
+              </a:pPr>
+              <a:t>16</a:t>
+            </a:fld>
+            <a:endParaRPr lang="en-US" altLang="x-none"/>
+          </a:p>
+        </p:txBody>
+      </p:sp>
+    </p:spTree>
+    <p:extLst>
+      <p:ext uri="{BB962C8B-B14F-4D97-AF65-F5344CB8AC3E}">
+        <p14:creationId xmlns:p14="http://schemas.microsoft.com/office/powerpoint/2010/main" val="613773415"/>
+      </p:ext>
+    </p:extLst>
+  </p:cSld>
+  <p:clrMapOvr>
+    <a:masterClrMapping/>
+  </p:clrMapOvr>
+</p:sld>
+</file>
+
+<file path=ppt/slides/slide17.xml><?xml version="1.0" encoding="utf-8"?>
+<p:sld xmlns:a="http://schemas.openxmlformats.org/drawingml/2006/main" xmlns:r="http://schemas.openxmlformats.org/officeDocument/2006/relationships" xmlns:p="http://schemas.openxmlformats.org/presentationml/2006/main">
+  <p:cSld>
+    <p:spTree>
+      <p:nvGrpSpPr>
+        <p:cNvPr id="1" name=""/>
+        <p:cNvGrpSpPr/>
+        <p:nvPr/>
+      </p:nvGrpSpPr>
+      <p:grpSpPr>
+        <a:xfrm>
+          <a:off x="0" y="0"/>
+          <a:ext cx="0" cy="0"/>
+          <a:chOff x="0" y="0"/>
+          <a:chExt cx="0" cy="0"/>
+        </a:xfrm>
+      </p:grpSpPr>
+      <p:sp>
+        <p:nvSpPr>
+          <p:cNvPr id="2" name="Title 1">
+            <a:extLst>
+              <a:ext uri="{FF2B5EF4-FFF2-40B4-BE49-F238E27FC236}">
                 <a16:creationId xmlns:a16="http://schemas.microsoft.com/office/drawing/2014/main" id="{63BC5582-BBFA-DB77-6E6D-FCCDB58AE622}"/>
               </a:ext>
             </a:extLst>
@@ -10815,7 +11370,7 @@
               <a:pPr>
                 <a:defRPr/>
               </a:pPr>
-              <a:t>16</a:t>
+              <a:t>17</a:t>
             </a:fld>
             <a:endParaRPr lang="en-US" altLang="x-none"/>
           </a:p>
@@ -12109,7 +12664,7 @@
 </p:sld>
 </file>
 
-<file path=ppt/slides/slide17.xml><?xml version="1.0" encoding="utf-8"?>
+<file path=ppt/slides/slide18.xml><?xml version="1.0" encoding="utf-8"?>
 <p:sld xmlns:a="http://schemas.openxmlformats.org/drawingml/2006/main" xmlns:r="http://schemas.openxmlformats.org/officeDocument/2006/relationships" xmlns:p="http://schemas.openxmlformats.org/presentationml/2006/main">
   <p:cSld>
     <p:spTree>
@@ -12183,7 +12738,7 @@
               <a:pPr>
                 <a:defRPr/>
               </a:pPr>
-              <a:t>17</a:t>
+              <a:t>18</a:t>
             </a:fld>
             <a:endParaRPr lang="en-US" altLang="x-none"/>
           </a:p>
@@ -13993,7 +14548,7 @@
           <a:p>
             <a:r>
               <a:rPr lang="en-US" b="1" dirty="0"/>
-              <a:t>The transfer function of a system in series is the product of the transfer functions of the individual systems.</a:t>
+              <a:t>The transfer function of a system in series is the product of the transfer functions of its constituent systems.</a:t>
             </a:r>
           </a:p>
         </p:txBody>
@@ -14822,7 +15377,7 @@
 </p:sld>
 </file>
 
-<file path=ppt/slides/slide18.xml><?xml version="1.0" encoding="utf-8"?>
+<file path=ppt/slides/slide19.xml><?xml version="1.0" encoding="utf-8"?>
 <p:sld xmlns:a="http://schemas.openxmlformats.org/drawingml/2006/main" xmlns:r="http://schemas.openxmlformats.org/officeDocument/2006/relationships" xmlns:p="http://schemas.openxmlformats.org/presentationml/2006/main">
   <p:cSld>
     <p:spTree>
@@ -14862,13 +15417,13 @@
           <a:p>
             <a:r>
               <a:rPr lang="en-US" dirty="0"/>
-              <a:t>Final Value Theorem</a:t>
+              <a:t>Final Value Theorem (for Signals)</a:t>
             </a:r>
           </a:p>
         </p:txBody>
       </p:sp>
-      <mc:AlternateContent xmlns:mc="http://schemas.openxmlformats.org/markup-compatibility/2006" xmlns:a14="http://schemas.microsoft.com/office/drawing/2010/main">
-        <mc:Choice Requires="a14">
+      <mc:AlternateContent xmlns:mc="http://schemas.openxmlformats.org/markup-compatibility/2006">
+        <mc:Choice xmlns:a14="http://schemas.microsoft.com/office/drawing/2010/main" Requires="a14">
           <p:sp>
             <p:nvSpPr>
               <p:cNvPr id="4" name="Content Placeholder 3">
@@ -15144,7 +15699,7 @@
                           <a:rPr lang="en-US" b="0" i="1" smtClean="0">
                             <a:latin typeface="Cambria Math" panose="02040503050406030204" pitchFamily="18" charset="0"/>
                           </a:rPr>
-                          <m:t>+2</m:t>
+                          <m:t>+1</m:t>
                         </m:r>
                       </m:den>
                     </m:f>
@@ -15263,7 +15818,7 @@
                               <a:rPr lang="en-US" b="0" i="1" smtClean="0">
                                 <a:latin typeface="Cambria Math" panose="02040503050406030204" pitchFamily="18" charset="0"/>
                               </a:rPr>
-                              <m:t>+2</m:t>
+                              <m:t>+1</m:t>
                             </m:r>
                           </m:den>
                         </m:f>
@@ -15288,7 +15843,7 @@
             </p:txBody>
           </p:sp>
         </mc:Choice>
-        <mc:Fallback xmlns="">
+        <mc:Fallback>
           <p:sp>
             <p:nvSpPr>
               <p:cNvPr id="4" name="Content Placeholder 3">
@@ -15361,14 +15916,14 @@
               <a:pPr>
                 <a:defRPr/>
               </a:pPr>
-              <a:t>18</a:t>
+              <a:t>19</a:t>
             </a:fld>
             <a:endParaRPr lang="en-US" altLang="x-none"/>
           </a:p>
         </p:txBody>
       </p:sp>
-      <mc:AlternateContent xmlns:mc="http://schemas.openxmlformats.org/markup-compatibility/2006" xmlns:a14="http://schemas.microsoft.com/office/drawing/2010/main">
-        <mc:Choice Requires="a14">
+      <mc:AlternateContent xmlns:mc="http://schemas.openxmlformats.org/markup-compatibility/2006">
+        <mc:Choice xmlns:a14="http://schemas.microsoft.com/office/drawing/2010/main" Requires="a14">
           <p:sp>
             <p:nvSpPr>
               <p:cNvPr id="6" name="TextBox 5">
@@ -15473,94 +16028,34 @@
                 </a:r>
                 <a14:m>
                   <m:oMath xmlns:m="http://schemas.openxmlformats.org/officeDocument/2006/math">
-                    <m:func>
-                      <m:funcPr>
-                        <m:ctrlPr>
-                          <a:rPr lang="en-US" sz="2400" b="0" i="1" smtClean="0">
-                            <a:latin typeface="Cambria Math" panose="02040503050406030204" pitchFamily="18" charset="0"/>
-                          </a:rPr>
-                        </m:ctrlPr>
-                      </m:funcPr>
-                      <m:fName>
-                        <m:limLow>
-                          <m:limLowPr>
-                            <m:ctrlPr>
-                              <a:rPr lang="en-US" sz="2400" b="0" i="1" smtClean="0">
-                                <a:latin typeface="Cambria Math" panose="02040503050406030204" pitchFamily="18" charset="0"/>
-                              </a:rPr>
-                            </m:ctrlPr>
-                          </m:limLowPr>
-                          <m:e>
-                            <m:r>
-                              <m:rPr>
-                                <m:sty m:val="p"/>
-                              </m:rPr>
-                              <a:rPr lang="en-US" sz="2400" b="0" i="0" smtClean="0">
-                                <a:latin typeface="Cambria Math" panose="02040503050406030204" pitchFamily="18" charset="0"/>
-                              </a:rPr>
-                              <m:t>lim</m:t>
-                            </m:r>
-                          </m:e>
-                          <m:lim>
-                            <m:r>
-                              <a:rPr lang="en-US" sz="2400" b="0" i="1" smtClean="0">
-                                <a:latin typeface="Cambria Math" panose="02040503050406030204" pitchFamily="18" charset="0"/>
-                              </a:rPr>
-                              <m:t>𝑡</m:t>
-                            </m:r>
-                            <m:r>
-                              <a:rPr lang="en-US" sz="2400" b="0" i="1" smtClean="0">
-                                <a:latin typeface="Cambria Math" panose="02040503050406030204" pitchFamily="18" charset="0"/>
-                              </a:rPr>
-                              <m:t>→∞</m:t>
-                            </m:r>
-                          </m:lim>
-                        </m:limLow>
-                      </m:fName>
-                      <m:e>
-                        <m:r>
-                          <a:rPr lang="en-US" sz="2400" b="0" i="1" smtClean="0">
-                            <a:latin typeface="Cambria Math" panose="02040503050406030204" pitchFamily="18" charset="0"/>
-                          </a:rPr>
-                          <m:t>|</m:t>
-                        </m:r>
-                        <m:r>
-                          <a:rPr lang="en-US" sz="2400" b="0" i="1" smtClean="0">
-                            <a:latin typeface="Cambria Math" panose="02040503050406030204" pitchFamily="18" charset="0"/>
-                          </a:rPr>
-                          <m:t>𝑦</m:t>
-                        </m:r>
-                        <m:r>
-                          <a:rPr lang="en-US" sz="2400" b="0" i="1" smtClean="0">
-                            <a:latin typeface="Cambria Math" panose="02040503050406030204" pitchFamily="18" charset="0"/>
-                          </a:rPr>
-                          <m:t>(</m:t>
-                        </m:r>
-                        <m:r>
-                          <a:rPr lang="en-US" sz="2400" b="0" i="1" smtClean="0">
-                            <a:latin typeface="Cambria Math" panose="02040503050406030204" pitchFamily="18" charset="0"/>
-                          </a:rPr>
-                          <m:t>𝑡</m:t>
-                        </m:r>
-                        <m:r>
-                          <a:rPr lang="en-US" sz="2400" b="0" i="1" smtClean="0">
-                            <a:latin typeface="Cambria Math" panose="02040503050406030204" pitchFamily="18" charset="0"/>
-                          </a:rPr>
-                          <m:t>)</m:t>
-                        </m:r>
-                      </m:e>
-                    </m:func>
                     <m:r>
                       <a:rPr lang="en-US" sz="2400" b="0" i="1" smtClean="0">
                         <a:latin typeface="Cambria Math" panose="02040503050406030204" pitchFamily="18" charset="0"/>
                       </a:rPr>
-                      <m:t>|&lt;∞</m:t>
+                      <m:t>𝑦</m:t>
                     </m:r>
+                    <m:d>
+                      <m:dPr>
+                        <m:ctrlPr>
+                          <a:rPr lang="en-US" sz="2400" b="0" i="1" smtClean="0">
+                            <a:latin typeface="Cambria Math" panose="02040503050406030204" pitchFamily="18" charset="0"/>
+                          </a:rPr>
+                        </m:ctrlPr>
+                      </m:dPr>
+                      <m:e>
+                        <m:r>
+                          <a:rPr lang="en-US" sz="2400" b="0" i="1" smtClean="0">
+                            <a:latin typeface="Cambria Math" panose="02040503050406030204" pitchFamily="18" charset="0"/>
+                          </a:rPr>
+                          <m:t>𝑡</m:t>
+                        </m:r>
+                      </m:e>
+                    </m:d>
                   </m:oMath>
                 </a14:m>
                 <a:r>
                   <a:rPr lang="en-US" sz="2400" dirty="0"/>
-                  <a:t>, then </a:t>
+                  <a:t> converges, then </a:t>
                 </a:r>
                 <a14:m>
                   <m:oMath xmlns:m="http://schemas.openxmlformats.org/officeDocument/2006/math">
@@ -15677,7 +16172,7 @@
             </p:txBody>
           </p:sp>
         </mc:Choice>
-        <mc:Fallback xmlns="">
+        <mc:Fallback>
           <p:sp>
             <p:nvSpPr>
               <p:cNvPr id="6" name="TextBox 5">
@@ -15722,1019 +16217,12 @@
           </p:sp>
         </mc:Fallback>
       </mc:AlternateContent>
-    </p:spTree>
-    <p:extLst>
-      <p:ext uri="{BB962C8B-B14F-4D97-AF65-F5344CB8AC3E}">
-        <p14:creationId xmlns:p14="http://schemas.microsoft.com/office/powerpoint/2010/main" val="4255426026"/>
-      </p:ext>
-    </p:extLst>
-  </p:cSld>
-  <p:clrMapOvr>
-    <a:masterClrMapping/>
-  </p:clrMapOvr>
-</p:sld>
-</file>
-
-<file path=ppt/slides/slide19.xml><?xml version="1.0" encoding="utf-8"?>
-<p:sld xmlns:a="http://schemas.openxmlformats.org/drawingml/2006/main" xmlns:r="http://schemas.openxmlformats.org/officeDocument/2006/relationships" xmlns:p="http://schemas.openxmlformats.org/presentationml/2006/main">
-  <p:cSld>
-    <p:spTree>
-      <p:nvGrpSpPr>
-        <p:cNvPr id="1" name=""/>
-        <p:cNvGrpSpPr/>
-        <p:nvPr/>
-      </p:nvGrpSpPr>
-      <p:grpSpPr>
-        <a:xfrm>
-          <a:off x="0" y="0"/>
-          <a:ext cx="0" cy="0"/>
-          <a:chOff x="0" y="0"/>
-          <a:chExt cx="0" cy="0"/>
-        </a:xfrm>
-      </p:grpSpPr>
-      <p:sp>
-        <p:nvSpPr>
-          <p:cNvPr id="2" name="Title 1">
+      <p:pic>
+        <p:nvPicPr>
+          <p:cNvPr id="7" name="Picture 6">
             <a:extLst>
               <a:ext uri="{FF2B5EF4-FFF2-40B4-BE49-F238E27FC236}">
-                <a16:creationId xmlns:a16="http://schemas.microsoft.com/office/drawing/2014/main" id="{023929B6-FD40-D35A-ED82-6931149E8837}"/>
-              </a:ext>
-            </a:extLst>
-          </p:cNvPr>
-          <p:cNvSpPr>
-            <a:spLocks noGrp="1"/>
-          </p:cNvSpPr>
-          <p:nvPr>
-            <p:ph type="title"/>
-          </p:nvPr>
-        </p:nvSpPr>
-        <p:spPr>
-          <a:xfrm>
-            <a:off x="457200" y="381000"/>
-            <a:ext cx="5466080" cy="838200"/>
-          </a:xfrm>
-        </p:spPr>
-        <p:txBody>
-          <a:bodyPr/>
-          <a:lstStyle/>
-          <a:p>
-            <a:r>
-              <a:rPr lang="en-US" dirty="0"/>
-              <a:t>DC Gain For Transfer Functions</a:t>
-            </a:r>
-          </a:p>
-        </p:txBody>
-      </p:sp>
-      <mc:AlternateContent xmlns:mc="http://schemas.openxmlformats.org/markup-compatibility/2006">
-        <mc:Choice xmlns:a14="http://schemas.microsoft.com/office/drawing/2010/main" Requires="a14">
-          <p:sp>
-            <p:nvSpPr>
-              <p:cNvPr id="3" name="Content Placeholder 2">
-                <a:extLst>
-                  <a:ext uri="{FF2B5EF4-FFF2-40B4-BE49-F238E27FC236}">
-                    <a16:creationId xmlns:a16="http://schemas.microsoft.com/office/drawing/2014/main" id="{CF6C3BA9-3F76-185E-0058-42FEB3F6F0E7}"/>
-                  </a:ext>
-                </a:extLst>
-              </p:cNvPr>
-              <p:cNvSpPr>
-                <a:spLocks noGrp="1"/>
-              </p:cNvSpPr>
-              <p:nvPr>
-                <p:ph idx="1"/>
-              </p:nvPr>
-            </p:nvSpPr>
-            <p:spPr>
-              <a:xfrm>
-                <a:off x="457200" y="1209554"/>
-                <a:ext cx="8229600" cy="4572001"/>
-              </a:xfrm>
-            </p:spPr>
-            <p:txBody>
-              <a:bodyPr/>
-              <a:lstStyle/>
-              <a:p>
-                <a:r>
-                  <a:rPr lang="en-US" b="0" dirty="0"/>
-                  <a:t>Consider the transfer function </a:t>
-                </a:r>
-                <a14:m>
-                  <m:oMath xmlns:m="http://schemas.openxmlformats.org/officeDocument/2006/math">
-                    <m:r>
-                      <a:rPr lang="en-US" b="0" i="1" smtClean="0">
-                        <a:latin typeface="Cambria Math" panose="02040503050406030204" pitchFamily="18" charset="0"/>
-                      </a:rPr>
-                      <m:t>𝐺</m:t>
-                    </m:r>
-                    <m:d>
-                      <m:dPr>
-                        <m:ctrlPr>
-                          <a:rPr lang="en-US" b="0" i="1" smtClean="0">
-                            <a:latin typeface="Cambria Math" panose="02040503050406030204" pitchFamily="18" charset="0"/>
-                          </a:rPr>
-                        </m:ctrlPr>
-                      </m:dPr>
-                      <m:e>
-                        <m:r>
-                          <a:rPr lang="en-US" b="0" i="1" smtClean="0">
-                            <a:latin typeface="Cambria Math" panose="02040503050406030204" pitchFamily="18" charset="0"/>
-                          </a:rPr>
-                          <m:t>𝑠</m:t>
-                        </m:r>
-                      </m:e>
-                    </m:d>
-                    <m:r>
-                      <a:rPr lang="en-US" b="0" i="1" smtClean="0">
-                        <a:latin typeface="Cambria Math" panose="02040503050406030204" pitchFamily="18" charset="0"/>
-                      </a:rPr>
-                      <m:t>=</m:t>
-                    </m:r>
-                    <m:f>
-                      <m:fPr>
-                        <m:ctrlPr>
-                          <a:rPr lang="en-US" b="0" i="1" smtClean="0">
-                            <a:latin typeface="Cambria Math" panose="02040503050406030204" pitchFamily="18" charset="0"/>
-                          </a:rPr>
-                        </m:ctrlPr>
-                      </m:fPr>
-                      <m:num>
-                        <m:r>
-                          <a:rPr lang="en-US" b="0" i="1" smtClean="0">
-                            <a:latin typeface="Cambria Math" panose="02040503050406030204" pitchFamily="18" charset="0"/>
-                          </a:rPr>
-                          <m:t>𝑌</m:t>
-                        </m:r>
-                        <m:d>
-                          <m:dPr>
-                            <m:ctrlPr>
-                              <a:rPr lang="en-US" b="0" i="1" smtClean="0">
-                                <a:latin typeface="Cambria Math" panose="02040503050406030204" pitchFamily="18" charset="0"/>
-                              </a:rPr>
-                            </m:ctrlPr>
-                          </m:dPr>
-                          <m:e>
-                            <m:r>
-                              <a:rPr lang="en-US" b="0" i="1" smtClean="0">
-                                <a:latin typeface="Cambria Math" panose="02040503050406030204" pitchFamily="18" charset="0"/>
-                              </a:rPr>
-                              <m:t>𝑠</m:t>
-                            </m:r>
-                          </m:e>
-                        </m:d>
-                      </m:num>
-                      <m:den>
-                        <m:r>
-                          <a:rPr lang="en-US" b="0" i="1" smtClean="0">
-                            <a:latin typeface="Cambria Math" panose="02040503050406030204" pitchFamily="18" charset="0"/>
-                          </a:rPr>
-                          <m:t>𝑈</m:t>
-                        </m:r>
-                        <m:r>
-                          <a:rPr lang="en-US" b="0" i="1" smtClean="0">
-                            <a:latin typeface="Cambria Math" panose="02040503050406030204" pitchFamily="18" charset="0"/>
-                          </a:rPr>
-                          <m:t>(</m:t>
-                        </m:r>
-                        <m:r>
-                          <a:rPr lang="en-US" b="0" i="1" smtClean="0">
-                            <a:latin typeface="Cambria Math" panose="02040503050406030204" pitchFamily="18" charset="0"/>
-                          </a:rPr>
-                          <m:t>𝑠</m:t>
-                        </m:r>
-                        <m:r>
-                          <a:rPr lang="en-US" b="0" i="1" smtClean="0">
-                            <a:latin typeface="Cambria Math" panose="02040503050406030204" pitchFamily="18" charset="0"/>
-                          </a:rPr>
-                          <m:t>)</m:t>
-                        </m:r>
-                      </m:den>
-                    </m:f>
-                  </m:oMath>
-                </a14:m>
-                <a:r>
-                  <a:rPr lang="en-US" b="0" dirty="0"/>
-                  <a:t>.</a:t>
-                </a:r>
-              </a:p>
-              <a:p>
-                <a:r>
-                  <a:rPr lang="en-US" b="0" dirty="0"/>
-                  <a:t>DC Gain is </a:t>
-                </a:r>
-                <a14:m>
-                  <m:oMath xmlns:m="http://schemas.openxmlformats.org/officeDocument/2006/math">
-                    <m:func>
-                      <m:funcPr>
-                        <m:ctrlPr>
-                          <a:rPr lang="en-US" b="0" i="1" smtClean="0">
-                            <a:latin typeface="Cambria Math" panose="02040503050406030204" pitchFamily="18" charset="0"/>
-                          </a:rPr>
-                        </m:ctrlPr>
-                      </m:funcPr>
-                      <m:fName>
-                        <m:limLow>
-                          <m:limLowPr>
-                            <m:ctrlPr>
-                              <a:rPr lang="en-US" b="0" i="1" smtClean="0">
-                                <a:latin typeface="Cambria Math" panose="02040503050406030204" pitchFamily="18" charset="0"/>
-                              </a:rPr>
-                            </m:ctrlPr>
-                          </m:limLowPr>
-                          <m:e>
-                            <m:r>
-                              <m:rPr>
-                                <m:sty m:val="p"/>
-                              </m:rPr>
-                              <a:rPr lang="en-US" b="0" i="0" smtClean="0">
-                                <a:latin typeface="Cambria Math" panose="02040503050406030204" pitchFamily="18" charset="0"/>
-                              </a:rPr>
-                              <m:t>lim</m:t>
-                            </m:r>
-                          </m:e>
-                          <m:lim>
-                            <m:r>
-                              <a:rPr lang="en-US" b="0" i="1" smtClean="0">
-                                <a:latin typeface="Cambria Math" panose="02040503050406030204" pitchFamily="18" charset="0"/>
-                              </a:rPr>
-                              <m:t>𝑡</m:t>
-                            </m:r>
-                            <m:r>
-                              <a:rPr lang="en-US" b="0" i="1" smtClean="0">
-                                <a:latin typeface="Cambria Math" panose="02040503050406030204" pitchFamily="18" charset="0"/>
-                              </a:rPr>
-                              <m:t>→ ∞</m:t>
-                            </m:r>
-                          </m:lim>
-                        </m:limLow>
-                      </m:fName>
-                      <m:e>
-                        <m:r>
-                          <a:rPr lang="en-US" b="0" i="1" smtClean="0">
-                            <a:latin typeface="Cambria Math" panose="02040503050406030204" pitchFamily="18" charset="0"/>
-                          </a:rPr>
-                          <m:t>𝑦</m:t>
-                        </m:r>
-                        <m:r>
-                          <a:rPr lang="en-US" b="0" i="1" smtClean="0">
-                            <a:latin typeface="Cambria Math" panose="02040503050406030204" pitchFamily="18" charset="0"/>
-                          </a:rPr>
-                          <m:t>(</m:t>
-                        </m:r>
-                        <m:r>
-                          <a:rPr lang="en-US" b="0" i="1" smtClean="0">
-                            <a:latin typeface="Cambria Math" panose="02040503050406030204" pitchFamily="18" charset="0"/>
-                          </a:rPr>
-                          <m:t>𝑡</m:t>
-                        </m:r>
-                        <m:r>
-                          <a:rPr lang="en-US" b="0" i="1" smtClean="0">
-                            <a:latin typeface="Cambria Math" panose="02040503050406030204" pitchFamily="18" charset="0"/>
-                          </a:rPr>
-                          <m:t>)</m:t>
-                        </m:r>
-                      </m:e>
-                    </m:func>
-                  </m:oMath>
-                </a14:m>
-                <a:r>
-                  <a:rPr lang="en-US" sz="3200" dirty="0"/>
-                  <a:t> when </a:t>
-                </a:r>
-                <a14:m>
-                  <m:oMath xmlns:m="http://schemas.openxmlformats.org/officeDocument/2006/math">
-                    <m:r>
-                      <a:rPr lang="en-US" sz="3200" b="0" i="1" smtClean="0">
-                        <a:latin typeface="Cambria Math" panose="02040503050406030204" pitchFamily="18" charset="0"/>
-                      </a:rPr>
-                      <m:t>𝑢</m:t>
-                    </m:r>
-                    <m:d>
-                      <m:dPr>
-                        <m:ctrlPr>
-                          <a:rPr lang="en-US" sz="3200" b="0" i="1" smtClean="0">
-                            <a:latin typeface="Cambria Math" panose="02040503050406030204" pitchFamily="18" charset="0"/>
-                          </a:rPr>
-                        </m:ctrlPr>
-                      </m:dPr>
-                      <m:e>
-                        <m:r>
-                          <a:rPr lang="en-US" sz="3200" b="0" i="1" smtClean="0">
-                            <a:latin typeface="Cambria Math" panose="02040503050406030204" pitchFamily="18" charset="0"/>
-                          </a:rPr>
-                          <m:t>𝑡</m:t>
-                        </m:r>
-                      </m:e>
-                    </m:d>
-                    <m:r>
-                      <a:rPr lang="en-US" sz="3200" b="0" i="1" smtClean="0">
-                        <a:latin typeface="Cambria Math" panose="02040503050406030204" pitchFamily="18" charset="0"/>
-                      </a:rPr>
-                      <m:t>=</m:t>
-                    </m:r>
-                    <m:sSub>
-                      <m:sSubPr>
-                        <m:ctrlPr>
-                          <a:rPr lang="en-US" sz="3200" b="0" i="1" smtClean="0">
-                            <a:latin typeface="Cambria Math" panose="02040503050406030204" pitchFamily="18" charset="0"/>
-                          </a:rPr>
-                        </m:ctrlPr>
-                      </m:sSubPr>
-                      <m:e>
-                        <m:r>
-                          <a:rPr lang="en-US" sz="3200" b="0" i="1" smtClean="0">
-                            <a:latin typeface="Cambria Math" panose="02040503050406030204" pitchFamily="18" charset="0"/>
-                          </a:rPr>
-                          <m:t>1</m:t>
-                        </m:r>
-                      </m:e>
-                      <m:sub>
-                        <m:r>
-                          <a:rPr lang="en-US" sz="3200" b="0" i="1" smtClean="0">
-                            <a:latin typeface="Cambria Math" panose="02040503050406030204" pitchFamily="18" charset="0"/>
-                          </a:rPr>
-                          <m:t>0</m:t>
-                        </m:r>
-                      </m:sub>
-                    </m:sSub>
-                    <m:r>
-                      <a:rPr lang="en-US" sz="3200" b="0" i="1" smtClean="0">
-                        <a:latin typeface="Cambria Math" panose="02040503050406030204" pitchFamily="18" charset="0"/>
-                      </a:rPr>
-                      <m:t>(</m:t>
-                    </m:r>
-                    <m:r>
-                      <a:rPr lang="en-US" sz="3200" b="0" i="1" smtClean="0">
-                        <a:latin typeface="Cambria Math" panose="02040503050406030204" pitchFamily="18" charset="0"/>
-                      </a:rPr>
-                      <m:t>𝑡</m:t>
-                    </m:r>
-                    <m:r>
-                      <a:rPr lang="en-US" sz="3200" b="0" i="1" smtClean="0">
-                        <a:latin typeface="Cambria Math" panose="02040503050406030204" pitchFamily="18" charset="0"/>
-                      </a:rPr>
-                      <m:t>)</m:t>
-                    </m:r>
-                  </m:oMath>
-                </a14:m>
-                <a:r>
-                  <a:rPr lang="en-US" sz="3200" dirty="0"/>
-                  <a:t>.</a:t>
-                </a:r>
-              </a:p>
-              <a:p>
-                <a:r>
-                  <a:rPr lang="en-US" sz="2800" dirty="0">
-                    <a:ea typeface="Cambria Math" panose="02040503050406030204" pitchFamily="18" charset="0"/>
-                  </a:rPr>
-                  <a:t>Derivation of DC gain</a:t>
-                </a:r>
-              </a:p>
-              <a:p>
-                <a:pPr marL="914400" lvl="1" indent="-457200">
-                  <a:buFont typeface="+mj-lt"/>
-                  <a:buAutoNum type="arabicPeriod"/>
-                </a:pPr>
-                <a:r>
-                  <a:rPr lang="en-US" dirty="0">
-                    <a:ea typeface="Cambria Math" panose="02040503050406030204" pitchFamily="18" charset="0"/>
-                  </a:rPr>
-                  <a:t>Recall: </a:t>
-                </a:r>
-                <a14:m>
-                  <m:oMath xmlns:m="http://schemas.openxmlformats.org/officeDocument/2006/math">
-                    <m:r>
-                      <a:rPr lang="en-US" i="1" smtClean="0">
-                        <a:latin typeface="Cambria Math" panose="02040503050406030204" pitchFamily="18" charset="0"/>
-                        <a:ea typeface="Cambria Math" panose="02040503050406030204" pitchFamily="18" charset="0"/>
-                      </a:rPr>
-                      <m:t>ℒ</m:t>
-                    </m:r>
-                    <m:d>
-                      <m:dPr>
-                        <m:ctrlPr>
-                          <a:rPr lang="en-US" b="0" i="1" smtClean="0">
-                            <a:latin typeface="Cambria Math" panose="02040503050406030204" pitchFamily="18" charset="0"/>
-                            <a:ea typeface="Cambria Math" panose="02040503050406030204" pitchFamily="18" charset="0"/>
-                          </a:rPr>
-                        </m:ctrlPr>
-                      </m:dPr>
-                      <m:e>
-                        <m:sSub>
-                          <m:sSubPr>
-                            <m:ctrlPr>
-                              <a:rPr lang="en-US" b="0" i="1" smtClean="0">
-                                <a:latin typeface="Cambria Math" panose="02040503050406030204" pitchFamily="18" charset="0"/>
-                                <a:ea typeface="Cambria Math" panose="02040503050406030204" pitchFamily="18" charset="0"/>
-                              </a:rPr>
-                            </m:ctrlPr>
-                          </m:sSubPr>
-                          <m:e>
-                            <m:r>
-                              <a:rPr lang="en-US" b="0" i="1" smtClean="0">
-                                <a:latin typeface="Cambria Math" panose="02040503050406030204" pitchFamily="18" charset="0"/>
-                                <a:ea typeface="Cambria Math" panose="02040503050406030204" pitchFamily="18" charset="0"/>
-                              </a:rPr>
-                              <m:t>1</m:t>
-                            </m:r>
-                          </m:e>
-                          <m:sub>
-                            <m:r>
-                              <a:rPr lang="en-US" b="0" i="1" smtClean="0">
-                                <a:latin typeface="Cambria Math" panose="02040503050406030204" pitchFamily="18" charset="0"/>
-                                <a:ea typeface="Cambria Math" panose="02040503050406030204" pitchFamily="18" charset="0"/>
-                              </a:rPr>
-                              <m:t>0</m:t>
-                            </m:r>
-                          </m:sub>
-                        </m:sSub>
-                      </m:e>
-                    </m:d>
-                    <m:r>
-                      <a:rPr lang="en-US" b="0" i="1" smtClean="0">
-                        <a:latin typeface="Cambria Math" panose="02040503050406030204" pitchFamily="18" charset="0"/>
-                        <a:ea typeface="Cambria Math" panose="02040503050406030204" pitchFamily="18" charset="0"/>
-                      </a:rPr>
-                      <m:t>=</m:t>
-                    </m:r>
-                    <m:f>
-                      <m:fPr>
-                        <m:ctrlPr>
-                          <a:rPr lang="en-US" b="0" i="1" smtClean="0">
-                            <a:latin typeface="Cambria Math" panose="02040503050406030204" pitchFamily="18" charset="0"/>
-                            <a:ea typeface="Cambria Math" panose="02040503050406030204" pitchFamily="18" charset="0"/>
-                          </a:rPr>
-                        </m:ctrlPr>
-                      </m:fPr>
-                      <m:num>
-                        <m:r>
-                          <a:rPr lang="en-US" b="0" i="1" smtClean="0">
-                            <a:latin typeface="Cambria Math" panose="02040503050406030204" pitchFamily="18" charset="0"/>
-                            <a:ea typeface="Cambria Math" panose="02040503050406030204" pitchFamily="18" charset="0"/>
-                          </a:rPr>
-                          <m:t>1</m:t>
-                        </m:r>
-                      </m:num>
-                      <m:den>
-                        <m:r>
-                          <a:rPr lang="en-US" b="0" i="1" smtClean="0">
-                            <a:latin typeface="Cambria Math" panose="02040503050406030204" pitchFamily="18" charset="0"/>
-                            <a:ea typeface="Cambria Math" panose="02040503050406030204" pitchFamily="18" charset="0"/>
-                          </a:rPr>
-                          <m:t>𝑠</m:t>
-                        </m:r>
-                      </m:den>
-                    </m:f>
-                  </m:oMath>
-                </a14:m>
-                <a:r>
-                  <a:rPr lang="en-US" dirty="0"/>
-                  <a:t> , </a:t>
-                </a:r>
-                <a14:m>
-                  <m:oMath xmlns:m="http://schemas.openxmlformats.org/officeDocument/2006/math">
-                    <m:r>
-                      <a:rPr lang="en-US" b="0" i="1" smtClean="0">
-                        <a:latin typeface="Cambria Math" panose="02040503050406030204" pitchFamily="18" charset="0"/>
-                      </a:rPr>
-                      <m:t>𝑌</m:t>
-                    </m:r>
-                    <m:d>
-                      <m:dPr>
-                        <m:ctrlPr>
-                          <a:rPr lang="en-US" b="0" i="1" smtClean="0">
-                            <a:latin typeface="Cambria Math" panose="02040503050406030204" pitchFamily="18" charset="0"/>
-                          </a:rPr>
-                        </m:ctrlPr>
-                      </m:dPr>
-                      <m:e>
-                        <m:r>
-                          <a:rPr lang="en-US" b="0" i="1" smtClean="0">
-                            <a:latin typeface="Cambria Math" panose="02040503050406030204" pitchFamily="18" charset="0"/>
-                          </a:rPr>
-                          <m:t>𝑠</m:t>
-                        </m:r>
-                      </m:e>
-                    </m:d>
-                    <m:r>
-                      <a:rPr lang="en-US" b="0" i="1" smtClean="0">
-                        <a:latin typeface="Cambria Math" panose="02040503050406030204" pitchFamily="18" charset="0"/>
-                      </a:rPr>
-                      <m:t>=</m:t>
-                    </m:r>
-                    <m:r>
-                      <a:rPr lang="en-US" b="0" i="1" smtClean="0">
-                        <a:latin typeface="Cambria Math" panose="02040503050406030204" pitchFamily="18" charset="0"/>
-                      </a:rPr>
-                      <m:t>𝑈</m:t>
-                    </m:r>
-                    <m:d>
-                      <m:dPr>
-                        <m:ctrlPr>
-                          <a:rPr lang="en-US" b="0" i="1" smtClean="0">
-                            <a:latin typeface="Cambria Math" panose="02040503050406030204" pitchFamily="18" charset="0"/>
-                          </a:rPr>
-                        </m:ctrlPr>
-                      </m:dPr>
-                      <m:e>
-                        <m:r>
-                          <a:rPr lang="en-US" b="0" i="1" smtClean="0">
-                            <a:latin typeface="Cambria Math" panose="02040503050406030204" pitchFamily="18" charset="0"/>
-                          </a:rPr>
-                          <m:t>𝑠</m:t>
-                        </m:r>
-                      </m:e>
-                    </m:d>
-                    <m:r>
-                      <a:rPr lang="en-US" b="0" i="1" smtClean="0">
-                        <a:latin typeface="Cambria Math" panose="02040503050406030204" pitchFamily="18" charset="0"/>
-                      </a:rPr>
-                      <m:t>𝐺</m:t>
-                    </m:r>
-                    <m:r>
-                      <a:rPr lang="en-US" b="0" i="1" smtClean="0">
-                        <a:latin typeface="Cambria Math" panose="02040503050406030204" pitchFamily="18" charset="0"/>
-                      </a:rPr>
-                      <m:t>(</m:t>
-                    </m:r>
-                    <m:r>
-                      <a:rPr lang="en-US" b="0" i="1" smtClean="0">
-                        <a:latin typeface="Cambria Math" panose="02040503050406030204" pitchFamily="18" charset="0"/>
-                      </a:rPr>
-                      <m:t>𝑠</m:t>
-                    </m:r>
-                    <m:r>
-                      <a:rPr lang="en-US" b="0" i="1" smtClean="0">
-                        <a:latin typeface="Cambria Math" panose="02040503050406030204" pitchFamily="18" charset="0"/>
-                      </a:rPr>
-                      <m:t>)</m:t>
-                    </m:r>
-                  </m:oMath>
-                </a14:m>
-                <a:endParaRPr lang="en-US" dirty="0"/>
-              </a:p>
-              <a:p>
-                <a:pPr marL="914400" lvl="1" indent="-457200">
-                  <a:buFont typeface="+mj-lt"/>
-                  <a:buAutoNum type="arabicPeriod"/>
-                </a:pPr>
-                <a:r>
-                  <a:rPr lang="en-US" dirty="0"/>
-                  <a:t>Given this, </a:t>
-                </a:r>
-                <a14:m>
-                  <m:oMath xmlns:m="http://schemas.openxmlformats.org/officeDocument/2006/math">
-                    <m:r>
-                      <a:rPr lang="en-US" b="0" i="1" smtClean="0">
-                        <a:latin typeface="Cambria Math" panose="02040503050406030204" pitchFamily="18" charset="0"/>
-                      </a:rPr>
-                      <m:t>𝑌</m:t>
-                    </m:r>
-                    <m:d>
-                      <m:dPr>
-                        <m:ctrlPr>
-                          <a:rPr lang="en-US" b="0" i="1" smtClean="0">
-                            <a:latin typeface="Cambria Math" panose="02040503050406030204" pitchFamily="18" charset="0"/>
-                          </a:rPr>
-                        </m:ctrlPr>
-                      </m:dPr>
-                      <m:e>
-                        <m:r>
-                          <a:rPr lang="en-US" b="0" i="1" smtClean="0">
-                            <a:latin typeface="Cambria Math" panose="02040503050406030204" pitchFamily="18" charset="0"/>
-                          </a:rPr>
-                          <m:t>𝑠</m:t>
-                        </m:r>
-                      </m:e>
-                    </m:d>
-                    <m:r>
-                      <a:rPr lang="en-US" b="0" i="1" smtClean="0">
-                        <a:latin typeface="Cambria Math" panose="02040503050406030204" pitchFamily="18" charset="0"/>
-                      </a:rPr>
-                      <m:t>=</m:t>
-                    </m:r>
-                    <m:f>
-                      <m:fPr>
-                        <m:ctrlPr>
-                          <a:rPr lang="en-US" b="0" i="1" smtClean="0">
-                            <a:latin typeface="Cambria Math" panose="02040503050406030204" pitchFamily="18" charset="0"/>
-                          </a:rPr>
-                        </m:ctrlPr>
-                      </m:fPr>
-                      <m:num>
-                        <m:r>
-                          <a:rPr lang="en-US" b="0" i="1" smtClean="0">
-                            <a:latin typeface="Cambria Math" panose="02040503050406030204" pitchFamily="18" charset="0"/>
-                          </a:rPr>
-                          <m:t>1</m:t>
-                        </m:r>
-                      </m:num>
-                      <m:den>
-                        <m:r>
-                          <a:rPr lang="en-US" b="0" i="1" smtClean="0">
-                            <a:latin typeface="Cambria Math" panose="02040503050406030204" pitchFamily="18" charset="0"/>
-                          </a:rPr>
-                          <m:t>𝑠</m:t>
-                        </m:r>
-                      </m:den>
-                    </m:f>
-                    <m:r>
-                      <a:rPr lang="en-US" b="0" i="1" smtClean="0">
-                        <a:latin typeface="Cambria Math" panose="02040503050406030204" pitchFamily="18" charset="0"/>
-                      </a:rPr>
-                      <m:t>𝐺</m:t>
-                    </m:r>
-                    <m:d>
-                      <m:dPr>
-                        <m:ctrlPr>
-                          <a:rPr lang="en-US" b="0" i="1" smtClean="0">
-                            <a:latin typeface="Cambria Math" panose="02040503050406030204" pitchFamily="18" charset="0"/>
-                          </a:rPr>
-                        </m:ctrlPr>
-                      </m:dPr>
-                      <m:e>
-                        <m:r>
-                          <a:rPr lang="en-US" b="0" i="1" smtClean="0">
-                            <a:latin typeface="Cambria Math" panose="02040503050406030204" pitchFamily="18" charset="0"/>
-                          </a:rPr>
-                          <m:t>𝑠</m:t>
-                        </m:r>
-                      </m:e>
-                    </m:d>
-                  </m:oMath>
-                </a14:m>
-                <a:r>
-                  <a:rPr lang="en-US" dirty="0"/>
-                  <a:t>.</a:t>
-                </a:r>
-              </a:p>
-              <a:p>
-                <a:pPr marL="914400" lvl="1" indent="-457200">
-                  <a:buFont typeface="+mj-lt"/>
-                  <a:buAutoNum type="arabicPeriod"/>
-                </a:pPr>
-                <a:r>
-                  <a:rPr lang="en-US" dirty="0"/>
-                  <a:t>From the final value theorem,</a:t>
-                </a:r>
-              </a:p>
-              <a:p>
-                <a:pPr marL="457200" lvl="1" indent="0">
-                  <a:buNone/>
-                </a:pPr>
-                <a14:m>
-                  <m:oMath xmlns:m="http://schemas.openxmlformats.org/officeDocument/2006/math">
-                    <m:func>
-                      <m:funcPr>
-                        <m:ctrlPr>
-                          <a:rPr lang="en-US" i="1">
-                            <a:latin typeface="Cambria Math" panose="02040503050406030204" pitchFamily="18" charset="0"/>
-                          </a:rPr>
-                        </m:ctrlPr>
-                      </m:funcPr>
-                      <m:fName>
-                        <m:limLow>
-                          <m:limLowPr>
-                            <m:ctrlPr>
-                              <a:rPr lang="en-US" i="1">
-                                <a:latin typeface="Cambria Math" panose="02040503050406030204" pitchFamily="18" charset="0"/>
-                              </a:rPr>
-                            </m:ctrlPr>
-                          </m:limLowPr>
-                          <m:e>
-                            <m:r>
-                              <m:rPr>
-                                <m:sty m:val="p"/>
-                              </m:rPr>
-                              <a:rPr lang="en-US">
-                                <a:latin typeface="Cambria Math" panose="02040503050406030204" pitchFamily="18" charset="0"/>
-                              </a:rPr>
-                              <m:t>lim</m:t>
-                            </m:r>
-                          </m:e>
-                          <m:lim>
-                            <m:r>
-                              <a:rPr lang="en-US" i="1">
-                                <a:latin typeface="Cambria Math" panose="02040503050406030204" pitchFamily="18" charset="0"/>
-                              </a:rPr>
-                              <m:t>𝑡</m:t>
-                            </m:r>
-                            <m:r>
-                              <a:rPr lang="en-US" i="1">
-                                <a:latin typeface="Cambria Math" panose="02040503050406030204" pitchFamily="18" charset="0"/>
-                              </a:rPr>
-                              <m:t>→ ∞</m:t>
-                            </m:r>
-                          </m:lim>
-                        </m:limLow>
-                      </m:fName>
-                      <m:e>
-                        <m:r>
-                          <a:rPr lang="en-US" i="1">
-                            <a:latin typeface="Cambria Math" panose="02040503050406030204" pitchFamily="18" charset="0"/>
-                          </a:rPr>
-                          <m:t>𝑦</m:t>
-                        </m:r>
-                        <m:r>
-                          <a:rPr lang="en-US" i="1">
-                            <a:latin typeface="Cambria Math" panose="02040503050406030204" pitchFamily="18" charset="0"/>
-                          </a:rPr>
-                          <m:t>(</m:t>
-                        </m:r>
-                        <m:r>
-                          <a:rPr lang="en-US" i="1">
-                            <a:latin typeface="Cambria Math" panose="02040503050406030204" pitchFamily="18" charset="0"/>
-                          </a:rPr>
-                          <m:t>𝑡</m:t>
-                        </m:r>
-                        <m:r>
-                          <a:rPr lang="en-US" i="1">
-                            <a:latin typeface="Cambria Math" panose="02040503050406030204" pitchFamily="18" charset="0"/>
-                          </a:rPr>
-                          <m:t>)</m:t>
-                        </m:r>
-                      </m:e>
-                    </m:func>
-                    <m:r>
-                      <a:rPr lang="en-US" b="0" i="1" smtClean="0">
-                        <a:latin typeface="Cambria Math" panose="02040503050406030204" pitchFamily="18" charset="0"/>
-                      </a:rPr>
-                      <m:t>=</m:t>
-                    </m:r>
-                    <m:r>
-                      <m:rPr>
-                        <m:sty m:val="p"/>
-                      </m:rPr>
-                      <a:rPr lang="en-US">
-                        <a:latin typeface="Cambria Math" panose="02040503050406030204" pitchFamily="18" charset="0"/>
-                      </a:rPr>
-                      <m:t>s</m:t>
-                    </m:r>
-                    <m:func>
-                      <m:funcPr>
-                        <m:ctrlPr>
-                          <a:rPr lang="en-US" i="1">
-                            <a:latin typeface="Cambria Math" panose="02040503050406030204" pitchFamily="18" charset="0"/>
-                          </a:rPr>
-                        </m:ctrlPr>
-                      </m:funcPr>
-                      <m:fName>
-                        <m:limLow>
-                          <m:limLowPr>
-                            <m:ctrlPr>
-                              <a:rPr lang="en-US" i="1">
-                                <a:latin typeface="Cambria Math" panose="02040503050406030204" pitchFamily="18" charset="0"/>
-                              </a:rPr>
-                            </m:ctrlPr>
-                          </m:limLowPr>
-                          <m:e>
-                            <m:r>
-                              <m:rPr>
-                                <m:sty m:val="p"/>
-                              </m:rPr>
-                              <a:rPr lang="en-US">
-                                <a:latin typeface="Cambria Math" panose="02040503050406030204" pitchFamily="18" charset="0"/>
-                              </a:rPr>
-                              <m:t>lim</m:t>
-                            </m:r>
-                          </m:e>
-                          <m:lim>
-                            <m:r>
-                              <a:rPr lang="en-US" i="1">
-                                <a:latin typeface="Cambria Math" panose="02040503050406030204" pitchFamily="18" charset="0"/>
-                              </a:rPr>
-                              <m:t>𝑠</m:t>
-                            </m:r>
-                            <m:r>
-                              <a:rPr lang="en-US" i="1">
-                                <a:latin typeface="Cambria Math" panose="02040503050406030204" pitchFamily="18" charset="0"/>
-                              </a:rPr>
-                              <m:t>→0</m:t>
-                            </m:r>
-                          </m:lim>
-                        </m:limLow>
-                      </m:fName>
-                      <m:e>
-                        <m:f>
-                          <m:fPr>
-                            <m:ctrlPr>
-                              <a:rPr lang="en-US" i="1">
-                                <a:latin typeface="Cambria Math" panose="02040503050406030204" pitchFamily="18" charset="0"/>
-                              </a:rPr>
-                            </m:ctrlPr>
-                          </m:fPr>
-                          <m:num>
-                            <m:r>
-                              <a:rPr lang="en-US" i="1">
-                                <a:latin typeface="Cambria Math" panose="02040503050406030204" pitchFamily="18" charset="0"/>
-                              </a:rPr>
-                              <m:t>1</m:t>
-                            </m:r>
-                          </m:num>
-                          <m:den>
-                            <m:r>
-                              <a:rPr lang="en-US" i="1">
-                                <a:latin typeface="Cambria Math" panose="02040503050406030204" pitchFamily="18" charset="0"/>
-                              </a:rPr>
-                              <m:t>𝑠</m:t>
-                            </m:r>
-                          </m:den>
-                        </m:f>
-                        <m:r>
-                          <a:rPr lang="en-US" i="1">
-                            <a:latin typeface="Cambria Math" panose="02040503050406030204" pitchFamily="18" charset="0"/>
-                          </a:rPr>
-                          <m:t>𝐺</m:t>
-                        </m:r>
-                        <m:d>
-                          <m:dPr>
-                            <m:ctrlPr>
-                              <a:rPr lang="en-US" i="1">
-                                <a:latin typeface="Cambria Math" panose="02040503050406030204" pitchFamily="18" charset="0"/>
-                              </a:rPr>
-                            </m:ctrlPr>
-                          </m:dPr>
-                          <m:e>
-                            <m:r>
-                              <a:rPr lang="en-US" i="1">
-                                <a:latin typeface="Cambria Math" panose="02040503050406030204" pitchFamily="18" charset="0"/>
-                              </a:rPr>
-                              <m:t>𝑠</m:t>
-                            </m:r>
-                          </m:e>
-                        </m:d>
-                        <m:r>
-                          <a:rPr lang="en-US" i="1">
-                            <a:latin typeface="Cambria Math" panose="02040503050406030204" pitchFamily="18" charset="0"/>
-                          </a:rPr>
-                          <m:t>=</m:t>
-                        </m:r>
-                        <m:func>
-                          <m:funcPr>
-                            <m:ctrlPr>
-                              <a:rPr lang="en-US" i="1">
-                                <a:latin typeface="Cambria Math" panose="02040503050406030204" pitchFamily="18" charset="0"/>
-                              </a:rPr>
-                            </m:ctrlPr>
-                          </m:funcPr>
-                          <m:fName>
-                            <m:limLow>
-                              <m:limLowPr>
-                                <m:ctrlPr>
-                                  <a:rPr lang="en-US" i="1">
-                                    <a:latin typeface="Cambria Math" panose="02040503050406030204" pitchFamily="18" charset="0"/>
-                                  </a:rPr>
-                                </m:ctrlPr>
-                              </m:limLowPr>
-                              <m:e>
-                                <m:r>
-                                  <m:rPr>
-                                    <m:sty m:val="p"/>
-                                  </m:rPr>
-                                  <a:rPr lang="en-US">
-                                    <a:latin typeface="Cambria Math" panose="02040503050406030204" pitchFamily="18" charset="0"/>
-                                  </a:rPr>
-                                  <m:t>lim</m:t>
-                                </m:r>
-                              </m:e>
-                              <m:lim>
-                                <m:r>
-                                  <a:rPr lang="en-US" i="1">
-                                    <a:latin typeface="Cambria Math" panose="02040503050406030204" pitchFamily="18" charset="0"/>
-                                  </a:rPr>
-                                  <m:t>𝑠</m:t>
-                                </m:r>
-                                <m:r>
-                                  <a:rPr lang="en-US" i="1">
-                                    <a:latin typeface="Cambria Math" panose="02040503050406030204" pitchFamily="18" charset="0"/>
-                                  </a:rPr>
-                                  <m:t>→0</m:t>
-                                </m:r>
-                              </m:lim>
-                            </m:limLow>
-                          </m:fName>
-                          <m:e>
-                            <m:r>
-                              <a:rPr lang="en-US" i="1">
-                                <a:latin typeface="Cambria Math" panose="02040503050406030204" pitchFamily="18" charset="0"/>
-                              </a:rPr>
-                              <m:t>𝐺</m:t>
-                            </m:r>
-                            <m:r>
-                              <a:rPr lang="en-US" i="1">
-                                <a:latin typeface="Cambria Math" panose="02040503050406030204" pitchFamily="18" charset="0"/>
-                              </a:rPr>
-                              <m:t>(</m:t>
-                            </m:r>
-                            <m:r>
-                              <a:rPr lang="en-US" i="1">
-                                <a:latin typeface="Cambria Math" panose="02040503050406030204" pitchFamily="18" charset="0"/>
-                              </a:rPr>
-                              <m:t>𝑠</m:t>
-                            </m:r>
-                            <m:r>
-                              <a:rPr lang="en-US" i="1">
-                                <a:latin typeface="Cambria Math" panose="02040503050406030204" pitchFamily="18" charset="0"/>
-                              </a:rPr>
-                              <m:t>)</m:t>
-                            </m:r>
-                          </m:e>
-                        </m:func>
-                      </m:e>
-                    </m:func>
-                  </m:oMath>
-                </a14:m>
-                <a:r>
-                  <a:rPr lang="en-US" dirty="0"/>
-                  <a:t> if the limit is finite.</a:t>
-                </a:r>
-              </a:p>
-            </p:txBody>
-          </p:sp>
-        </mc:Choice>
-        <mc:Fallback>
-          <p:sp>
-            <p:nvSpPr>
-              <p:cNvPr id="3" name="Content Placeholder 2">
-                <a:extLst>
-                  <a:ext uri="{FF2B5EF4-FFF2-40B4-BE49-F238E27FC236}">
-                    <a16:creationId xmlns:a16="http://schemas.microsoft.com/office/drawing/2014/main" id="{CF6C3BA9-3F76-185E-0058-42FEB3F6F0E7}"/>
-                  </a:ext>
-                </a:extLst>
-              </p:cNvPr>
-              <p:cNvSpPr>
-                <a:spLocks noGrp="1" noRot="1" noChangeAspect="1" noMove="1" noResize="1" noEditPoints="1" noAdjustHandles="1" noChangeArrowheads="1" noChangeShapeType="1" noTextEdit="1"/>
-              </p:cNvSpPr>
-              <p:nvPr>
-                <p:ph idx="1"/>
-              </p:nvPr>
-            </p:nvSpPr>
-            <p:spPr>
-              <a:xfrm>
-                <a:off x="457200" y="1209554"/>
-                <a:ext cx="8229600" cy="4572001"/>
-              </a:xfrm>
-              <a:blipFill>
-                <a:blip r:embed="rId2"/>
-                <a:stretch>
-                  <a:fillRect l="-1389"/>
-                </a:stretch>
-              </a:blipFill>
-            </p:spPr>
-            <p:txBody>
-              <a:bodyPr/>
-              <a:lstStyle/>
-              <a:p>
-                <a:r>
-                  <a:rPr lang="en-US">
-                    <a:noFill/>
-                  </a:rPr>
-                  <a:t> </a:t>
-                </a:r>
-              </a:p>
-            </p:txBody>
-          </p:sp>
-        </mc:Fallback>
-      </mc:AlternateContent>
-      <p:sp>
-        <p:nvSpPr>
-          <p:cNvPr id="4" name="Slide Number Placeholder 3">
-            <a:extLst>
-              <a:ext uri="{FF2B5EF4-FFF2-40B4-BE49-F238E27FC236}">
-                <a16:creationId xmlns:a16="http://schemas.microsoft.com/office/drawing/2014/main" id="{4DB34136-D5B2-57EE-BCA5-C413172541AD}"/>
-              </a:ext>
-            </a:extLst>
-          </p:cNvPr>
-          <p:cNvSpPr>
-            <a:spLocks noGrp="1"/>
-          </p:cNvSpPr>
-          <p:nvPr>
-            <p:ph type="sldNum" sz="quarter" idx="11"/>
-          </p:nvPr>
-        </p:nvSpPr>
-        <p:spPr/>
-        <p:txBody>
-          <a:bodyPr/>
-          <a:lstStyle/>
-          <a:p>
-            <a:pPr>
-              <a:defRPr/>
-            </a:pPr>
-            <a:fld id="{3EF4E9CC-9D91-476E-91FD-5BEEC1642931}" type="slidenum">
-              <a:rPr lang="en-US" altLang="x-none" smtClean="0"/>
-              <a:pPr>
-                <a:defRPr/>
-              </a:pPr>
-              <a:t>19</a:t>
-            </a:fld>
-            <a:endParaRPr lang="en-US" altLang="x-none"/>
-          </a:p>
-        </p:txBody>
-      </p:sp>
-      <p:pic>
-        <p:nvPicPr>
-          <p:cNvPr id="5" name="Picture 4">
-            <a:extLst>
-              <a:ext uri="{FF2B5EF4-FFF2-40B4-BE49-F238E27FC236}">
-                <a16:creationId xmlns:a16="http://schemas.microsoft.com/office/drawing/2014/main" id="{8BF5577B-6F52-AD91-00DD-59A3DA2EF0F9}"/>
+                <a16:creationId xmlns:a16="http://schemas.microsoft.com/office/drawing/2014/main" id="{E7648BE0-F643-41A1-785B-3836D5375113}"/>
               </a:ext>
             </a:extLst>
           </p:cNvPr>
@@ -16744,15 +16232,15 @@
           <p:nvPr/>
         </p:nvPicPr>
         <p:blipFill>
-          <a:blip r:embed="rId3"/>
+          <a:blip r:embed="rId4"/>
           <a:stretch>
             <a:fillRect/>
           </a:stretch>
         </p:blipFill>
         <p:spPr>
           <a:xfrm>
-            <a:off x="6999443" y="387416"/>
-            <a:ext cx="1622115" cy="612480"/>
+            <a:off x="2654300" y="4153739"/>
+            <a:ext cx="1917700" cy="1828800"/>
           </a:xfrm>
           <a:prstGeom prst="rect">
             <a:avLst/>
@@ -16762,7 +16250,7 @@
     </p:spTree>
     <p:extLst>
       <p:ext uri="{BB962C8B-B14F-4D97-AF65-F5344CB8AC3E}">
-        <p14:creationId xmlns:p14="http://schemas.microsoft.com/office/powerpoint/2010/main" val="779489745"/>
+        <p14:creationId xmlns:p14="http://schemas.microsoft.com/office/powerpoint/2010/main" val="4255426026"/>
       </p:ext>
     </p:extLst>
   </p:cSld>
@@ -16803,7 +16291,7 @@
                                           </p:stCondLst>
                                         </p:cTn>
                                         <p:tgtEl>
-                                          <p:spTgt spid="3">
+                                          <p:spTgt spid="4">
                                             <p:txEl>
                                               <p:pRg st="0" end="0"/>
                                             </p:txEl>
@@ -16852,7 +16340,7 @@
                                           </p:stCondLst>
                                         </p:cTn>
                                         <p:tgtEl>
-                                          <p:spTgt spid="3">
+                                          <p:spTgt spid="4">
                                             <p:txEl>
                                               <p:pRg st="1" end="1"/>
                                             </p:txEl>
@@ -16901,40 +16389,9 @@
                                           </p:stCondLst>
                                         </p:cTn>
                                         <p:tgtEl>
-                                          <p:spTgt spid="3">
+                                          <p:spTgt spid="4">
                                             <p:txEl>
                                               <p:pRg st="2" end="2"/>
-                                            </p:txEl>
-                                          </p:spTgt>
-                                        </p:tgtEl>
-                                        <p:attrNameLst>
-                                          <p:attrName>style.visibility</p:attrName>
-                                        </p:attrNameLst>
-                                      </p:cBhvr>
-                                      <p:to>
-                                        <p:strVal val="visible"/>
-                                      </p:to>
-                                    </p:set>
-                                  </p:childTnLst>
-                                </p:cTn>
-                              </p:par>
-                              <p:par>
-                                <p:cTn id="15" presetID="1" presetClass="entr" presetSubtype="0" fill="hold" nodeType="withEffect">
-                                  <p:stCondLst>
-                                    <p:cond delay="0"/>
-                                  </p:stCondLst>
-                                  <p:childTnLst>
-                                    <p:set>
-                                      <p:cBhvr>
-                                        <p:cTn id="16" dur="1" fill="hold">
-                                          <p:stCondLst>
-                                            <p:cond delay="0"/>
-                                          </p:stCondLst>
-                                        </p:cTn>
-                                        <p:tgtEl>
-                                          <p:spTgt spid="3">
-                                            <p:txEl>
-                                              <p:pRg st="3" end="3"/>
                                             </p:txEl>
                                           </p:spTgt>
                                         </p:tgtEl>
@@ -16956,116 +16413,32 @@
                     </p:cTn>
                   </p:par>
                   <p:par>
-                    <p:cTn id="17" fill="hold">
+                    <p:cTn id="15" fill="hold">
                       <p:stCondLst>
                         <p:cond delay="indefinite"/>
                       </p:stCondLst>
                       <p:childTnLst>
                         <p:par>
-                          <p:cTn id="18" fill="hold">
+                          <p:cTn id="16" fill="hold">
                             <p:stCondLst>
                               <p:cond delay="0"/>
                             </p:stCondLst>
                             <p:childTnLst>
                               <p:par>
-                                <p:cTn id="19" presetID="1" presetClass="entr" presetSubtype="0" fill="hold" nodeType="clickEffect">
+                                <p:cTn id="17" presetID="1" presetClass="entr" presetSubtype="0" fill="hold" nodeType="clickEffect">
                                   <p:stCondLst>
                                     <p:cond delay="0"/>
                                   </p:stCondLst>
                                   <p:childTnLst>
                                     <p:set>
                                       <p:cBhvr>
-                                        <p:cTn id="20" dur="1" fill="hold">
+                                        <p:cTn id="18" dur="1" fill="hold">
                                           <p:stCondLst>
                                             <p:cond delay="0"/>
                                           </p:stCondLst>
                                         </p:cTn>
                                         <p:tgtEl>
-                                          <p:spTgt spid="3">
-                                            <p:txEl>
-                                              <p:pRg st="4" end="4"/>
-                                            </p:txEl>
-                                          </p:spTgt>
-                                        </p:tgtEl>
-                                        <p:attrNameLst>
-                                          <p:attrName>style.visibility</p:attrName>
-                                        </p:attrNameLst>
-                                      </p:cBhvr>
-                                      <p:to>
-                                        <p:strVal val="visible"/>
-                                      </p:to>
-                                    </p:set>
-                                  </p:childTnLst>
-                                </p:cTn>
-                              </p:par>
-                            </p:childTnLst>
-                          </p:cTn>
-                        </p:par>
-                      </p:childTnLst>
-                    </p:cTn>
-                  </p:par>
-                  <p:par>
-                    <p:cTn id="21" fill="hold">
-                      <p:stCondLst>
-                        <p:cond delay="indefinite"/>
-                      </p:stCondLst>
-                      <p:childTnLst>
-                        <p:par>
-                          <p:cTn id="22" fill="hold">
-                            <p:stCondLst>
-                              <p:cond delay="0"/>
-                            </p:stCondLst>
-                            <p:childTnLst>
-                              <p:par>
-                                <p:cTn id="23" presetID="1" presetClass="entr" presetSubtype="0" fill="hold" nodeType="clickEffect">
-                                  <p:stCondLst>
-                                    <p:cond delay="0"/>
-                                  </p:stCondLst>
-                                  <p:childTnLst>
-                                    <p:set>
-                                      <p:cBhvr>
-                                        <p:cTn id="24" dur="1" fill="hold">
-                                          <p:stCondLst>
-                                            <p:cond delay="0"/>
-                                          </p:stCondLst>
-                                        </p:cTn>
-                                        <p:tgtEl>
-                                          <p:spTgt spid="3">
-                                            <p:txEl>
-                                              <p:pRg st="5" end="5"/>
-                                            </p:txEl>
-                                          </p:spTgt>
-                                        </p:tgtEl>
-                                        <p:attrNameLst>
-                                          <p:attrName>style.visibility</p:attrName>
-                                        </p:attrNameLst>
-                                      </p:cBhvr>
-                                      <p:to>
-                                        <p:strVal val="visible"/>
-                                      </p:to>
-                                    </p:set>
-                                  </p:childTnLst>
-                                </p:cTn>
-                              </p:par>
-                              <p:par>
-                                <p:cTn id="25" presetID="1" presetClass="entr" presetSubtype="0" fill="hold" nodeType="withEffect">
-                                  <p:stCondLst>
-                                    <p:cond delay="0"/>
-                                  </p:stCondLst>
-                                  <p:childTnLst>
-                                    <p:set>
-                                      <p:cBhvr>
-                                        <p:cTn id="26" dur="1" fill="hold">
-                                          <p:stCondLst>
-                                            <p:cond delay="0"/>
-                                          </p:stCondLst>
-                                        </p:cTn>
-                                        <p:tgtEl>
-                                          <p:spTgt spid="3">
-                                            <p:txEl>
-                                              <p:pRg st="6" end="6"/>
-                                            </p:txEl>
-                                          </p:spTgt>
+                                          <p:spTgt spid="7"/>
                                         </p:tgtEl>
                                         <p:attrNameLst>
                                           <p:attrName>style.visibility</p:attrName>
@@ -17290,6 +16663,1448 @@
           <p:cNvPr id="2" name="Title 1">
             <a:extLst>
               <a:ext uri="{FF2B5EF4-FFF2-40B4-BE49-F238E27FC236}">
+                <a16:creationId xmlns:a16="http://schemas.microsoft.com/office/drawing/2014/main" id="{023929B6-FD40-D35A-ED82-6931149E8837}"/>
+              </a:ext>
+            </a:extLst>
+          </p:cNvPr>
+          <p:cNvSpPr>
+            <a:spLocks noGrp="1"/>
+          </p:cNvSpPr>
+          <p:nvPr>
+            <p:ph type="title"/>
+          </p:nvPr>
+        </p:nvSpPr>
+        <p:spPr>
+          <a:xfrm>
+            <a:off x="457200" y="381000"/>
+            <a:ext cx="5466080" cy="838200"/>
+          </a:xfrm>
+        </p:spPr>
+        <p:txBody>
+          <a:bodyPr/>
+          <a:lstStyle/>
+          <a:p>
+            <a:r>
+              <a:rPr lang="en-US" dirty="0"/>
+              <a:t>DC Gain For Transfer Functions</a:t>
+            </a:r>
+          </a:p>
+        </p:txBody>
+      </p:sp>
+      <mc:AlternateContent xmlns:mc="http://schemas.openxmlformats.org/markup-compatibility/2006">
+        <mc:Choice xmlns:a14="http://schemas.microsoft.com/office/drawing/2010/main" Requires="a14">
+          <p:sp>
+            <p:nvSpPr>
+              <p:cNvPr id="3" name="Content Placeholder 2">
+                <a:extLst>
+                  <a:ext uri="{FF2B5EF4-FFF2-40B4-BE49-F238E27FC236}">
+                    <a16:creationId xmlns:a16="http://schemas.microsoft.com/office/drawing/2014/main" id="{CF6C3BA9-3F76-185E-0058-42FEB3F6F0E7}"/>
+                  </a:ext>
+                </a:extLst>
+              </p:cNvPr>
+              <p:cNvSpPr>
+                <a:spLocks noGrp="1"/>
+              </p:cNvSpPr>
+              <p:nvPr>
+                <p:ph idx="1"/>
+              </p:nvPr>
+            </p:nvSpPr>
+            <p:spPr>
+              <a:xfrm>
+                <a:off x="468775" y="1209554"/>
+                <a:ext cx="8229600" cy="4572001"/>
+              </a:xfrm>
+            </p:spPr>
+            <p:txBody>
+              <a:bodyPr/>
+              <a:lstStyle/>
+              <a:p>
+                <a:r>
+                  <a:rPr lang="en-US" b="0" dirty="0"/>
+                  <a:t>Consider the transfer function </a:t>
+                </a:r>
+                <a14:m>
+                  <m:oMath xmlns:m="http://schemas.openxmlformats.org/officeDocument/2006/math">
+                    <m:r>
+                      <a:rPr lang="en-US" b="0" i="1" smtClean="0">
+                        <a:latin typeface="Cambria Math" panose="02040503050406030204" pitchFamily="18" charset="0"/>
+                      </a:rPr>
+                      <m:t>𝐺</m:t>
+                    </m:r>
+                    <m:d>
+                      <m:dPr>
+                        <m:ctrlPr>
+                          <a:rPr lang="en-US" b="0" i="1" smtClean="0">
+                            <a:latin typeface="Cambria Math" panose="02040503050406030204" pitchFamily="18" charset="0"/>
+                          </a:rPr>
+                        </m:ctrlPr>
+                      </m:dPr>
+                      <m:e>
+                        <m:r>
+                          <a:rPr lang="en-US" b="0" i="1" smtClean="0">
+                            <a:latin typeface="Cambria Math" panose="02040503050406030204" pitchFamily="18" charset="0"/>
+                          </a:rPr>
+                          <m:t>𝑠</m:t>
+                        </m:r>
+                      </m:e>
+                    </m:d>
+                    <m:r>
+                      <a:rPr lang="en-US" b="0" i="1" smtClean="0">
+                        <a:latin typeface="Cambria Math" panose="02040503050406030204" pitchFamily="18" charset="0"/>
+                      </a:rPr>
+                      <m:t>=</m:t>
+                    </m:r>
+                    <m:f>
+                      <m:fPr>
+                        <m:ctrlPr>
+                          <a:rPr lang="en-US" b="0" i="1" smtClean="0">
+                            <a:latin typeface="Cambria Math" panose="02040503050406030204" pitchFamily="18" charset="0"/>
+                          </a:rPr>
+                        </m:ctrlPr>
+                      </m:fPr>
+                      <m:num>
+                        <m:r>
+                          <a:rPr lang="en-US" b="0" i="1" smtClean="0">
+                            <a:latin typeface="Cambria Math" panose="02040503050406030204" pitchFamily="18" charset="0"/>
+                          </a:rPr>
+                          <m:t>𝑌</m:t>
+                        </m:r>
+                        <m:d>
+                          <m:dPr>
+                            <m:ctrlPr>
+                              <a:rPr lang="en-US" b="0" i="1" smtClean="0">
+                                <a:latin typeface="Cambria Math" panose="02040503050406030204" pitchFamily="18" charset="0"/>
+                              </a:rPr>
+                            </m:ctrlPr>
+                          </m:dPr>
+                          <m:e>
+                            <m:r>
+                              <a:rPr lang="en-US" b="0" i="1" smtClean="0">
+                                <a:latin typeface="Cambria Math" panose="02040503050406030204" pitchFamily="18" charset="0"/>
+                              </a:rPr>
+                              <m:t>𝑠</m:t>
+                            </m:r>
+                          </m:e>
+                        </m:d>
+                      </m:num>
+                      <m:den>
+                        <m:r>
+                          <a:rPr lang="en-US" b="0" i="1" smtClean="0">
+                            <a:latin typeface="Cambria Math" panose="02040503050406030204" pitchFamily="18" charset="0"/>
+                          </a:rPr>
+                          <m:t>𝑈</m:t>
+                        </m:r>
+                        <m:r>
+                          <a:rPr lang="en-US" b="0" i="1" smtClean="0">
+                            <a:latin typeface="Cambria Math" panose="02040503050406030204" pitchFamily="18" charset="0"/>
+                          </a:rPr>
+                          <m:t>(</m:t>
+                        </m:r>
+                        <m:r>
+                          <a:rPr lang="en-US" b="0" i="1" smtClean="0">
+                            <a:latin typeface="Cambria Math" panose="02040503050406030204" pitchFamily="18" charset="0"/>
+                          </a:rPr>
+                          <m:t>𝑠</m:t>
+                        </m:r>
+                        <m:r>
+                          <a:rPr lang="en-US" b="0" i="1" smtClean="0">
+                            <a:latin typeface="Cambria Math" panose="02040503050406030204" pitchFamily="18" charset="0"/>
+                          </a:rPr>
+                          <m:t>)</m:t>
+                        </m:r>
+                      </m:den>
+                    </m:f>
+                  </m:oMath>
+                </a14:m>
+                <a:r>
+                  <a:rPr lang="en-US" b="0" dirty="0"/>
+                  <a:t>.</a:t>
+                </a:r>
+              </a:p>
+              <a:p>
+                <a:r>
+                  <a:rPr lang="en-US" b="0" dirty="0"/>
+                  <a:t>DC Gain is </a:t>
+                </a:r>
+                <a14:m>
+                  <m:oMath xmlns:m="http://schemas.openxmlformats.org/officeDocument/2006/math">
+                    <m:func>
+                      <m:funcPr>
+                        <m:ctrlPr>
+                          <a:rPr lang="en-US" b="0" i="1" smtClean="0">
+                            <a:latin typeface="Cambria Math" panose="02040503050406030204" pitchFamily="18" charset="0"/>
+                          </a:rPr>
+                        </m:ctrlPr>
+                      </m:funcPr>
+                      <m:fName>
+                        <m:limLow>
+                          <m:limLowPr>
+                            <m:ctrlPr>
+                              <a:rPr lang="en-US" b="0" i="1" smtClean="0">
+                                <a:latin typeface="Cambria Math" panose="02040503050406030204" pitchFamily="18" charset="0"/>
+                              </a:rPr>
+                            </m:ctrlPr>
+                          </m:limLowPr>
+                          <m:e>
+                            <m:r>
+                              <m:rPr>
+                                <m:sty m:val="p"/>
+                              </m:rPr>
+                              <a:rPr lang="en-US" b="0" i="0" smtClean="0">
+                                <a:latin typeface="Cambria Math" panose="02040503050406030204" pitchFamily="18" charset="0"/>
+                              </a:rPr>
+                              <m:t>lim</m:t>
+                            </m:r>
+                          </m:e>
+                          <m:lim>
+                            <m:r>
+                              <a:rPr lang="en-US" b="0" i="1" smtClean="0">
+                                <a:latin typeface="Cambria Math" panose="02040503050406030204" pitchFamily="18" charset="0"/>
+                              </a:rPr>
+                              <m:t>𝑡</m:t>
+                            </m:r>
+                            <m:r>
+                              <a:rPr lang="en-US" b="0" i="1" smtClean="0">
+                                <a:latin typeface="Cambria Math" panose="02040503050406030204" pitchFamily="18" charset="0"/>
+                              </a:rPr>
+                              <m:t>→ ∞</m:t>
+                            </m:r>
+                          </m:lim>
+                        </m:limLow>
+                      </m:fName>
+                      <m:e>
+                        <m:r>
+                          <a:rPr lang="en-US" b="0" i="1" smtClean="0">
+                            <a:latin typeface="Cambria Math" panose="02040503050406030204" pitchFamily="18" charset="0"/>
+                          </a:rPr>
+                          <m:t>𝑦</m:t>
+                        </m:r>
+                        <m:r>
+                          <a:rPr lang="en-US" b="0" i="1" smtClean="0">
+                            <a:latin typeface="Cambria Math" panose="02040503050406030204" pitchFamily="18" charset="0"/>
+                          </a:rPr>
+                          <m:t>(</m:t>
+                        </m:r>
+                        <m:r>
+                          <a:rPr lang="en-US" b="0" i="1" smtClean="0">
+                            <a:latin typeface="Cambria Math" panose="02040503050406030204" pitchFamily="18" charset="0"/>
+                          </a:rPr>
+                          <m:t>𝑡</m:t>
+                        </m:r>
+                        <m:r>
+                          <a:rPr lang="en-US" b="0" i="1" smtClean="0">
+                            <a:latin typeface="Cambria Math" panose="02040503050406030204" pitchFamily="18" charset="0"/>
+                          </a:rPr>
+                          <m:t>)</m:t>
+                        </m:r>
+                      </m:e>
+                    </m:func>
+                  </m:oMath>
+                </a14:m>
+                <a:r>
+                  <a:rPr lang="en-US" sz="3200" dirty="0"/>
+                  <a:t> when </a:t>
+                </a:r>
+                <a14:m>
+                  <m:oMath xmlns:m="http://schemas.openxmlformats.org/officeDocument/2006/math">
+                    <m:r>
+                      <a:rPr lang="en-US" sz="3200" b="0" i="1" smtClean="0">
+                        <a:latin typeface="Cambria Math" panose="02040503050406030204" pitchFamily="18" charset="0"/>
+                      </a:rPr>
+                      <m:t>𝑢</m:t>
+                    </m:r>
+                    <m:d>
+                      <m:dPr>
+                        <m:ctrlPr>
+                          <a:rPr lang="en-US" sz="3200" b="0" i="1" smtClean="0">
+                            <a:latin typeface="Cambria Math" panose="02040503050406030204" pitchFamily="18" charset="0"/>
+                          </a:rPr>
+                        </m:ctrlPr>
+                      </m:dPr>
+                      <m:e>
+                        <m:r>
+                          <a:rPr lang="en-US" sz="3200" b="0" i="1" smtClean="0">
+                            <a:latin typeface="Cambria Math" panose="02040503050406030204" pitchFamily="18" charset="0"/>
+                          </a:rPr>
+                          <m:t>𝑡</m:t>
+                        </m:r>
+                      </m:e>
+                    </m:d>
+                    <m:r>
+                      <a:rPr lang="en-US" sz="3200" b="0" i="1" smtClean="0">
+                        <a:latin typeface="Cambria Math" panose="02040503050406030204" pitchFamily="18" charset="0"/>
+                      </a:rPr>
+                      <m:t>=</m:t>
+                    </m:r>
+                    <m:sSub>
+                      <m:sSubPr>
+                        <m:ctrlPr>
+                          <a:rPr lang="en-US" sz="3200" b="0" i="1" smtClean="0">
+                            <a:latin typeface="Cambria Math" panose="02040503050406030204" pitchFamily="18" charset="0"/>
+                          </a:rPr>
+                        </m:ctrlPr>
+                      </m:sSubPr>
+                      <m:e>
+                        <m:r>
+                          <a:rPr lang="en-US" sz="3200" b="0" i="1" smtClean="0">
+                            <a:latin typeface="Cambria Math" panose="02040503050406030204" pitchFamily="18" charset="0"/>
+                          </a:rPr>
+                          <m:t>1</m:t>
+                        </m:r>
+                      </m:e>
+                      <m:sub>
+                        <m:r>
+                          <a:rPr lang="en-US" sz="3200" b="0" i="1" smtClean="0">
+                            <a:latin typeface="Cambria Math" panose="02040503050406030204" pitchFamily="18" charset="0"/>
+                          </a:rPr>
+                          <m:t>0</m:t>
+                        </m:r>
+                      </m:sub>
+                    </m:sSub>
+                    <m:r>
+                      <a:rPr lang="en-US" sz="3200" b="0" i="1" smtClean="0">
+                        <a:latin typeface="Cambria Math" panose="02040503050406030204" pitchFamily="18" charset="0"/>
+                      </a:rPr>
+                      <m:t>(</m:t>
+                    </m:r>
+                    <m:r>
+                      <a:rPr lang="en-US" sz="3200" b="0" i="1" smtClean="0">
+                        <a:latin typeface="Cambria Math" panose="02040503050406030204" pitchFamily="18" charset="0"/>
+                      </a:rPr>
+                      <m:t>𝑡</m:t>
+                    </m:r>
+                    <m:r>
+                      <a:rPr lang="en-US" sz="3200" b="0" i="1" smtClean="0">
+                        <a:latin typeface="Cambria Math" panose="02040503050406030204" pitchFamily="18" charset="0"/>
+                      </a:rPr>
+                      <m:t>)</m:t>
+                    </m:r>
+                  </m:oMath>
+                </a14:m>
+                <a:r>
+                  <a:rPr lang="en-US" sz="3200" dirty="0"/>
+                  <a:t>.</a:t>
+                </a:r>
+              </a:p>
+              <a:p>
+                <a:r>
+                  <a:rPr lang="en-US" sz="2800" dirty="0">
+                    <a:ea typeface="Cambria Math" panose="02040503050406030204" pitchFamily="18" charset="0"/>
+                  </a:rPr>
+                  <a:t>Derivation of DC gain</a:t>
+                </a:r>
+              </a:p>
+              <a:p>
+                <a:pPr marL="914400" lvl="1" indent="-457200">
+                  <a:buFont typeface="+mj-lt"/>
+                  <a:buAutoNum type="arabicPeriod"/>
+                </a:pPr>
+                <a:r>
+                  <a:rPr lang="en-US" dirty="0">
+                    <a:ea typeface="Cambria Math" panose="02040503050406030204" pitchFamily="18" charset="0"/>
+                  </a:rPr>
+                  <a:t>Recall: </a:t>
+                </a:r>
+                <a14:m>
+                  <m:oMath xmlns:m="http://schemas.openxmlformats.org/officeDocument/2006/math">
+                    <m:r>
+                      <a:rPr lang="en-US" i="1" smtClean="0">
+                        <a:latin typeface="Cambria Math" panose="02040503050406030204" pitchFamily="18" charset="0"/>
+                        <a:ea typeface="Cambria Math" panose="02040503050406030204" pitchFamily="18" charset="0"/>
+                      </a:rPr>
+                      <m:t>ℒ</m:t>
+                    </m:r>
+                    <m:d>
+                      <m:dPr>
+                        <m:ctrlPr>
+                          <a:rPr lang="en-US" b="0" i="1" smtClean="0">
+                            <a:latin typeface="Cambria Math" panose="02040503050406030204" pitchFamily="18" charset="0"/>
+                            <a:ea typeface="Cambria Math" panose="02040503050406030204" pitchFamily="18" charset="0"/>
+                          </a:rPr>
+                        </m:ctrlPr>
+                      </m:dPr>
+                      <m:e>
+                        <m:sSub>
+                          <m:sSubPr>
+                            <m:ctrlPr>
+                              <a:rPr lang="en-US" b="0" i="1" smtClean="0">
+                                <a:latin typeface="Cambria Math" panose="02040503050406030204" pitchFamily="18" charset="0"/>
+                                <a:ea typeface="Cambria Math" panose="02040503050406030204" pitchFamily="18" charset="0"/>
+                              </a:rPr>
+                            </m:ctrlPr>
+                          </m:sSubPr>
+                          <m:e>
+                            <m:r>
+                              <a:rPr lang="en-US" b="0" i="1" smtClean="0">
+                                <a:latin typeface="Cambria Math" panose="02040503050406030204" pitchFamily="18" charset="0"/>
+                                <a:ea typeface="Cambria Math" panose="02040503050406030204" pitchFamily="18" charset="0"/>
+                              </a:rPr>
+                              <m:t>1</m:t>
+                            </m:r>
+                          </m:e>
+                          <m:sub>
+                            <m:r>
+                              <a:rPr lang="en-US" b="0" i="1" smtClean="0">
+                                <a:latin typeface="Cambria Math" panose="02040503050406030204" pitchFamily="18" charset="0"/>
+                                <a:ea typeface="Cambria Math" panose="02040503050406030204" pitchFamily="18" charset="0"/>
+                              </a:rPr>
+                              <m:t>0</m:t>
+                            </m:r>
+                          </m:sub>
+                        </m:sSub>
+                      </m:e>
+                    </m:d>
+                    <m:r>
+                      <a:rPr lang="en-US" b="0" i="1" smtClean="0">
+                        <a:latin typeface="Cambria Math" panose="02040503050406030204" pitchFamily="18" charset="0"/>
+                        <a:ea typeface="Cambria Math" panose="02040503050406030204" pitchFamily="18" charset="0"/>
+                      </a:rPr>
+                      <m:t>=</m:t>
+                    </m:r>
+                    <m:f>
+                      <m:fPr>
+                        <m:ctrlPr>
+                          <a:rPr lang="en-US" b="0" i="1" smtClean="0">
+                            <a:latin typeface="Cambria Math" panose="02040503050406030204" pitchFamily="18" charset="0"/>
+                            <a:ea typeface="Cambria Math" panose="02040503050406030204" pitchFamily="18" charset="0"/>
+                          </a:rPr>
+                        </m:ctrlPr>
+                      </m:fPr>
+                      <m:num>
+                        <m:r>
+                          <a:rPr lang="en-US" b="0" i="1" smtClean="0">
+                            <a:latin typeface="Cambria Math" panose="02040503050406030204" pitchFamily="18" charset="0"/>
+                            <a:ea typeface="Cambria Math" panose="02040503050406030204" pitchFamily="18" charset="0"/>
+                          </a:rPr>
+                          <m:t>1</m:t>
+                        </m:r>
+                      </m:num>
+                      <m:den>
+                        <m:r>
+                          <a:rPr lang="en-US" b="0" i="1" smtClean="0">
+                            <a:latin typeface="Cambria Math" panose="02040503050406030204" pitchFamily="18" charset="0"/>
+                            <a:ea typeface="Cambria Math" panose="02040503050406030204" pitchFamily="18" charset="0"/>
+                          </a:rPr>
+                          <m:t>𝑠</m:t>
+                        </m:r>
+                      </m:den>
+                    </m:f>
+                  </m:oMath>
+                </a14:m>
+                <a:r>
+                  <a:rPr lang="en-US" dirty="0"/>
+                  <a:t> , </a:t>
+                </a:r>
+                <a14:m>
+                  <m:oMath xmlns:m="http://schemas.openxmlformats.org/officeDocument/2006/math">
+                    <m:r>
+                      <a:rPr lang="en-US" b="0" i="1" smtClean="0">
+                        <a:latin typeface="Cambria Math" panose="02040503050406030204" pitchFamily="18" charset="0"/>
+                      </a:rPr>
+                      <m:t>𝑌</m:t>
+                    </m:r>
+                    <m:d>
+                      <m:dPr>
+                        <m:ctrlPr>
+                          <a:rPr lang="en-US" b="0" i="1" smtClean="0">
+                            <a:latin typeface="Cambria Math" panose="02040503050406030204" pitchFamily="18" charset="0"/>
+                          </a:rPr>
+                        </m:ctrlPr>
+                      </m:dPr>
+                      <m:e>
+                        <m:r>
+                          <a:rPr lang="en-US" b="0" i="1" smtClean="0">
+                            <a:latin typeface="Cambria Math" panose="02040503050406030204" pitchFamily="18" charset="0"/>
+                          </a:rPr>
+                          <m:t>𝑠</m:t>
+                        </m:r>
+                      </m:e>
+                    </m:d>
+                    <m:r>
+                      <a:rPr lang="en-US" b="0" i="1" smtClean="0">
+                        <a:latin typeface="Cambria Math" panose="02040503050406030204" pitchFamily="18" charset="0"/>
+                      </a:rPr>
+                      <m:t>=</m:t>
+                    </m:r>
+                    <m:r>
+                      <a:rPr lang="en-US" b="0" i="1" smtClean="0">
+                        <a:latin typeface="Cambria Math" panose="02040503050406030204" pitchFamily="18" charset="0"/>
+                      </a:rPr>
+                      <m:t>𝑈</m:t>
+                    </m:r>
+                    <m:d>
+                      <m:dPr>
+                        <m:ctrlPr>
+                          <a:rPr lang="en-US" b="0" i="1" smtClean="0">
+                            <a:latin typeface="Cambria Math" panose="02040503050406030204" pitchFamily="18" charset="0"/>
+                          </a:rPr>
+                        </m:ctrlPr>
+                      </m:dPr>
+                      <m:e>
+                        <m:r>
+                          <a:rPr lang="en-US" b="0" i="1" smtClean="0">
+                            <a:latin typeface="Cambria Math" panose="02040503050406030204" pitchFamily="18" charset="0"/>
+                          </a:rPr>
+                          <m:t>𝑠</m:t>
+                        </m:r>
+                      </m:e>
+                    </m:d>
+                    <m:r>
+                      <a:rPr lang="en-US" b="0" i="1" smtClean="0">
+                        <a:latin typeface="Cambria Math" panose="02040503050406030204" pitchFamily="18" charset="0"/>
+                      </a:rPr>
+                      <m:t>𝐺</m:t>
+                    </m:r>
+                    <m:r>
+                      <a:rPr lang="en-US" b="0" i="1" smtClean="0">
+                        <a:latin typeface="Cambria Math" panose="02040503050406030204" pitchFamily="18" charset="0"/>
+                      </a:rPr>
+                      <m:t>(</m:t>
+                    </m:r>
+                    <m:r>
+                      <a:rPr lang="en-US" b="0" i="1" smtClean="0">
+                        <a:latin typeface="Cambria Math" panose="02040503050406030204" pitchFamily="18" charset="0"/>
+                      </a:rPr>
+                      <m:t>𝑠</m:t>
+                    </m:r>
+                    <m:r>
+                      <a:rPr lang="en-US" b="0" i="1" smtClean="0">
+                        <a:latin typeface="Cambria Math" panose="02040503050406030204" pitchFamily="18" charset="0"/>
+                      </a:rPr>
+                      <m:t>)</m:t>
+                    </m:r>
+                  </m:oMath>
+                </a14:m>
+                <a:endParaRPr lang="en-US" dirty="0"/>
+              </a:p>
+              <a:p>
+                <a:pPr marL="914400" lvl="1" indent="-457200">
+                  <a:buFont typeface="+mj-lt"/>
+                  <a:buAutoNum type="arabicPeriod"/>
+                </a:pPr>
+                <a:r>
+                  <a:rPr lang="en-US" dirty="0"/>
+                  <a:t>Given this, </a:t>
+                </a:r>
+                <a14:m>
+                  <m:oMath xmlns:m="http://schemas.openxmlformats.org/officeDocument/2006/math">
+                    <m:r>
+                      <a:rPr lang="en-US" b="0" i="1" smtClean="0">
+                        <a:latin typeface="Cambria Math" panose="02040503050406030204" pitchFamily="18" charset="0"/>
+                      </a:rPr>
+                      <m:t>𝑌</m:t>
+                    </m:r>
+                    <m:d>
+                      <m:dPr>
+                        <m:ctrlPr>
+                          <a:rPr lang="en-US" b="0" i="1" smtClean="0">
+                            <a:latin typeface="Cambria Math" panose="02040503050406030204" pitchFamily="18" charset="0"/>
+                          </a:rPr>
+                        </m:ctrlPr>
+                      </m:dPr>
+                      <m:e>
+                        <m:r>
+                          <a:rPr lang="en-US" b="0" i="1" smtClean="0">
+                            <a:latin typeface="Cambria Math" panose="02040503050406030204" pitchFamily="18" charset="0"/>
+                          </a:rPr>
+                          <m:t>𝑠</m:t>
+                        </m:r>
+                      </m:e>
+                    </m:d>
+                    <m:r>
+                      <a:rPr lang="en-US" b="0" i="1" smtClean="0">
+                        <a:latin typeface="Cambria Math" panose="02040503050406030204" pitchFamily="18" charset="0"/>
+                      </a:rPr>
+                      <m:t>=</m:t>
+                    </m:r>
+                    <m:f>
+                      <m:fPr>
+                        <m:ctrlPr>
+                          <a:rPr lang="en-US" b="0" i="1" smtClean="0">
+                            <a:latin typeface="Cambria Math" panose="02040503050406030204" pitchFamily="18" charset="0"/>
+                          </a:rPr>
+                        </m:ctrlPr>
+                      </m:fPr>
+                      <m:num>
+                        <m:r>
+                          <a:rPr lang="en-US" b="0" i="1" smtClean="0">
+                            <a:latin typeface="Cambria Math" panose="02040503050406030204" pitchFamily="18" charset="0"/>
+                          </a:rPr>
+                          <m:t>1</m:t>
+                        </m:r>
+                      </m:num>
+                      <m:den>
+                        <m:r>
+                          <a:rPr lang="en-US" b="0" i="1" smtClean="0">
+                            <a:latin typeface="Cambria Math" panose="02040503050406030204" pitchFamily="18" charset="0"/>
+                          </a:rPr>
+                          <m:t>𝑠</m:t>
+                        </m:r>
+                      </m:den>
+                    </m:f>
+                    <m:r>
+                      <a:rPr lang="en-US" b="0" i="1" smtClean="0">
+                        <a:latin typeface="Cambria Math" panose="02040503050406030204" pitchFamily="18" charset="0"/>
+                      </a:rPr>
+                      <m:t>𝐺</m:t>
+                    </m:r>
+                    <m:d>
+                      <m:dPr>
+                        <m:ctrlPr>
+                          <a:rPr lang="en-US" b="0" i="1" smtClean="0">
+                            <a:latin typeface="Cambria Math" panose="02040503050406030204" pitchFamily="18" charset="0"/>
+                          </a:rPr>
+                        </m:ctrlPr>
+                      </m:dPr>
+                      <m:e>
+                        <m:r>
+                          <a:rPr lang="en-US" b="0" i="1" smtClean="0">
+                            <a:latin typeface="Cambria Math" panose="02040503050406030204" pitchFamily="18" charset="0"/>
+                          </a:rPr>
+                          <m:t>𝑠</m:t>
+                        </m:r>
+                      </m:e>
+                    </m:d>
+                  </m:oMath>
+                </a14:m>
+                <a:r>
+                  <a:rPr lang="en-US" dirty="0"/>
+                  <a:t>.</a:t>
+                </a:r>
+              </a:p>
+              <a:p>
+                <a:pPr marL="914400" lvl="1" indent="-457200">
+                  <a:buFont typeface="+mj-lt"/>
+                  <a:buAutoNum type="arabicPeriod"/>
+                </a:pPr>
+                <a:r>
+                  <a:rPr lang="en-US" dirty="0"/>
+                  <a:t>From the final value theorem,</a:t>
+                </a:r>
+              </a:p>
+              <a:p>
+                <a:pPr marL="457200" lvl="1" indent="0">
+                  <a:buNone/>
+                </a:pPr>
+                <a14:m>
+                  <m:oMath xmlns:m="http://schemas.openxmlformats.org/officeDocument/2006/math">
+                    <m:func>
+                      <m:funcPr>
+                        <m:ctrlPr>
+                          <a:rPr lang="en-US" i="1">
+                            <a:latin typeface="Cambria Math" panose="02040503050406030204" pitchFamily="18" charset="0"/>
+                          </a:rPr>
+                        </m:ctrlPr>
+                      </m:funcPr>
+                      <m:fName>
+                        <m:limLow>
+                          <m:limLowPr>
+                            <m:ctrlPr>
+                              <a:rPr lang="en-US" i="1">
+                                <a:latin typeface="Cambria Math" panose="02040503050406030204" pitchFamily="18" charset="0"/>
+                              </a:rPr>
+                            </m:ctrlPr>
+                          </m:limLowPr>
+                          <m:e>
+                            <m:r>
+                              <m:rPr>
+                                <m:sty m:val="p"/>
+                              </m:rPr>
+                              <a:rPr lang="en-US">
+                                <a:latin typeface="Cambria Math" panose="02040503050406030204" pitchFamily="18" charset="0"/>
+                              </a:rPr>
+                              <m:t>lim</m:t>
+                            </m:r>
+                          </m:e>
+                          <m:lim>
+                            <m:r>
+                              <a:rPr lang="en-US" i="1">
+                                <a:latin typeface="Cambria Math" panose="02040503050406030204" pitchFamily="18" charset="0"/>
+                              </a:rPr>
+                              <m:t>𝑡</m:t>
+                            </m:r>
+                            <m:r>
+                              <a:rPr lang="en-US" i="1">
+                                <a:latin typeface="Cambria Math" panose="02040503050406030204" pitchFamily="18" charset="0"/>
+                              </a:rPr>
+                              <m:t>→ ∞</m:t>
+                            </m:r>
+                          </m:lim>
+                        </m:limLow>
+                      </m:fName>
+                      <m:e>
+                        <m:r>
+                          <a:rPr lang="en-US" i="1">
+                            <a:latin typeface="Cambria Math" panose="02040503050406030204" pitchFamily="18" charset="0"/>
+                          </a:rPr>
+                          <m:t>𝑦</m:t>
+                        </m:r>
+                        <m:r>
+                          <a:rPr lang="en-US" i="1">
+                            <a:latin typeface="Cambria Math" panose="02040503050406030204" pitchFamily="18" charset="0"/>
+                          </a:rPr>
+                          <m:t>(</m:t>
+                        </m:r>
+                        <m:r>
+                          <a:rPr lang="en-US" i="1">
+                            <a:latin typeface="Cambria Math" panose="02040503050406030204" pitchFamily="18" charset="0"/>
+                          </a:rPr>
+                          <m:t>𝑡</m:t>
+                        </m:r>
+                        <m:r>
+                          <a:rPr lang="en-US" i="1">
+                            <a:latin typeface="Cambria Math" panose="02040503050406030204" pitchFamily="18" charset="0"/>
+                          </a:rPr>
+                          <m:t>)</m:t>
+                        </m:r>
+                      </m:e>
+                    </m:func>
+                    <m:r>
+                      <a:rPr lang="en-US" b="0" i="1" smtClean="0">
+                        <a:latin typeface="Cambria Math" panose="02040503050406030204" pitchFamily="18" charset="0"/>
+                      </a:rPr>
+                      <m:t>=</m:t>
+                    </m:r>
+                    <m:r>
+                      <m:rPr>
+                        <m:sty m:val="p"/>
+                      </m:rPr>
+                      <a:rPr lang="en-US">
+                        <a:latin typeface="Cambria Math" panose="02040503050406030204" pitchFamily="18" charset="0"/>
+                      </a:rPr>
+                      <m:t>s</m:t>
+                    </m:r>
+                    <m:func>
+                      <m:funcPr>
+                        <m:ctrlPr>
+                          <a:rPr lang="en-US" i="1">
+                            <a:latin typeface="Cambria Math" panose="02040503050406030204" pitchFamily="18" charset="0"/>
+                          </a:rPr>
+                        </m:ctrlPr>
+                      </m:funcPr>
+                      <m:fName>
+                        <m:limLow>
+                          <m:limLowPr>
+                            <m:ctrlPr>
+                              <a:rPr lang="en-US" i="1">
+                                <a:latin typeface="Cambria Math" panose="02040503050406030204" pitchFamily="18" charset="0"/>
+                              </a:rPr>
+                            </m:ctrlPr>
+                          </m:limLowPr>
+                          <m:e>
+                            <m:r>
+                              <m:rPr>
+                                <m:sty m:val="p"/>
+                              </m:rPr>
+                              <a:rPr lang="en-US">
+                                <a:latin typeface="Cambria Math" panose="02040503050406030204" pitchFamily="18" charset="0"/>
+                              </a:rPr>
+                              <m:t>lim</m:t>
+                            </m:r>
+                          </m:e>
+                          <m:lim>
+                            <m:r>
+                              <a:rPr lang="en-US" i="1">
+                                <a:latin typeface="Cambria Math" panose="02040503050406030204" pitchFamily="18" charset="0"/>
+                              </a:rPr>
+                              <m:t>𝑠</m:t>
+                            </m:r>
+                            <m:r>
+                              <a:rPr lang="en-US" i="1">
+                                <a:latin typeface="Cambria Math" panose="02040503050406030204" pitchFamily="18" charset="0"/>
+                              </a:rPr>
+                              <m:t>→0</m:t>
+                            </m:r>
+                          </m:lim>
+                        </m:limLow>
+                      </m:fName>
+                      <m:e>
+                        <m:f>
+                          <m:fPr>
+                            <m:ctrlPr>
+                              <a:rPr lang="en-US" i="1">
+                                <a:latin typeface="Cambria Math" panose="02040503050406030204" pitchFamily="18" charset="0"/>
+                              </a:rPr>
+                            </m:ctrlPr>
+                          </m:fPr>
+                          <m:num>
+                            <m:r>
+                              <a:rPr lang="en-US" i="1">
+                                <a:latin typeface="Cambria Math" panose="02040503050406030204" pitchFamily="18" charset="0"/>
+                              </a:rPr>
+                              <m:t>1</m:t>
+                            </m:r>
+                          </m:num>
+                          <m:den>
+                            <m:r>
+                              <a:rPr lang="en-US" i="1">
+                                <a:latin typeface="Cambria Math" panose="02040503050406030204" pitchFamily="18" charset="0"/>
+                              </a:rPr>
+                              <m:t>𝑠</m:t>
+                            </m:r>
+                          </m:den>
+                        </m:f>
+                        <m:r>
+                          <a:rPr lang="en-US" i="1">
+                            <a:latin typeface="Cambria Math" panose="02040503050406030204" pitchFamily="18" charset="0"/>
+                          </a:rPr>
+                          <m:t>𝐺</m:t>
+                        </m:r>
+                        <m:d>
+                          <m:dPr>
+                            <m:ctrlPr>
+                              <a:rPr lang="en-US" i="1">
+                                <a:latin typeface="Cambria Math" panose="02040503050406030204" pitchFamily="18" charset="0"/>
+                              </a:rPr>
+                            </m:ctrlPr>
+                          </m:dPr>
+                          <m:e>
+                            <m:r>
+                              <a:rPr lang="en-US" i="1">
+                                <a:latin typeface="Cambria Math" panose="02040503050406030204" pitchFamily="18" charset="0"/>
+                              </a:rPr>
+                              <m:t>𝑠</m:t>
+                            </m:r>
+                          </m:e>
+                        </m:d>
+                        <m:r>
+                          <a:rPr lang="en-US" i="1">
+                            <a:latin typeface="Cambria Math" panose="02040503050406030204" pitchFamily="18" charset="0"/>
+                          </a:rPr>
+                          <m:t>=</m:t>
+                        </m:r>
+                        <m:func>
+                          <m:funcPr>
+                            <m:ctrlPr>
+                              <a:rPr lang="en-US" i="1">
+                                <a:latin typeface="Cambria Math" panose="02040503050406030204" pitchFamily="18" charset="0"/>
+                              </a:rPr>
+                            </m:ctrlPr>
+                          </m:funcPr>
+                          <m:fName>
+                            <m:limLow>
+                              <m:limLowPr>
+                                <m:ctrlPr>
+                                  <a:rPr lang="en-US" i="1">
+                                    <a:latin typeface="Cambria Math" panose="02040503050406030204" pitchFamily="18" charset="0"/>
+                                  </a:rPr>
+                                </m:ctrlPr>
+                              </m:limLowPr>
+                              <m:e>
+                                <m:r>
+                                  <m:rPr>
+                                    <m:sty m:val="p"/>
+                                  </m:rPr>
+                                  <a:rPr lang="en-US">
+                                    <a:latin typeface="Cambria Math" panose="02040503050406030204" pitchFamily="18" charset="0"/>
+                                  </a:rPr>
+                                  <m:t>lim</m:t>
+                                </m:r>
+                              </m:e>
+                              <m:lim>
+                                <m:r>
+                                  <a:rPr lang="en-US" i="1">
+                                    <a:latin typeface="Cambria Math" panose="02040503050406030204" pitchFamily="18" charset="0"/>
+                                  </a:rPr>
+                                  <m:t>𝑠</m:t>
+                                </m:r>
+                                <m:r>
+                                  <a:rPr lang="en-US" i="1">
+                                    <a:latin typeface="Cambria Math" panose="02040503050406030204" pitchFamily="18" charset="0"/>
+                                  </a:rPr>
+                                  <m:t>→0</m:t>
+                                </m:r>
+                              </m:lim>
+                            </m:limLow>
+                          </m:fName>
+                          <m:e>
+                            <m:r>
+                              <a:rPr lang="en-US" i="1">
+                                <a:latin typeface="Cambria Math" panose="02040503050406030204" pitchFamily="18" charset="0"/>
+                              </a:rPr>
+                              <m:t>𝐺</m:t>
+                            </m:r>
+                            <m:r>
+                              <a:rPr lang="en-US" i="1">
+                                <a:latin typeface="Cambria Math" panose="02040503050406030204" pitchFamily="18" charset="0"/>
+                              </a:rPr>
+                              <m:t>(</m:t>
+                            </m:r>
+                            <m:r>
+                              <a:rPr lang="en-US" i="1">
+                                <a:latin typeface="Cambria Math" panose="02040503050406030204" pitchFamily="18" charset="0"/>
+                              </a:rPr>
+                              <m:t>𝑠</m:t>
+                            </m:r>
+                            <m:r>
+                              <a:rPr lang="en-US" i="1">
+                                <a:latin typeface="Cambria Math" panose="02040503050406030204" pitchFamily="18" charset="0"/>
+                              </a:rPr>
+                              <m:t>)</m:t>
+                            </m:r>
+                          </m:e>
+                        </m:func>
+                      </m:e>
+                    </m:func>
+                  </m:oMath>
+                </a14:m>
+                <a:r>
+                  <a:rPr lang="en-US" dirty="0"/>
+                  <a:t> if </a:t>
+                </a:r>
+                <a14:m>
+                  <m:oMath xmlns:m="http://schemas.openxmlformats.org/officeDocument/2006/math">
+                    <m:r>
+                      <a:rPr lang="en-US" b="0" i="1" smtClean="0">
+                        <a:latin typeface="Cambria Math" panose="02040503050406030204" pitchFamily="18" charset="0"/>
+                      </a:rPr>
+                      <m:t>𝑦</m:t>
+                    </m:r>
+                    <m:r>
+                      <a:rPr lang="en-US" b="0" i="1" smtClean="0">
+                        <a:latin typeface="Cambria Math" panose="02040503050406030204" pitchFamily="18" charset="0"/>
+                      </a:rPr>
+                      <m:t>(</m:t>
+                    </m:r>
+                    <m:r>
+                      <a:rPr lang="en-US" b="0" i="1" smtClean="0">
+                        <a:latin typeface="Cambria Math" panose="02040503050406030204" pitchFamily="18" charset="0"/>
+                      </a:rPr>
+                      <m:t>𝑡</m:t>
+                    </m:r>
+                    <m:r>
+                      <a:rPr lang="en-US" b="0" i="1" smtClean="0">
+                        <a:latin typeface="Cambria Math" panose="02040503050406030204" pitchFamily="18" charset="0"/>
+                      </a:rPr>
+                      <m:t>)</m:t>
+                    </m:r>
+                  </m:oMath>
+                </a14:m>
+                <a:r>
+                  <a:rPr lang="en-US" dirty="0"/>
+                  <a:t> converges.</a:t>
+                </a:r>
+              </a:p>
+            </p:txBody>
+          </p:sp>
+        </mc:Choice>
+        <mc:Fallback>
+          <p:sp>
+            <p:nvSpPr>
+              <p:cNvPr id="3" name="Content Placeholder 2">
+                <a:extLst>
+                  <a:ext uri="{FF2B5EF4-FFF2-40B4-BE49-F238E27FC236}">
+                    <a16:creationId xmlns:a16="http://schemas.microsoft.com/office/drawing/2014/main" id="{CF6C3BA9-3F76-185E-0058-42FEB3F6F0E7}"/>
+                  </a:ext>
+                </a:extLst>
+              </p:cNvPr>
+              <p:cNvSpPr>
+                <a:spLocks noGrp="1" noRot="1" noChangeAspect="1" noMove="1" noResize="1" noEditPoints="1" noAdjustHandles="1" noChangeArrowheads="1" noChangeShapeType="1" noTextEdit="1"/>
+              </p:cNvSpPr>
+              <p:nvPr>
+                <p:ph idx="1"/>
+              </p:nvPr>
+            </p:nvSpPr>
+            <p:spPr>
+              <a:xfrm>
+                <a:off x="468775" y="1209554"/>
+                <a:ext cx="8229600" cy="4572001"/>
+              </a:xfrm>
+              <a:blipFill>
+                <a:blip r:embed="rId2"/>
+                <a:stretch>
+                  <a:fillRect l="-1233"/>
+                </a:stretch>
+              </a:blipFill>
+            </p:spPr>
+            <p:txBody>
+              <a:bodyPr/>
+              <a:lstStyle/>
+              <a:p>
+                <a:r>
+                  <a:rPr lang="en-US">
+                    <a:noFill/>
+                  </a:rPr>
+                  <a:t> </a:t>
+                </a:r>
+              </a:p>
+            </p:txBody>
+          </p:sp>
+        </mc:Fallback>
+      </mc:AlternateContent>
+      <p:sp>
+        <p:nvSpPr>
+          <p:cNvPr id="4" name="Slide Number Placeholder 3">
+            <a:extLst>
+              <a:ext uri="{FF2B5EF4-FFF2-40B4-BE49-F238E27FC236}">
+                <a16:creationId xmlns:a16="http://schemas.microsoft.com/office/drawing/2014/main" id="{4DB34136-D5B2-57EE-BCA5-C413172541AD}"/>
+              </a:ext>
+            </a:extLst>
+          </p:cNvPr>
+          <p:cNvSpPr>
+            <a:spLocks noGrp="1"/>
+          </p:cNvSpPr>
+          <p:nvPr>
+            <p:ph type="sldNum" sz="quarter" idx="11"/>
+          </p:nvPr>
+        </p:nvSpPr>
+        <p:spPr/>
+        <p:txBody>
+          <a:bodyPr/>
+          <a:lstStyle/>
+          <a:p>
+            <a:pPr>
+              <a:defRPr/>
+            </a:pPr>
+            <a:fld id="{3EF4E9CC-9D91-476E-91FD-5BEEC1642931}" type="slidenum">
+              <a:rPr lang="en-US" altLang="x-none" smtClean="0"/>
+              <a:pPr>
+                <a:defRPr/>
+              </a:pPr>
+              <a:t>20</a:t>
+            </a:fld>
+            <a:endParaRPr lang="en-US" altLang="x-none"/>
+          </a:p>
+        </p:txBody>
+      </p:sp>
+      <p:pic>
+        <p:nvPicPr>
+          <p:cNvPr id="5" name="Picture 4">
+            <a:extLst>
+              <a:ext uri="{FF2B5EF4-FFF2-40B4-BE49-F238E27FC236}">
+                <a16:creationId xmlns:a16="http://schemas.microsoft.com/office/drawing/2014/main" id="{8BF5577B-6F52-AD91-00DD-59A3DA2EF0F9}"/>
+              </a:ext>
+            </a:extLst>
+          </p:cNvPr>
+          <p:cNvPicPr>
+            <a:picLocks noChangeAspect="1"/>
+          </p:cNvPicPr>
+          <p:nvPr/>
+        </p:nvPicPr>
+        <p:blipFill>
+          <a:blip r:embed="rId3"/>
+          <a:stretch>
+            <a:fillRect/>
+          </a:stretch>
+        </p:blipFill>
+        <p:spPr>
+          <a:xfrm>
+            <a:off x="6999443" y="387416"/>
+            <a:ext cx="1622115" cy="612480"/>
+          </a:xfrm>
+          <a:prstGeom prst="rect">
+            <a:avLst/>
+          </a:prstGeom>
+        </p:spPr>
+      </p:pic>
+    </p:spTree>
+    <p:extLst>
+      <p:ext uri="{BB962C8B-B14F-4D97-AF65-F5344CB8AC3E}">
+        <p14:creationId xmlns:p14="http://schemas.microsoft.com/office/powerpoint/2010/main" val="779489745"/>
+      </p:ext>
+    </p:extLst>
+  </p:cSld>
+  <p:clrMapOvr>
+    <a:masterClrMapping/>
+  </p:clrMapOvr>
+  <p:timing>
+    <p:tnLst>
+      <p:par>
+        <p:cTn id="1" dur="indefinite" restart="never" nodeType="tmRoot">
+          <p:childTnLst>
+            <p:seq concurrent="1" nextAc="seek">
+              <p:cTn id="2" dur="indefinite" nodeType="mainSeq">
+                <p:childTnLst>
+                  <p:par>
+                    <p:cTn id="3" fill="hold">
+                      <p:stCondLst>
+                        <p:cond delay="indefinite"/>
+                      </p:stCondLst>
+                      <p:childTnLst>
+                        <p:par>
+                          <p:cTn id="4" fill="hold">
+                            <p:stCondLst>
+                              <p:cond delay="0"/>
+                            </p:stCondLst>
+                            <p:childTnLst>
+                              <p:par>
+                                <p:cTn id="5" presetID="1" presetClass="entr" presetSubtype="0" fill="hold" nodeType="clickEffect">
+                                  <p:stCondLst>
+                                    <p:cond delay="0"/>
+                                  </p:stCondLst>
+                                  <p:childTnLst>
+                                    <p:set>
+                                      <p:cBhvr>
+                                        <p:cTn id="6" dur="1" fill="hold">
+                                          <p:stCondLst>
+                                            <p:cond delay="0"/>
+                                          </p:stCondLst>
+                                        </p:cTn>
+                                        <p:tgtEl>
+                                          <p:spTgt spid="3">
+                                            <p:txEl>
+                                              <p:pRg st="0" end="0"/>
+                                            </p:txEl>
+                                          </p:spTgt>
+                                        </p:tgtEl>
+                                        <p:attrNameLst>
+                                          <p:attrName>style.visibility</p:attrName>
+                                        </p:attrNameLst>
+                                      </p:cBhvr>
+                                      <p:to>
+                                        <p:strVal val="visible"/>
+                                      </p:to>
+                                    </p:set>
+                                  </p:childTnLst>
+                                </p:cTn>
+                              </p:par>
+                            </p:childTnLst>
+                          </p:cTn>
+                        </p:par>
+                      </p:childTnLst>
+                    </p:cTn>
+                  </p:par>
+                  <p:par>
+                    <p:cTn id="7" fill="hold">
+                      <p:stCondLst>
+                        <p:cond delay="indefinite"/>
+                      </p:stCondLst>
+                      <p:childTnLst>
+                        <p:par>
+                          <p:cTn id="8" fill="hold">
+                            <p:stCondLst>
+                              <p:cond delay="0"/>
+                            </p:stCondLst>
+                            <p:childTnLst>
+                              <p:par>
+                                <p:cTn id="9" presetID="1" presetClass="entr" presetSubtype="0" fill="hold" nodeType="clickEffect">
+                                  <p:stCondLst>
+                                    <p:cond delay="0"/>
+                                  </p:stCondLst>
+                                  <p:childTnLst>
+                                    <p:set>
+                                      <p:cBhvr>
+                                        <p:cTn id="10" dur="1" fill="hold">
+                                          <p:stCondLst>
+                                            <p:cond delay="0"/>
+                                          </p:stCondLst>
+                                        </p:cTn>
+                                        <p:tgtEl>
+                                          <p:spTgt spid="3">
+                                            <p:txEl>
+                                              <p:pRg st="1" end="1"/>
+                                            </p:txEl>
+                                          </p:spTgt>
+                                        </p:tgtEl>
+                                        <p:attrNameLst>
+                                          <p:attrName>style.visibility</p:attrName>
+                                        </p:attrNameLst>
+                                      </p:cBhvr>
+                                      <p:to>
+                                        <p:strVal val="visible"/>
+                                      </p:to>
+                                    </p:set>
+                                  </p:childTnLst>
+                                </p:cTn>
+                              </p:par>
+                            </p:childTnLst>
+                          </p:cTn>
+                        </p:par>
+                      </p:childTnLst>
+                    </p:cTn>
+                  </p:par>
+                  <p:par>
+                    <p:cTn id="11" fill="hold">
+                      <p:stCondLst>
+                        <p:cond delay="indefinite"/>
+                      </p:stCondLst>
+                      <p:childTnLst>
+                        <p:par>
+                          <p:cTn id="12" fill="hold">
+                            <p:stCondLst>
+                              <p:cond delay="0"/>
+                            </p:stCondLst>
+                            <p:childTnLst>
+                              <p:par>
+                                <p:cTn id="13" presetID="1" presetClass="entr" presetSubtype="0" fill="hold" nodeType="clickEffect">
+                                  <p:stCondLst>
+                                    <p:cond delay="0"/>
+                                  </p:stCondLst>
+                                  <p:childTnLst>
+                                    <p:set>
+                                      <p:cBhvr>
+                                        <p:cTn id="14" dur="1" fill="hold">
+                                          <p:stCondLst>
+                                            <p:cond delay="0"/>
+                                          </p:stCondLst>
+                                        </p:cTn>
+                                        <p:tgtEl>
+                                          <p:spTgt spid="3">
+                                            <p:txEl>
+                                              <p:pRg st="2" end="2"/>
+                                            </p:txEl>
+                                          </p:spTgt>
+                                        </p:tgtEl>
+                                        <p:attrNameLst>
+                                          <p:attrName>style.visibility</p:attrName>
+                                        </p:attrNameLst>
+                                      </p:cBhvr>
+                                      <p:to>
+                                        <p:strVal val="visible"/>
+                                      </p:to>
+                                    </p:set>
+                                  </p:childTnLst>
+                                </p:cTn>
+                              </p:par>
+                            </p:childTnLst>
+                          </p:cTn>
+                        </p:par>
+                      </p:childTnLst>
+                    </p:cTn>
+                  </p:par>
+                  <p:par>
+                    <p:cTn id="15" fill="hold">
+                      <p:stCondLst>
+                        <p:cond delay="indefinite"/>
+                      </p:stCondLst>
+                      <p:childTnLst>
+                        <p:par>
+                          <p:cTn id="16" fill="hold">
+                            <p:stCondLst>
+                              <p:cond delay="0"/>
+                            </p:stCondLst>
+                            <p:childTnLst>
+                              <p:par>
+                                <p:cTn id="17" presetID="1" presetClass="entr" presetSubtype="0" fill="hold" nodeType="clickEffect">
+                                  <p:stCondLst>
+                                    <p:cond delay="0"/>
+                                  </p:stCondLst>
+                                  <p:childTnLst>
+                                    <p:set>
+                                      <p:cBhvr>
+                                        <p:cTn id="18" dur="1" fill="hold">
+                                          <p:stCondLst>
+                                            <p:cond delay="0"/>
+                                          </p:stCondLst>
+                                        </p:cTn>
+                                        <p:tgtEl>
+                                          <p:spTgt spid="3">
+                                            <p:txEl>
+                                              <p:pRg st="3" end="3"/>
+                                            </p:txEl>
+                                          </p:spTgt>
+                                        </p:tgtEl>
+                                        <p:attrNameLst>
+                                          <p:attrName>style.visibility</p:attrName>
+                                        </p:attrNameLst>
+                                      </p:cBhvr>
+                                      <p:to>
+                                        <p:strVal val="visible"/>
+                                      </p:to>
+                                    </p:set>
+                                  </p:childTnLst>
+                                </p:cTn>
+                              </p:par>
+                            </p:childTnLst>
+                          </p:cTn>
+                        </p:par>
+                      </p:childTnLst>
+                    </p:cTn>
+                  </p:par>
+                  <p:par>
+                    <p:cTn id="19" fill="hold">
+                      <p:stCondLst>
+                        <p:cond delay="indefinite"/>
+                      </p:stCondLst>
+                      <p:childTnLst>
+                        <p:par>
+                          <p:cTn id="20" fill="hold">
+                            <p:stCondLst>
+                              <p:cond delay="0"/>
+                            </p:stCondLst>
+                            <p:childTnLst>
+                              <p:par>
+                                <p:cTn id="21" presetID="1" presetClass="entr" presetSubtype="0" fill="hold" nodeType="clickEffect">
+                                  <p:stCondLst>
+                                    <p:cond delay="0"/>
+                                  </p:stCondLst>
+                                  <p:childTnLst>
+                                    <p:set>
+                                      <p:cBhvr>
+                                        <p:cTn id="22" dur="1" fill="hold">
+                                          <p:stCondLst>
+                                            <p:cond delay="0"/>
+                                          </p:stCondLst>
+                                        </p:cTn>
+                                        <p:tgtEl>
+                                          <p:spTgt spid="3">
+                                            <p:txEl>
+                                              <p:pRg st="4" end="4"/>
+                                            </p:txEl>
+                                          </p:spTgt>
+                                        </p:tgtEl>
+                                        <p:attrNameLst>
+                                          <p:attrName>style.visibility</p:attrName>
+                                        </p:attrNameLst>
+                                      </p:cBhvr>
+                                      <p:to>
+                                        <p:strVal val="visible"/>
+                                      </p:to>
+                                    </p:set>
+                                  </p:childTnLst>
+                                </p:cTn>
+                              </p:par>
+                            </p:childTnLst>
+                          </p:cTn>
+                        </p:par>
+                      </p:childTnLst>
+                    </p:cTn>
+                  </p:par>
+                  <p:par>
+                    <p:cTn id="23" fill="hold">
+                      <p:stCondLst>
+                        <p:cond delay="indefinite"/>
+                      </p:stCondLst>
+                      <p:childTnLst>
+                        <p:par>
+                          <p:cTn id="24" fill="hold">
+                            <p:stCondLst>
+                              <p:cond delay="0"/>
+                            </p:stCondLst>
+                            <p:childTnLst>
+                              <p:par>
+                                <p:cTn id="25" presetID="1" presetClass="entr" presetSubtype="0" fill="hold" nodeType="clickEffect">
+                                  <p:stCondLst>
+                                    <p:cond delay="0"/>
+                                  </p:stCondLst>
+                                  <p:childTnLst>
+                                    <p:set>
+                                      <p:cBhvr>
+                                        <p:cTn id="26" dur="1" fill="hold">
+                                          <p:stCondLst>
+                                            <p:cond delay="0"/>
+                                          </p:stCondLst>
+                                        </p:cTn>
+                                        <p:tgtEl>
+                                          <p:spTgt spid="3">
+                                            <p:txEl>
+                                              <p:pRg st="5" end="5"/>
+                                            </p:txEl>
+                                          </p:spTgt>
+                                        </p:tgtEl>
+                                        <p:attrNameLst>
+                                          <p:attrName>style.visibility</p:attrName>
+                                        </p:attrNameLst>
+                                      </p:cBhvr>
+                                      <p:to>
+                                        <p:strVal val="visible"/>
+                                      </p:to>
+                                    </p:set>
+                                  </p:childTnLst>
+                                </p:cTn>
+                              </p:par>
+                            </p:childTnLst>
+                          </p:cTn>
+                        </p:par>
+                      </p:childTnLst>
+                    </p:cTn>
+                  </p:par>
+                  <p:par>
+                    <p:cTn id="27" fill="hold">
+                      <p:stCondLst>
+                        <p:cond delay="indefinite"/>
+                      </p:stCondLst>
+                      <p:childTnLst>
+                        <p:par>
+                          <p:cTn id="28" fill="hold">
+                            <p:stCondLst>
+                              <p:cond delay="0"/>
+                            </p:stCondLst>
+                            <p:childTnLst>
+                              <p:par>
+                                <p:cTn id="29" presetID="1" presetClass="entr" presetSubtype="0" fill="hold" nodeType="clickEffect">
+                                  <p:stCondLst>
+                                    <p:cond delay="0"/>
+                                  </p:stCondLst>
+                                  <p:childTnLst>
+                                    <p:set>
+                                      <p:cBhvr>
+                                        <p:cTn id="30" dur="1" fill="hold">
+                                          <p:stCondLst>
+                                            <p:cond delay="0"/>
+                                          </p:stCondLst>
+                                        </p:cTn>
+                                        <p:tgtEl>
+                                          <p:spTgt spid="3">
+                                            <p:txEl>
+                                              <p:pRg st="6" end="6"/>
+                                            </p:txEl>
+                                          </p:spTgt>
+                                        </p:tgtEl>
+                                        <p:attrNameLst>
+                                          <p:attrName>style.visibility</p:attrName>
+                                        </p:attrNameLst>
+                                      </p:cBhvr>
+                                      <p:to>
+                                        <p:strVal val="visible"/>
+                                      </p:to>
+                                    </p:set>
+                                  </p:childTnLst>
+                                </p:cTn>
+                              </p:par>
+                            </p:childTnLst>
+                          </p:cTn>
+                        </p:par>
+                      </p:childTnLst>
+                    </p:cTn>
+                  </p:par>
+                </p:childTnLst>
+              </p:cTn>
+              <p:prevCondLst>
+                <p:cond evt="onPrev" delay="0">
+                  <p:tgtEl>
+                    <p:sldTgt/>
+                  </p:tgtEl>
+                </p:cond>
+              </p:prevCondLst>
+              <p:nextCondLst>
+                <p:cond evt="onNext" delay="0">
+                  <p:tgtEl>
+                    <p:sldTgt/>
+                  </p:tgtEl>
+                </p:cond>
+              </p:nextCondLst>
+            </p:seq>
+          </p:childTnLst>
+        </p:cTn>
+      </p:par>
+    </p:tnLst>
+  </p:timing>
+</p:sld>
+</file>
+
+<file path=ppt/slides/slide21.xml><?xml version="1.0" encoding="utf-8"?>
+<p:sld xmlns:a="http://schemas.openxmlformats.org/drawingml/2006/main" xmlns:r="http://schemas.openxmlformats.org/officeDocument/2006/relationships" xmlns:p="http://schemas.openxmlformats.org/presentationml/2006/main">
+  <p:cSld>
+    <p:spTree>
+      <p:nvGrpSpPr>
+        <p:cNvPr id="1" name=""/>
+        <p:cNvGrpSpPr/>
+        <p:nvPr/>
+      </p:nvGrpSpPr>
+      <p:grpSpPr>
+        <a:xfrm>
+          <a:off x="0" y="0"/>
+          <a:ext cx="0" cy="0"/>
+          <a:chOff x="0" y="0"/>
+          <a:chExt cx="0" cy="0"/>
+        </a:xfrm>
+      </p:grpSpPr>
+      <p:sp>
+        <p:nvSpPr>
+          <p:cNvPr id="2" name="Title 1">
+            <a:extLst>
+              <a:ext uri="{FF2B5EF4-FFF2-40B4-BE49-F238E27FC236}">
                 <a16:creationId xmlns:a16="http://schemas.microsoft.com/office/drawing/2014/main" id="{B2C920E3-7BCA-0F65-B107-D3E10D63032F}"/>
               </a:ext>
             </a:extLst>
@@ -17301,7 +18116,12 @@
             <p:ph type="title"/>
           </p:nvPr>
         </p:nvSpPr>
-        <p:spPr/>
+        <p:spPr>
+          <a:xfrm>
+            <a:off x="190982" y="381000"/>
+            <a:ext cx="5677382" cy="838200"/>
+          </a:xfrm>
+        </p:spPr>
         <p:txBody>
           <a:bodyPr/>
           <a:lstStyle/>
@@ -17378,33 +18198,8 @@
                         <a:rPr lang="en-US" b="0" i="1" smtClean="0">
                           <a:latin typeface="Cambria Math" panose="02040503050406030204" pitchFamily="18" charset="0"/>
                         </a:rPr>
-                        <m:t>=</m:t>
+                        <m:t>=5</m:t>
                       </m:r>
-                      <m:f>
-                        <m:fPr>
-                          <m:ctrlPr>
-                            <a:rPr lang="en-US" b="0" i="1" smtClean="0">
-                              <a:latin typeface="Cambria Math" panose="02040503050406030204" pitchFamily="18" charset="0"/>
-                            </a:rPr>
-                          </m:ctrlPr>
-                        </m:fPr>
-                        <m:num>
-                          <m:r>
-                            <a:rPr lang="en-US" b="0" i="1" smtClean="0">
-                              <a:latin typeface="Cambria Math" panose="02040503050406030204" pitchFamily="18" charset="0"/>
-                            </a:rPr>
-                            <m:t>5</m:t>
-                          </m:r>
-                        </m:num>
-                        <m:den>
-                          <m:r>
-                            <a:rPr lang="en-US" b="0" i="1" smtClean="0">
-                              <a:latin typeface="Cambria Math" panose="02040503050406030204" pitchFamily="18" charset="0"/>
-                            </a:rPr>
-                            <m:t>𝑠</m:t>
-                          </m:r>
-                        </m:den>
-                      </m:f>
                     </m:oMath>
                   </m:oMathPara>
                 </a14:m>
@@ -17413,7 +18208,7 @@
               <a:p>
                 <a:r>
                   <a:rPr lang="en-US" dirty="0"/>
-                  <a:t>Exponential.</a:t>
+                  <a:t>Unadjusted exponential filter.</a:t>
                 </a:r>
               </a:p>
               <a:p>
@@ -17500,7 +18295,7 @@
               <a:p>
                 <a:r>
                   <a:rPr lang="en-US" b="0" dirty="0"/>
-                  <a:t>Filter: </a:t>
+                  <a:t>Adjusted filter: </a:t>
                 </a:r>
                 <a14:m>
                   <m:oMath xmlns:m="http://schemas.openxmlformats.org/officeDocument/2006/math">
@@ -18169,7 +18964,7 @@
               <a:blipFill>
                 <a:blip r:embed="rId3"/>
                 <a:stretch>
-                  <a:fillRect l="-1389" t="-1662" b="-4986"/>
+                  <a:fillRect l="-1389" t="-1662"/>
                 </a:stretch>
               </a:blipFill>
             </p:spPr>
@@ -18217,12 +19012,183 @@
               <a:pPr>
                 <a:defRPr/>
               </a:pPr>
-              <a:t>20</a:t>
+              <a:t>21</a:t>
             </a:fld>
             <a:endParaRPr lang="en-US" altLang="x-none"/>
           </a:p>
         </p:txBody>
       </p:sp>
+      <mc:AlternateContent xmlns:mc="http://schemas.openxmlformats.org/markup-compatibility/2006">
+        <mc:Choice xmlns:a14="http://schemas.microsoft.com/office/drawing/2010/main" Requires="a14">
+          <p:sp>
+            <p:nvSpPr>
+              <p:cNvPr id="6" name="TextBox 5">
+                <a:extLst>
+                  <a:ext uri="{FF2B5EF4-FFF2-40B4-BE49-F238E27FC236}">
+                    <a16:creationId xmlns:a16="http://schemas.microsoft.com/office/drawing/2014/main" id="{849460DB-BB3E-8798-7D1F-990108CBA84C}"/>
+                  </a:ext>
+                </a:extLst>
+              </p:cNvPr>
+              <p:cNvSpPr txBox="1"/>
+              <p:nvPr/>
+            </p:nvSpPr>
+            <p:spPr>
+              <a:xfrm>
+                <a:off x="6418162" y="381000"/>
+                <a:ext cx="2468303" cy="453201"/>
+              </a:xfrm>
+              <a:prstGeom prst="rect">
+                <a:avLst/>
+              </a:prstGeom>
+              <a:noFill/>
+            </p:spPr>
+            <p:txBody>
+              <a:bodyPr wrap="square">
+                <a:spAutoFit/>
+              </a:bodyPr>
+              <a:lstStyle/>
+              <a:p>
+                <a:r>
+                  <a:rPr lang="en-US" dirty="0"/>
+                  <a:t>DC Gain: </a:t>
+                </a:r>
+                <a14:m>
+                  <m:oMath xmlns:m="http://schemas.openxmlformats.org/officeDocument/2006/math">
+                    <m:func>
+                      <m:funcPr>
+                        <m:ctrlPr>
+                          <a:rPr lang="en-US" i="1" smtClean="0">
+                            <a:latin typeface="Cambria Math" panose="02040503050406030204" pitchFamily="18" charset="0"/>
+                          </a:rPr>
+                        </m:ctrlPr>
+                      </m:funcPr>
+                      <m:fName/>
+                      <m:e>
+                        <m:func>
+                          <m:funcPr>
+                            <m:ctrlPr>
+                              <a:rPr lang="en-US" i="1">
+                                <a:latin typeface="Cambria Math" panose="02040503050406030204" pitchFamily="18" charset="0"/>
+                              </a:rPr>
+                            </m:ctrlPr>
+                          </m:funcPr>
+                          <m:fName>
+                            <m:limLow>
+                              <m:limLowPr>
+                                <m:ctrlPr>
+                                  <a:rPr lang="en-US" i="1">
+                                    <a:latin typeface="Cambria Math" panose="02040503050406030204" pitchFamily="18" charset="0"/>
+                                  </a:rPr>
+                                </m:ctrlPr>
+                              </m:limLowPr>
+                              <m:e>
+                                <m:r>
+                                  <m:rPr>
+                                    <m:sty m:val="p"/>
+                                  </m:rPr>
+                                  <a:rPr lang="en-US">
+                                    <a:latin typeface="Cambria Math" panose="02040503050406030204" pitchFamily="18" charset="0"/>
+                                  </a:rPr>
+                                  <m:t>lim</m:t>
+                                </m:r>
+                              </m:e>
+                              <m:lim>
+                                <m:r>
+                                  <a:rPr lang="en-US" i="1">
+                                    <a:latin typeface="Cambria Math" panose="02040503050406030204" pitchFamily="18" charset="0"/>
+                                  </a:rPr>
+                                  <m:t>𝑠</m:t>
+                                </m:r>
+                                <m:r>
+                                  <a:rPr lang="en-US" i="1">
+                                    <a:latin typeface="Cambria Math" panose="02040503050406030204" pitchFamily="18" charset="0"/>
+                                  </a:rPr>
+                                  <m:t>→0</m:t>
+                                </m:r>
+                              </m:lim>
+                            </m:limLow>
+                          </m:fName>
+                          <m:e>
+                            <m:r>
+                              <a:rPr lang="en-US" i="1">
+                                <a:latin typeface="Cambria Math" panose="02040503050406030204" pitchFamily="18" charset="0"/>
+                              </a:rPr>
+                              <m:t>𝐺</m:t>
+                            </m:r>
+                            <m:r>
+                              <a:rPr lang="en-US" i="1">
+                                <a:latin typeface="Cambria Math" panose="02040503050406030204" pitchFamily="18" charset="0"/>
+                              </a:rPr>
+                              <m:t>(</m:t>
+                            </m:r>
+                            <m:r>
+                              <a:rPr lang="en-US" i="1">
+                                <a:latin typeface="Cambria Math" panose="02040503050406030204" pitchFamily="18" charset="0"/>
+                              </a:rPr>
+                              <m:t>𝑠</m:t>
+                            </m:r>
+                            <m:r>
+                              <a:rPr lang="en-US" i="1">
+                                <a:latin typeface="Cambria Math" panose="02040503050406030204" pitchFamily="18" charset="0"/>
+                              </a:rPr>
+                              <m:t>)</m:t>
+                            </m:r>
+                          </m:e>
+                        </m:func>
+                      </m:e>
+                    </m:func>
+                  </m:oMath>
+                </a14:m>
+                <a:endParaRPr lang="en-US" dirty="0"/>
+              </a:p>
+            </p:txBody>
+          </p:sp>
+        </mc:Choice>
+        <mc:Fallback>
+          <p:sp>
+            <p:nvSpPr>
+              <p:cNvPr id="6" name="TextBox 5">
+                <a:extLst>
+                  <a:ext uri="{FF2B5EF4-FFF2-40B4-BE49-F238E27FC236}">
+                    <a16:creationId xmlns:a16="http://schemas.microsoft.com/office/drawing/2014/main" id="{849460DB-BB3E-8798-7D1F-990108CBA84C}"/>
+                  </a:ext>
+                </a:extLst>
+              </p:cNvPr>
+              <p:cNvSpPr txBox="1">
+                <a:spLocks noRot="1" noChangeAspect="1" noMove="1" noResize="1" noEditPoints="1" noAdjustHandles="1" noChangeArrowheads="1" noChangeShapeType="1" noTextEdit="1"/>
+              </p:cNvSpPr>
+              <p:nvPr/>
+            </p:nvSpPr>
+            <p:spPr>
+              <a:xfrm>
+                <a:off x="6418162" y="381000"/>
+                <a:ext cx="2468303" cy="453201"/>
+              </a:xfrm>
+              <a:prstGeom prst="rect">
+                <a:avLst/>
+              </a:prstGeom>
+              <a:blipFill>
+                <a:blip r:embed="rId4"/>
+                <a:stretch>
+                  <a:fillRect l="-2051" t="-11111"/>
+                </a:stretch>
+              </a:blipFill>
+            </p:spPr>
+            <p:txBody>
+              <a:bodyPr/>
+              <a:lstStyle/>
+              <a:p>
+                <a:r>
+                  <a:rPr lang="en-US">
+                    <a:noFill/>
+                  </a:rPr>
+                  <a:t> </a:t>
+                </a:r>
+              </a:p>
+            </p:txBody>
+          </p:sp>
+        </mc:Fallback>
+      </mc:AlternateContent>
     </p:spTree>
     <p:extLst>
       <p:ext uri="{BB962C8B-B14F-4D97-AF65-F5344CB8AC3E}">
@@ -18364,33 +19330,15 @@
                                   </p:childTnLst>
                                 </p:cTn>
                               </p:par>
-                            </p:childTnLst>
-                          </p:cTn>
-                        </p:par>
-                      </p:childTnLst>
-                    </p:cTn>
-                  </p:par>
-                  <p:par>
-                    <p:cTn id="13" fill="hold">
-                      <p:stCondLst>
-                        <p:cond delay="indefinite"/>
-                      </p:stCondLst>
-                      <p:childTnLst>
-                        <p:par>
-                          <p:cTn id="14" fill="hold">
-                            <p:stCondLst>
-                              <p:cond delay="0"/>
-                            </p:stCondLst>
-                            <p:childTnLst>
                               <p:par>
-                                <p:cTn id="15" presetID="1" presetClass="entr" presetSubtype="0" fill="hold" nodeType="clickEffect">
+                                <p:cTn id="13" presetID="1" presetClass="entr" presetSubtype="0" fill="hold" nodeType="withEffect">
                                   <p:stCondLst>
                                     <p:cond delay="0"/>
                                   </p:stCondLst>
                                   <p:childTnLst>
                                     <p:set>
                                       <p:cBhvr>
-                                        <p:cTn id="16" dur="1" fill="hold">
+                                        <p:cTn id="14" dur="1" fill="hold">
                                           <p:stCondLst>
                                             <p:cond delay="0"/>
                                           </p:stCondLst>
@@ -18413,33 +19361,15 @@
                                   </p:childTnLst>
                                 </p:cTn>
                               </p:par>
-                            </p:childTnLst>
-                          </p:cTn>
-                        </p:par>
-                      </p:childTnLst>
-                    </p:cTn>
-                  </p:par>
-                  <p:par>
-                    <p:cTn id="17" fill="hold">
-                      <p:stCondLst>
-                        <p:cond delay="indefinite"/>
-                      </p:stCondLst>
-                      <p:childTnLst>
-                        <p:par>
-                          <p:cTn id="18" fill="hold">
-                            <p:stCondLst>
-                              <p:cond delay="0"/>
-                            </p:stCondLst>
-                            <p:childTnLst>
                               <p:par>
-                                <p:cTn id="19" presetID="1" presetClass="entr" presetSubtype="0" fill="hold" nodeType="clickEffect">
+                                <p:cTn id="15" presetID="1" presetClass="entr" presetSubtype="0" fill="hold" nodeType="withEffect">
                                   <p:stCondLst>
                                     <p:cond delay="0"/>
                                   </p:stCondLst>
                                   <p:childTnLst>
                                     <p:set>
                                       <p:cBhvr>
-                                        <p:cTn id="20" dur="1" fill="hold">
+                                        <p:cTn id="16" dur="1" fill="hold">
                                           <p:stCondLst>
                                             <p:cond delay="0"/>
                                           </p:stCondLst>
@@ -18493,7 +19423,7 @@
 </p:sld>
 </file>
 
-<file path=ppt/slides/slide21.xml><?xml version="1.0" encoding="utf-8"?>
+<file path=ppt/slides/slide22.xml><?xml version="1.0" encoding="utf-8"?>
 <p:sld xmlns:a="http://schemas.openxmlformats.org/drawingml/2006/main" xmlns:r="http://schemas.openxmlformats.org/officeDocument/2006/relationships" xmlns:p="http://schemas.openxmlformats.org/presentationml/2006/main">
   <p:cSld>
     <p:spTree>
@@ -18587,7 +19517,7 @@
           <a:p>
             <a:r>
               <a:rPr lang="en-US" dirty="0"/>
-              <a:t>LT poles determine stability, oscillation.</a:t>
+              <a:t>How stability, oscillation are determined by poles.</a:t>
             </a:r>
           </a:p>
           <a:p>
@@ -18633,7 +19563,7 @@
               <a:pPr>
                 <a:defRPr/>
               </a:pPr>
-              <a:t>21</a:t>
+              <a:t>22</a:t>
             </a:fld>
             <a:endParaRPr lang="en-US" altLang="x-none"/>
           </a:p>
@@ -19033,132 +19963,83 @@
                   <a:rPr lang="en-US" sz="2000" b="1" dirty="0"/>
                   <a:t> G</a:t>
                 </a:r>
+                <a:r>
+                  <a:rPr lang="en-US" sz="2000" dirty="0"/>
+                  <a:t>ain </a:t>
+                </a:r>
                 <a14:m>
                   <m:oMath xmlns:m="http://schemas.openxmlformats.org/officeDocument/2006/math">
-                    <m:r>
-                      <m:rPr>
-                        <m:sty m:val="p"/>
-                      </m:rPr>
-                      <a:rPr lang="en-US" sz="1800" b="0" i="0" smtClean="0">
-                        <a:latin typeface="Cambria Math" panose="02040503050406030204" pitchFamily="18" charset="0"/>
-                      </a:rPr>
-                      <m:t>ain</m:t>
-                    </m:r>
-                    <m:r>
-                      <a:rPr lang="en-US" sz="1800" b="0" i="0" smtClean="0">
-                        <a:latin typeface="Cambria Math" panose="02040503050406030204" pitchFamily="18" charset="0"/>
-                      </a:rPr>
-                      <m:t>, </m:t>
-                    </m:r>
-                    <m:r>
-                      <a:rPr lang="en-US" sz="1800" b="0" i="1" smtClean="0">
-                        <a:latin typeface="Cambria Math" panose="02040503050406030204" pitchFamily="18" charset="0"/>
-                      </a:rPr>
-                      <m:t>𝑙𝑖</m:t>
-                    </m:r>
-                    <m:sSub>
-                      <m:sSubPr>
+                    <m:func>
+                      <m:funcPr>
                         <m:ctrlPr>
-                          <a:rPr lang="en-US" sz="1800" b="0" i="1" smtClean="0">
+                          <a:rPr lang="en-US" sz="2000" b="0" i="1" smtClean="0">
                             <a:latin typeface="Cambria Math" panose="02040503050406030204" pitchFamily="18" charset="0"/>
                           </a:rPr>
                         </m:ctrlPr>
-                      </m:sSubPr>
-                      <m:e>
-                        <m:r>
-                          <a:rPr lang="en-US" sz="1800" b="0" i="1" smtClean="0">
-                            <a:latin typeface="Cambria Math" panose="02040503050406030204" pitchFamily="18" charset="0"/>
-                          </a:rPr>
-                          <m:t>𝑚</m:t>
-                        </m:r>
-                      </m:e>
-                      <m:sub>
-                        <m:r>
-                          <a:rPr lang="en-US" sz="1800" b="0" i="1" smtClean="0">
-                            <a:latin typeface="Cambria Math" panose="02040503050406030204" pitchFamily="18" charset="0"/>
-                          </a:rPr>
-                          <m:t>𝑡</m:t>
-                        </m:r>
-                        <m:r>
-                          <a:rPr lang="en-US" sz="1800" b="0" i="1" smtClean="0">
-                            <a:latin typeface="Cambria Math" panose="02040503050406030204" pitchFamily="18" charset="0"/>
-                          </a:rPr>
-                          <m:t>→∞</m:t>
-                        </m:r>
-                      </m:sub>
-                    </m:sSub>
-                    <m:sSub>
-                      <m:sSubPr>
-                        <m:ctrlPr>
-                          <a:rPr lang="en-US" sz="1800" b="0" i="1" smtClean="0">
-                            <a:latin typeface="Cambria Math" panose="02040503050406030204" pitchFamily="18" charset="0"/>
-                          </a:rPr>
-                        </m:ctrlPr>
-                      </m:sSubPr>
-                      <m:e>
-                        <m:f>
-                          <m:fPr>
+                      </m:funcPr>
+                      <m:fName>
+                        <m:limLow>
+                          <m:limLowPr>
                             <m:ctrlPr>
-                              <a:rPr lang="en-US" sz="1800" b="0" i="1" smtClean="0">
+                              <a:rPr lang="en-US" sz="2000" b="0" i="1" smtClean="0">
                                 <a:latin typeface="Cambria Math" panose="02040503050406030204" pitchFamily="18" charset="0"/>
                               </a:rPr>
                             </m:ctrlPr>
-                          </m:fPr>
-                          <m:num>
+                          </m:limLowPr>
+                          <m:e>
                             <m:r>
-                              <a:rPr lang="en-US" sz="1800" b="0" i="1" smtClean="0">
+                              <m:rPr>
+                                <m:sty m:val="p"/>
+                              </m:rPr>
+                              <a:rPr lang="en-US" sz="2000" b="0" i="0" smtClean="0">
                                 <a:latin typeface="Cambria Math" panose="02040503050406030204" pitchFamily="18" charset="0"/>
                               </a:rPr>
-                              <m:t>𝑦</m:t>
+                              <m:t>lim</m:t>
                             </m:r>
-                            <m:d>
-                              <m:dPr>
-                                <m:ctrlPr>
-                                  <a:rPr lang="en-US" sz="1800" b="0" i="1" smtClean="0">
-                                    <a:latin typeface="Cambria Math" panose="02040503050406030204" pitchFamily="18" charset="0"/>
-                                  </a:rPr>
-                                </m:ctrlPr>
-                              </m:dPr>
-                              <m:e>
-                                <m:r>
-                                  <a:rPr lang="en-US" sz="1800" b="0" i="1" smtClean="0">
-                                    <a:latin typeface="Cambria Math" panose="02040503050406030204" pitchFamily="18" charset="0"/>
-                                  </a:rPr>
-                                  <m:t>𝑡</m:t>
-                                </m:r>
-                              </m:e>
-                            </m:d>
-                          </m:num>
-                          <m:den>
+                          </m:e>
+                          <m:lim>
                             <m:r>
-                              <a:rPr lang="en-US" sz="1800" b="0" i="1" smtClean="0">
-                                <a:latin typeface="Cambria Math" panose="02040503050406030204" pitchFamily="18" charset="0"/>
-                              </a:rPr>
-                              <m:t>𝑢</m:t>
-                            </m:r>
-                            <m:r>
-                              <a:rPr lang="en-US" sz="1800" b="0" i="1" smtClean="0">
-                                <a:latin typeface="Cambria Math" panose="02040503050406030204" pitchFamily="18" charset="0"/>
-                              </a:rPr>
-                              <m:t>(</m:t>
-                            </m:r>
-                            <m:r>
-                              <a:rPr lang="en-US" sz="1800" b="0" i="1" smtClean="0">
+                              <a:rPr lang="en-US" sz="2000" b="0" i="1" smtClean="0">
                                 <a:latin typeface="Cambria Math" panose="02040503050406030204" pitchFamily="18" charset="0"/>
                               </a:rPr>
                               <m:t>𝑡</m:t>
                             </m:r>
                             <m:r>
-                              <a:rPr lang="en-US" sz="1800" b="0" i="1" smtClean="0">
+                              <a:rPr lang="en-US" sz="2000" b="0" i="1" smtClean="0">
                                 <a:latin typeface="Cambria Math" panose="02040503050406030204" pitchFamily="18" charset="0"/>
                               </a:rPr>
-                              <m:t>)</m:t>
+                              <m:t>→∞</m:t>
                             </m:r>
-                          </m:den>
-                        </m:f>
+                          </m:lim>
+                        </m:limLow>
+                      </m:fName>
+                      <m:e>
+                        <m:r>
+                          <a:rPr lang="en-US" sz="2000" b="0" i="1" smtClean="0">
+                            <a:latin typeface="Cambria Math" panose="02040503050406030204" pitchFamily="18" charset="0"/>
+                          </a:rPr>
+                          <m:t>𝑦</m:t>
+                        </m:r>
+                        <m:r>
+                          <a:rPr lang="en-US" sz="2000" b="0" i="1" smtClean="0">
+                            <a:latin typeface="Cambria Math" panose="02040503050406030204" pitchFamily="18" charset="0"/>
+                          </a:rPr>
+                          <m:t>(</m:t>
+                        </m:r>
+                        <m:r>
+                          <a:rPr lang="en-US" sz="2000" b="0" i="1" smtClean="0">
+                            <a:latin typeface="Cambria Math" panose="02040503050406030204" pitchFamily="18" charset="0"/>
+                          </a:rPr>
+                          <m:t>𝑡</m:t>
+                        </m:r>
+                        <m:r>
+                          <a:rPr lang="en-US" sz="2000" b="0" i="1" smtClean="0">
+                            <a:latin typeface="Cambria Math" panose="02040503050406030204" pitchFamily="18" charset="0"/>
+                          </a:rPr>
+                          <m:t>)</m:t>
+                        </m:r>
                       </m:e>
-                      <m:sub/>
-                    </m:sSub>
+                    </m:func>
                   </m:oMath>
                 </a14:m>
                 <a:r>
@@ -20267,7 +21148,7 @@
                 </a14:m>
                 <a:r>
                   <a:rPr lang="en-US" sz="1800" dirty="0"/>
-                  <a:t>; </a:t>
+                  <a:t>; so, </a:t>
                 </a:r>
                 <a14:m>
                   <m:oMath xmlns:m="http://schemas.openxmlformats.org/officeDocument/2006/math">
@@ -20634,17 +21515,11 @@
                       </a:rPr>
                       <m:t>𝛼</m:t>
                     </m:r>
-                    <m:r>
-                      <a:rPr lang="en-US" sz="1800" b="0" i="1" smtClean="0">
-                        <a:latin typeface="Cambria Math" panose="02040503050406030204" pitchFamily="18" charset="0"/>
-                      </a:rPr>
-                      <m:t>.</m:t>
-                    </m:r>
                   </m:oMath>
                 </a14:m>
                 <a:r>
                   <a:rPr lang="en-US" sz="1800" b="0" dirty="0"/>
-                  <a:t> </a:t>
+                  <a:t> using initial conditions.</a:t>
                 </a:r>
               </a:p>
               <a:p>
@@ -21878,8 +22753,8 @@
           </a:p>
         </p:txBody>
       </p:sp>
-      <mc:AlternateContent xmlns:mc="http://schemas.openxmlformats.org/markup-compatibility/2006" xmlns:a14="http://schemas.microsoft.com/office/drawing/2010/main">
-        <mc:Choice Requires="a14">
+      <mc:AlternateContent xmlns:mc="http://schemas.openxmlformats.org/markup-compatibility/2006">
+        <mc:Choice xmlns:a14="http://schemas.microsoft.com/office/drawing/2010/main" Requires="a14">
           <p:sp>
             <p:nvSpPr>
               <p:cNvPr id="8" name="TextBox 7">
@@ -22048,11 +22923,17 @@
                       </a:rPr>
                       <m:t>𝑥</m:t>
                     </m:r>
+                    <m:r>
+                      <a:rPr lang="en-US" b="0" i="0" smtClean="0">
+                        <a:latin typeface="Cambria Math" panose="02040503050406030204" pitchFamily="18" charset="0"/>
+                      </a:rPr>
+                      <m:t>.</m:t>
+                    </m:r>
                   </m:oMath>
                 </a14:m>
                 <a:r>
                   <a:rPr lang="en-US" dirty="0"/>
-                  <a:t>, the point to predict </a:t>
+                  <a:t>We will predict </a:t>
                 </a:r>
                 <a14:m>
                   <m:oMath xmlns:m="http://schemas.openxmlformats.org/officeDocument/2006/math">
@@ -22297,10 +23178,6 @@
                   <a:buFont typeface="+mj-lt"/>
                   <a:buAutoNum type="arabicPeriod"/>
                 </a:pPr>
-                <a:r>
-                  <a:rPr lang="en-US" dirty="0"/>
-                  <a:t>The new estimate is </a:t>
-                </a:r>
                 <a14:m>
                   <m:oMath xmlns:m="http://schemas.openxmlformats.org/officeDocument/2006/math">
                     <m:r>
@@ -22484,7 +23361,7 @@
             </p:txBody>
           </p:sp>
         </mc:Choice>
-        <mc:Fallback xmlns="">
+        <mc:Fallback>
           <p:sp>
             <p:nvSpPr>
               <p:cNvPr id="8" name="TextBox 7">
@@ -24929,8 +25806,8 @@
           </a:p>
         </p:txBody>
       </p:sp>
-      <mc:AlternateContent xmlns:mc="http://schemas.openxmlformats.org/markup-compatibility/2006" xmlns:a14="http://schemas.microsoft.com/office/drawing/2010/main">
-        <mc:Choice Requires="a14">
+      <mc:AlternateContent xmlns:mc="http://schemas.openxmlformats.org/markup-compatibility/2006">
+        <mc:Choice xmlns:a14="http://schemas.microsoft.com/office/drawing/2010/main" Requires="a14">
           <p:sp>
             <p:nvSpPr>
               <p:cNvPr id="3" name="Content Placeholder 2">
@@ -24959,7 +25836,7 @@
               <a:p>
                 <a:r>
                   <a:rPr lang="en-US" sz="2400" dirty="0"/>
-                  <a:t>Poles: Solutions to the characteristic equation </a:t>
+                  <a:t>The poles are solutions to the characteristic equation. </a:t>
                 </a:r>
               </a:p>
               <a:p>
@@ -25096,7 +25973,7 @@
             </p:txBody>
           </p:sp>
         </mc:Choice>
-        <mc:Fallback xmlns="">
+        <mc:Fallback>
           <p:sp>
             <p:nvSpPr>
               <p:cNvPr id="3" name="Content Placeholder 2">
@@ -27961,44 +28838,14 @@
           </a:p>
         </p:txBody>
       </p:sp>
-      <p:pic>
-        <p:nvPicPr>
-          <p:cNvPr id="14" name="Picture 13">
-            <a:extLst>
-              <a:ext uri="{FF2B5EF4-FFF2-40B4-BE49-F238E27FC236}">
-                <a16:creationId xmlns:a16="http://schemas.microsoft.com/office/drawing/2014/main" id="{C585D7BA-125C-E7DF-6C2C-76AA2D49D270}"/>
-              </a:ext>
-            </a:extLst>
-          </p:cNvPr>
-          <p:cNvPicPr>
-            <a:picLocks noChangeAspect="1"/>
-          </p:cNvPicPr>
-          <p:nvPr/>
-        </p:nvPicPr>
-        <p:blipFill>
-          <a:blip r:embed="rId3"/>
-          <a:stretch>
-            <a:fillRect/>
-          </a:stretch>
-        </p:blipFill>
-        <p:spPr>
-          <a:xfrm>
-            <a:off x="4311650" y="3783635"/>
-            <a:ext cx="520700" cy="355600"/>
-          </a:xfrm>
-          <a:prstGeom prst="rect">
-            <a:avLst/>
-          </a:prstGeom>
-        </p:spPr>
-      </p:pic>
       <mc:AlternateContent xmlns:mc="http://schemas.openxmlformats.org/markup-compatibility/2006">
         <mc:Choice xmlns:a14="http://schemas.microsoft.com/office/drawing/2010/main" Requires="a14">
           <p:graphicFrame>
             <p:nvGraphicFramePr>
-              <p:cNvPr id="17" name="Table 5">
+              <p:cNvPr id="5" name="Table 5">
                 <a:extLst>
                   <a:ext uri="{FF2B5EF4-FFF2-40B4-BE49-F238E27FC236}">
-                    <a16:creationId xmlns:a16="http://schemas.microsoft.com/office/drawing/2014/main" id="{8B481381-8CA7-BC7A-C008-3189F4E73234}"/>
+                    <a16:creationId xmlns:a16="http://schemas.microsoft.com/office/drawing/2014/main" id="{CF6B65BA-A50B-5E64-1F7F-A25324C9857C}"/>
                   </a:ext>
                 </a:extLst>
               </p:cNvPr>
@@ -28008,13 +28855,13 @@
               <p:nvPr>
                 <p:extLst>
                   <p:ext uri="{D42A27DB-BD31-4B8C-83A1-F6EECF244321}">
-                    <p14:modId xmlns:p14="http://schemas.microsoft.com/office/powerpoint/2010/main" val="2197815900"/>
+                    <p14:modId xmlns:p14="http://schemas.microsoft.com/office/powerpoint/2010/main" val="1520205788"/>
                   </p:ext>
                 </p:extLst>
               </p:nvPr>
             </p:nvGraphicFramePr>
             <p:xfrm>
-              <a:off x="576675" y="2845805"/>
+              <a:off x="568914" y="2705170"/>
               <a:ext cx="7951308" cy="2749518"/>
             </p:xfrm>
             <a:graphic>
@@ -28894,10 +29741,10 @@
         <mc:Fallback>
           <p:graphicFrame>
             <p:nvGraphicFramePr>
-              <p:cNvPr id="17" name="Table 5">
+              <p:cNvPr id="5" name="Table 5">
                 <a:extLst>
                   <a:ext uri="{FF2B5EF4-FFF2-40B4-BE49-F238E27FC236}">
-                    <a16:creationId xmlns:a16="http://schemas.microsoft.com/office/drawing/2014/main" id="{8B481381-8CA7-BC7A-C008-3189F4E73234}"/>
+                    <a16:creationId xmlns:a16="http://schemas.microsoft.com/office/drawing/2014/main" id="{CF6B65BA-A50B-5E64-1F7F-A25324C9857C}"/>
                   </a:ext>
                 </a:extLst>
               </p:cNvPr>
@@ -28907,13 +29754,13 @@
               <p:nvPr>
                 <p:extLst>
                   <p:ext uri="{D42A27DB-BD31-4B8C-83A1-F6EECF244321}">
-                    <p14:modId xmlns:p14="http://schemas.microsoft.com/office/powerpoint/2010/main" val="2197815900"/>
+                    <p14:modId xmlns:p14="http://schemas.microsoft.com/office/powerpoint/2010/main" val="1520205788"/>
                   </p:ext>
                 </p:extLst>
               </p:nvPr>
             </p:nvGraphicFramePr>
             <p:xfrm>
-              <a:off x="576675" y="2845805"/>
+              <a:off x="568914" y="2705170"/>
               <a:ext cx="7951308" cy="2749518"/>
             </p:xfrm>
             <a:graphic>
@@ -28973,9 +29820,9 @@
                       </a:txBody>
                       <a:tcPr>
                         <a:blipFill>
-                          <a:blip r:embed="rId4"/>
+                          <a:blip r:embed="rId3"/>
                           <a:stretch>
-                            <a:fillRect l="-100637" t="-1754" r="-200637" b="-300000"/>
+                            <a:fillRect l="-100000" t="-1754" r="-200637" b="-300000"/>
                           </a:stretch>
                         </a:blipFill>
                       </a:tcPr>
@@ -28990,9 +29837,9 @@
                       </a:txBody>
                       <a:tcPr>
                         <a:blipFill>
-                          <a:blip r:embed="rId4"/>
+                          <a:blip r:embed="rId3"/>
                           <a:stretch>
-                            <a:fillRect l="-201923" t="-1754" r="-101923" b="-300000"/>
+                            <a:fillRect l="-201282" t="-1754" r="-101923" b="-300000"/>
                           </a:stretch>
                         </a:blipFill>
                       </a:tcPr>
@@ -29007,9 +29854,9 @@
                       </a:txBody>
                       <a:tcPr>
                         <a:blipFill>
-                          <a:blip r:embed="rId4"/>
+                          <a:blip r:embed="rId3"/>
                           <a:stretch>
-                            <a:fillRect l="-300000" t="-1754" r="-1274" b="-300000"/>
+                            <a:fillRect l="-299363" t="-1754" r="-1274" b="-300000"/>
                           </a:stretch>
                         </a:blipFill>
                       </a:tcPr>
@@ -29031,9 +29878,9 @@
                       </a:txBody>
                       <a:tcPr>
                         <a:blipFill>
-                          <a:blip r:embed="rId4"/>
+                          <a:blip r:embed="rId3"/>
                           <a:stretch>
-                            <a:fillRect l="-637" t="-87879" r="-300637" b="-159091"/>
+                            <a:fillRect t="-87879" r="-300637" b="-159091"/>
                           </a:stretch>
                         </a:blipFill>
                       </a:tcPr>
@@ -29048,9 +29895,9 @@
                       </a:txBody>
                       <a:tcPr>
                         <a:blipFill>
-                          <a:blip r:embed="rId4"/>
+                          <a:blip r:embed="rId3"/>
                           <a:stretch>
-                            <a:fillRect l="-100637" t="-87879" r="-200637" b="-159091"/>
+                            <a:fillRect l="-100000" t="-87879" r="-200637" b="-159091"/>
                           </a:stretch>
                         </a:blipFill>
                       </a:tcPr>
@@ -29065,9 +29912,9 @@
                       </a:txBody>
                       <a:tcPr>
                         <a:blipFill>
-                          <a:blip r:embed="rId4"/>
+                          <a:blip r:embed="rId3"/>
                           <a:stretch>
-                            <a:fillRect l="-201923" t="-87879" r="-101923" b="-159091"/>
+                            <a:fillRect l="-201282" t="-87879" r="-101923" b="-159091"/>
                           </a:stretch>
                         </a:blipFill>
                       </a:tcPr>
@@ -29142,9 +29989,9 @@
                       </a:txBody>
                       <a:tcPr>
                         <a:blipFill>
-                          <a:blip r:embed="rId4"/>
+                          <a:blip r:embed="rId3"/>
                           <a:stretch>
-                            <a:fillRect l="-637" t="-131915" r="-300637" b="-11702"/>
+                            <a:fillRect t="-131915" r="-300637" b="-11702"/>
                           </a:stretch>
                         </a:blipFill>
                       </a:tcPr>
@@ -29159,9 +30006,9 @@
                       </a:txBody>
                       <a:tcPr>
                         <a:blipFill>
-                          <a:blip r:embed="rId4"/>
+                          <a:blip r:embed="rId3"/>
                           <a:stretch>
-                            <a:fillRect l="-100637" t="-131915" r="-200637" b="-11702"/>
+                            <a:fillRect l="-100000" t="-131915" r="-200637" b="-11702"/>
                           </a:stretch>
                         </a:blipFill>
                       </a:tcPr>
@@ -29176,9 +30023,9 @@
                       </a:txBody>
                       <a:tcPr>
                         <a:blipFill>
-                          <a:blip r:embed="rId4"/>
+                          <a:blip r:embed="rId3"/>
                           <a:stretch>
-                            <a:fillRect l="-201923" t="-131915" r="-101923" b="-11702"/>
+                            <a:fillRect l="-201282" t="-131915" r="-101923" b="-11702"/>
                           </a:stretch>
                         </a:blipFill>
                       </a:tcPr>
@@ -29260,7 +30107,7 @@
                                           </p:stCondLst>
                                         </p:cTn>
                                         <p:tgtEl>
-                                          <p:spTgt spid="17"/>
+                                          <p:spTgt spid="5"/>
                                         </p:tgtEl>
                                         <p:attrNameLst>
                                           <p:attrName>style.visibility</p:attrName>
